--- a/ex/외주참고.pptx
+++ b/ex/외주참고.pptx
@@ -6,8 +6,9 @@
   </p:sldMasterIdLst>
   <p:sldIdLst>
     <p:sldId id="256" r:id="rId2"/>
-    <p:sldId id="257" r:id="rId3"/>
-    <p:sldId id="258" r:id="rId4"/>
+    <p:sldId id="259" r:id="rId3"/>
+    <p:sldId id="257" r:id="rId4"/>
+    <p:sldId id="258" r:id="rId5"/>
   </p:sldIdLst>
   <p:sldSz cx="12192000" cy="6858000"/>
   <p:notesSz cx="6858000" cy="9144000"/>
@@ -256,7 +257,7 @@
           <a:p>
             <a:fld id="{A76716D5-110C-4AB8-AFA3-38313944CA0A}" type="datetimeFigureOut">
               <a:rPr lang="ko-KR" altLang="en-US" smtClean="0"/>
-              <a:t>2021-09-04</a:t>
+              <a:t>2021-09-05</a:t>
             </a:fld>
             <a:endParaRPr lang="ko-KR" altLang="en-US"/>
           </a:p>
@@ -454,7 +455,7 @@
           <a:p>
             <a:fld id="{A76716D5-110C-4AB8-AFA3-38313944CA0A}" type="datetimeFigureOut">
               <a:rPr lang="ko-KR" altLang="en-US" smtClean="0"/>
-              <a:t>2021-09-04</a:t>
+              <a:t>2021-09-05</a:t>
             </a:fld>
             <a:endParaRPr lang="ko-KR" altLang="en-US"/>
           </a:p>
@@ -662,7 +663,7 @@
           <a:p>
             <a:fld id="{A76716D5-110C-4AB8-AFA3-38313944CA0A}" type="datetimeFigureOut">
               <a:rPr lang="ko-KR" altLang="en-US" smtClean="0"/>
-              <a:t>2021-09-04</a:t>
+              <a:t>2021-09-05</a:t>
             </a:fld>
             <a:endParaRPr lang="ko-KR" altLang="en-US"/>
           </a:p>
@@ -860,7 +861,7 @@
           <a:p>
             <a:fld id="{A76716D5-110C-4AB8-AFA3-38313944CA0A}" type="datetimeFigureOut">
               <a:rPr lang="ko-KR" altLang="en-US" smtClean="0"/>
-              <a:t>2021-09-04</a:t>
+              <a:t>2021-09-05</a:t>
             </a:fld>
             <a:endParaRPr lang="ko-KR" altLang="en-US"/>
           </a:p>
@@ -1135,7 +1136,7 @@
           <a:p>
             <a:fld id="{A76716D5-110C-4AB8-AFA3-38313944CA0A}" type="datetimeFigureOut">
               <a:rPr lang="ko-KR" altLang="en-US" smtClean="0"/>
-              <a:t>2021-09-04</a:t>
+              <a:t>2021-09-05</a:t>
             </a:fld>
             <a:endParaRPr lang="ko-KR" altLang="en-US"/>
           </a:p>
@@ -1400,7 +1401,7 @@
           <a:p>
             <a:fld id="{A76716D5-110C-4AB8-AFA3-38313944CA0A}" type="datetimeFigureOut">
               <a:rPr lang="ko-KR" altLang="en-US" smtClean="0"/>
-              <a:t>2021-09-04</a:t>
+              <a:t>2021-09-05</a:t>
             </a:fld>
             <a:endParaRPr lang="ko-KR" altLang="en-US"/>
           </a:p>
@@ -1812,7 +1813,7 @@
           <a:p>
             <a:fld id="{A76716D5-110C-4AB8-AFA3-38313944CA0A}" type="datetimeFigureOut">
               <a:rPr lang="ko-KR" altLang="en-US" smtClean="0"/>
-              <a:t>2021-09-04</a:t>
+              <a:t>2021-09-05</a:t>
             </a:fld>
             <a:endParaRPr lang="ko-KR" altLang="en-US"/>
           </a:p>
@@ -1953,7 +1954,7 @@
           <a:p>
             <a:fld id="{A76716D5-110C-4AB8-AFA3-38313944CA0A}" type="datetimeFigureOut">
               <a:rPr lang="ko-KR" altLang="en-US" smtClean="0"/>
-              <a:t>2021-09-04</a:t>
+              <a:t>2021-09-05</a:t>
             </a:fld>
             <a:endParaRPr lang="ko-KR" altLang="en-US"/>
           </a:p>
@@ -2066,7 +2067,7 @@
           <a:p>
             <a:fld id="{A76716D5-110C-4AB8-AFA3-38313944CA0A}" type="datetimeFigureOut">
               <a:rPr lang="ko-KR" altLang="en-US" smtClean="0"/>
-              <a:t>2021-09-04</a:t>
+              <a:t>2021-09-05</a:t>
             </a:fld>
             <a:endParaRPr lang="ko-KR" altLang="en-US"/>
           </a:p>
@@ -2377,7 +2378,7 @@
           <a:p>
             <a:fld id="{A76716D5-110C-4AB8-AFA3-38313944CA0A}" type="datetimeFigureOut">
               <a:rPr lang="ko-KR" altLang="en-US" smtClean="0"/>
-              <a:t>2021-09-04</a:t>
+              <a:t>2021-09-05</a:t>
             </a:fld>
             <a:endParaRPr lang="ko-KR" altLang="en-US"/>
           </a:p>
@@ -2665,7 +2666,7 @@
           <a:p>
             <a:fld id="{A76716D5-110C-4AB8-AFA3-38313944CA0A}" type="datetimeFigureOut">
               <a:rPr lang="ko-KR" altLang="en-US" smtClean="0"/>
-              <a:t>2021-09-04</a:t>
+              <a:t>2021-09-05</a:t>
             </a:fld>
             <a:endParaRPr lang="ko-KR" altLang="en-US"/>
           </a:p>
@@ -2906,7 +2907,7 @@
           <a:p>
             <a:fld id="{A76716D5-110C-4AB8-AFA3-38313944CA0A}" type="datetimeFigureOut">
               <a:rPr lang="ko-KR" altLang="en-US" smtClean="0"/>
-              <a:t>2021-09-04</a:t>
+              <a:t>2021-09-05</a:t>
             </a:fld>
             <a:endParaRPr lang="ko-KR" altLang="en-US"/>
           </a:p>
@@ -4856,6 +4857,778 @@
       </p:grpSpPr>
       <p:sp>
         <p:nvSpPr>
+          <p:cNvPr id="6" name="직사각형 5"/>
+          <p:cNvSpPr/>
+          <p:nvPr/>
+        </p:nvSpPr>
+        <p:spPr>
+          <a:xfrm>
+            <a:off x="10157434" y="11285"/>
+            <a:ext cx="7226300" cy="5419725"/>
+          </a:xfrm>
+          <a:prstGeom prst="rect">
+            <a:avLst/>
+          </a:prstGeom>
+        </p:spPr>
+        <p:style>
+          <a:lnRef idx="2">
+            <a:schemeClr val="accent1">
+              <a:shade val="50000"/>
+            </a:schemeClr>
+          </a:lnRef>
+          <a:fillRef idx="1">
+            <a:schemeClr val="accent1"/>
+          </a:fillRef>
+          <a:effectRef idx="0">
+            <a:schemeClr val="accent1"/>
+          </a:effectRef>
+          <a:fontRef idx="minor">
+            <a:schemeClr val="lt1"/>
+          </a:fontRef>
+        </p:style>
+        <p:txBody>
+          <a:bodyPr rtlCol="0" anchor="ctr"/>
+          <a:lstStyle/>
+          <a:p>
+            <a:pPr algn="ctr"/>
+            <a:endParaRPr lang="ko-KR" altLang="en-US"/>
+          </a:p>
+        </p:txBody>
+      </p:sp>
+      <p:pic>
+        <p:nvPicPr>
+          <p:cNvPr id="4" name="Picture 2"/>
+          <p:cNvPicPr>
+            <a:picLocks noChangeAspect="1" noChangeArrowheads="1"/>
+          </p:cNvPicPr>
+          <p:nvPr/>
+        </p:nvPicPr>
+        <p:blipFill rotWithShape="1">
+          <a:blip r:embed="rId2">
+            <a:extLst>
+              <a:ext uri="{28A0092B-C50C-407E-A947-70E740481C1C}">
+                <a14:useLocalDpi xmlns:a14="http://schemas.microsoft.com/office/drawing/2010/main" val="0"/>
+              </a:ext>
+            </a:extLst>
+          </a:blip>
+          <a:srcRect r="39241"/>
+          <a:stretch/>
+        </p:blipFill>
+        <p:spPr bwMode="auto">
+          <a:xfrm>
+            <a:off x="2732111" y="2081631"/>
+            <a:ext cx="5103787" cy="3461699"/>
+          </a:xfrm>
+          <a:prstGeom prst="rect">
+            <a:avLst/>
+          </a:prstGeom>
+          <a:solidFill>
+            <a:srgbClr val="FFFFFF">
+              <a:shade val="85000"/>
+            </a:srgbClr>
+          </a:solidFill>
+          <a:ln w="190500" cap="rnd">
+            <a:solidFill>
+              <a:srgbClr val="FFFFFF"/>
+            </a:solidFill>
+          </a:ln>
+          <a:effectLst>
+            <a:outerShdw blurRad="36195" dist="12700" dir="11400000" algn="tl" rotWithShape="0">
+              <a:srgbClr val="000000">
+                <a:alpha val="33000"/>
+              </a:srgbClr>
+            </a:outerShdw>
+          </a:effectLst>
+          <a:scene3d>
+            <a:camera prst="perspectiveContrastingLeftFacing">
+              <a:rot lat="540000" lon="2100000" rev="0"/>
+            </a:camera>
+            <a:lightRig rig="soft" dir="t"/>
+          </a:scene3d>
+          <a:sp3d contourW="12700" prstMaterial="matte">
+            <a:bevelT w="63500" h="50800"/>
+            <a:contourClr>
+              <a:srgbClr val="C0C0C0"/>
+            </a:contourClr>
+          </a:sp3d>
+          <a:extLst/>
+        </p:spPr>
+      </p:pic>
+      <p:pic>
+        <p:nvPicPr>
+          <p:cNvPr id="5" name="Picture 3"/>
+          <p:cNvPicPr>
+            <a:picLocks noChangeAspect="1" noChangeArrowheads="1"/>
+          </p:cNvPicPr>
+          <p:nvPr/>
+        </p:nvPicPr>
+        <p:blipFill>
+          <a:blip r:embed="rId3">
+            <a:extLst>
+              <a:ext uri="{28A0092B-C50C-407E-A947-70E740481C1C}">
+                <a14:useLocalDpi xmlns:a14="http://schemas.microsoft.com/office/drawing/2010/main" val="0"/>
+              </a:ext>
+            </a:extLst>
+          </a:blip>
+          <a:srcRect/>
+          <a:stretch>
+            <a:fillRect/>
+          </a:stretch>
+        </p:blipFill>
+        <p:spPr bwMode="auto">
+          <a:xfrm>
+            <a:off x="3860799" y="1801283"/>
+            <a:ext cx="3947135" cy="1839731"/>
+          </a:xfrm>
+          <a:prstGeom prst="rect">
+            <a:avLst/>
+          </a:prstGeom>
+          <a:solidFill>
+            <a:srgbClr val="FFFFFF">
+              <a:shade val="85000"/>
+            </a:srgbClr>
+          </a:solidFill>
+          <a:ln w="190500" cap="rnd">
+            <a:solidFill>
+              <a:srgbClr val="FFFFFF"/>
+            </a:solidFill>
+          </a:ln>
+          <a:effectLst>
+            <a:outerShdw blurRad="36195" dist="12700" dir="11400000" algn="tl" rotWithShape="0">
+              <a:srgbClr val="000000">
+                <a:alpha val="33000"/>
+              </a:srgbClr>
+            </a:outerShdw>
+          </a:effectLst>
+          <a:scene3d>
+            <a:camera prst="perspectiveContrastingLeftFacing">
+              <a:rot lat="540000" lon="2100000" rev="0"/>
+            </a:camera>
+            <a:lightRig rig="soft" dir="t"/>
+          </a:scene3d>
+          <a:sp3d contourW="12700" prstMaterial="matte">
+            <a:bevelT w="63500" h="50800"/>
+            <a:contourClr>
+              <a:srgbClr val="C0C0C0"/>
+            </a:contourClr>
+          </a:sp3d>
+          <a:extLst/>
+        </p:spPr>
+      </p:pic>
+      <p:sp>
+        <p:nvSpPr>
+          <p:cNvPr id="7" name="TextBox 6"/>
+          <p:cNvSpPr txBox="1"/>
+          <p:nvPr/>
+        </p:nvSpPr>
+        <p:spPr>
+          <a:xfrm>
+            <a:off x="739822" y="1660828"/>
+            <a:ext cx="2511378" cy="1508105"/>
+          </a:xfrm>
+          <a:prstGeom prst="rect">
+            <a:avLst/>
+          </a:prstGeom>
+          <a:noFill/>
+        </p:spPr>
+        <p:txBody>
+          <a:bodyPr wrap="square" rtlCol="0">
+            <a:spAutoFit/>
+          </a:bodyPr>
+          <a:lstStyle/>
+          <a:p>
+            <a:r>
+              <a:rPr lang="ko-KR" altLang="en-US" sz="3200" b="1" dirty="0" smtClean="0">
+                <a:latin typeface="Dongle" pitchFamily="2" charset="-127"/>
+                <a:ea typeface="Dongle" pitchFamily="2" charset="-127"/>
+              </a:rPr>
+              <a:t>빈틈없는 스토어 마케팅</a:t>
+            </a:r>
+            <a:endParaRPr lang="en-US" altLang="ko-KR" sz="3200" b="1" dirty="0" smtClean="0">
+              <a:latin typeface="Dongle" pitchFamily="2" charset="-127"/>
+              <a:ea typeface="Dongle" pitchFamily="2" charset="-127"/>
+            </a:endParaRPr>
+          </a:p>
+          <a:p>
+            <a:pPr algn="r"/>
+            <a:r>
+              <a:rPr lang="ko-KR" altLang="en-US" sz="6000" b="1" dirty="0">
+                <a:ln w="31550" cmpd="sng">
+                  <a:gradFill>
+                    <a:gsLst>
+                      <a:gs pos="70000">
+                        <a:schemeClr val="accent6">
+                          <a:shade val="50000"/>
+                          <a:satMod val="190000"/>
+                        </a:schemeClr>
+                      </a:gs>
+                      <a:gs pos="0">
+                        <a:schemeClr val="accent6">
+                          <a:tint val="77000"/>
+                          <a:satMod val="180000"/>
+                        </a:schemeClr>
+                      </a:gs>
+                    </a:gsLst>
+                    <a:lin ang="5400000"/>
+                  </a:gradFill>
+                  <a:prstDash val="solid"/>
+                </a:ln>
+                <a:solidFill>
+                  <a:schemeClr val="accent6">
+                    <a:tint val="15000"/>
+                    <a:satMod val="200000"/>
+                  </a:schemeClr>
+                </a:solidFill>
+                <a:effectLst>
+                  <a:outerShdw blurRad="50800" dist="40000" dir="5400000" algn="tl" rotWithShape="0">
+                    <a:srgbClr val="000000">
+                      <a:shade val="5000"/>
+                      <a:satMod val="120000"/>
+                      <a:alpha val="33000"/>
+                    </a:srgbClr>
+                  </a:outerShdw>
+                </a:effectLst>
+                <a:latin typeface="Dongle" pitchFamily="2" charset="-127"/>
+                <a:ea typeface="Dongle" pitchFamily="2" charset="-127"/>
+              </a:rPr>
+              <a:t>마이 </a:t>
+            </a:r>
+            <a:r>
+              <a:rPr lang="ko-KR" altLang="en-US" sz="6000" b="1" dirty="0" smtClean="0">
+                <a:ln w="31550" cmpd="sng">
+                  <a:gradFill>
+                    <a:gsLst>
+                      <a:gs pos="70000">
+                        <a:schemeClr val="accent6">
+                          <a:shade val="50000"/>
+                          <a:satMod val="190000"/>
+                        </a:schemeClr>
+                      </a:gs>
+                      <a:gs pos="0">
+                        <a:schemeClr val="accent6">
+                          <a:tint val="77000"/>
+                          <a:satMod val="180000"/>
+                        </a:schemeClr>
+                      </a:gs>
+                    </a:gsLst>
+                    <a:lin ang="5400000"/>
+                  </a:gradFill>
+                  <a:prstDash val="solid"/>
+                </a:ln>
+                <a:solidFill>
+                  <a:schemeClr val="accent6">
+                    <a:tint val="15000"/>
+                    <a:satMod val="200000"/>
+                  </a:schemeClr>
+                </a:solidFill>
+                <a:effectLst>
+                  <a:outerShdw blurRad="50800" dist="40000" dir="5400000" algn="tl" rotWithShape="0">
+                    <a:srgbClr val="000000">
+                      <a:shade val="5000"/>
+                      <a:satMod val="120000"/>
+                      <a:alpha val="33000"/>
+                    </a:srgbClr>
+                  </a:outerShdw>
+                </a:effectLst>
+                <a:latin typeface="Dongle" pitchFamily="2" charset="-127"/>
+                <a:ea typeface="Dongle" pitchFamily="2" charset="-127"/>
+              </a:rPr>
+              <a:t>마케터</a:t>
+            </a:r>
+            <a:r>
+              <a:rPr lang="en-US" altLang="ko-KR" sz="6000" b="1" dirty="0" smtClean="0">
+                <a:ln w="31550" cmpd="sng">
+                  <a:gradFill>
+                    <a:gsLst>
+                      <a:gs pos="70000">
+                        <a:schemeClr val="accent6">
+                          <a:shade val="50000"/>
+                          <a:satMod val="190000"/>
+                        </a:schemeClr>
+                      </a:gs>
+                      <a:gs pos="0">
+                        <a:schemeClr val="accent6">
+                          <a:tint val="77000"/>
+                          <a:satMod val="180000"/>
+                        </a:schemeClr>
+                      </a:gs>
+                    </a:gsLst>
+                    <a:lin ang="5400000"/>
+                  </a:gradFill>
+                  <a:prstDash val="solid"/>
+                </a:ln>
+                <a:solidFill>
+                  <a:schemeClr val="accent6">
+                    <a:tint val="15000"/>
+                    <a:satMod val="200000"/>
+                  </a:schemeClr>
+                </a:solidFill>
+                <a:effectLst>
+                  <a:outerShdw blurRad="50800" dist="40000" dir="5400000" algn="tl" rotWithShape="0">
+                    <a:srgbClr val="000000">
+                      <a:shade val="5000"/>
+                      <a:satMod val="120000"/>
+                      <a:alpha val="33000"/>
+                    </a:srgbClr>
+                  </a:outerShdw>
+                </a:effectLst>
+                <a:latin typeface="Dongle" pitchFamily="2" charset="-127"/>
+                <a:ea typeface="Dongle" pitchFamily="2" charset="-127"/>
+              </a:rPr>
+              <a:t> </a:t>
+            </a:r>
+            <a:endParaRPr lang="ko-KR" altLang="en-US" sz="6000" b="1" dirty="0">
+              <a:ln w="31550" cmpd="sng">
+                <a:gradFill>
+                  <a:gsLst>
+                    <a:gs pos="70000">
+                      <a:schemeClr val="accent6">
+                        <a:shade val="50000"/>
+                        <a:satMod val="190000"/>
+                      </a:schemeClr>
+                    </a:gs>
+                    <a:gs pos="0">
+                      <a:schemeClr val="accent6">
+                        <a:tint val="77000"/>
+                        <a:satMod val="180000"/>
+                      </a:schemeClr>
+                    </a:gs>
+                  </a:gsLst>
+                  <a:lin ang="5400000"/>
+                </a:gradFill>
+                <a:prstDash val="solid"/>
+              </a:ln>
+              <a:solidFill>
+                <a:schemeClr val="accent6">
+                  <a:tint val="15000"/>
+                  <a:satMod val="200000"/>
+                </a:schemeClr>
+              </a:solidFill>
+              <a:effectLst>
+                <a:outerShdw blurRad="50800" dist="40000" dir="5400000" algn="tl" rotWithShape="0">
+                  <a:srgbClr val="000000">
+                    <a:shade val="5000"/>
+                    <a:satMod val="120000"/>
+                    <a:alpha val="33000"/>
+                  </a:srgbClr>
+                </a:outerShdw>
+              </a:effectLst>
+              <a:latin typeface="Dongle" pitchFamily="2" charset="-127"/>
+              <a:ea typeface="Dongle" pitchFamily="2" charset="-127"/>
+            </a:endParaRPr>
+          </a:p>
+        </p:txBody>
+      </p:sp>
+      <p:sp>
+        <p:nvSpPr>
+          <p:cNvPr id="9" name="TextBox 8"/>
+          <p:cNvSpPr txBox="1"/>
+          <p:nvPr/>
+        </p:nvSpPr>
+        <p:spPr>
+          <a:xfrm>
+            <a:off x="828722" y="3553872"/>
+            <a:ext cx="2260600" cy="510778"/>
+          </a:xfrm>
+          <a:prstGeom prst="flowChartAlternateProcess">
+            <a:avLst/>
+          </a:prstGeom>
+          <a:solidFill>
+            <a:schemeClr val="accent5">
+              <a:lumMod val="50000"/>
+            </a:schemeClr>
+          </a:solidFill>
+          <a:ln/>
+          <a:effectLst>
+            <a:softEdge rad="25400"/>
+          </a:effectLst>
+        </p:spPr>
+        <p:style>
+          <a:lnRef idx="1">
+            <a:schemeClr val="accent1"/>
+          </a:lnRef>
+          <a:fillRef idx="3">
+            <a:schemeClr val="accent1"/>
+          </a:fillRef>
+          <a:effectRef idx="2">
+            <a:schemeClr val="accent1"/>
+          </a:effectRef>
+          <a:fontRef idx="minor">
+            <a:schemeClr val="lt1"/>
+          </a:fontRef>
+        </p:style>
+        <p:txBody>
+          <a:bodyPr wrap="square" rtlCol="0">
+            <a:spAutoFit/>
+          </a:bodyPr>
+          <a:lstStyle/>
+          <a:p>
+            <a:pPr algn="ctr"/>
+            <a:r>
+              <a:rPr lang="ko-KR" altLang="en-US" sz="2400" dirty="0" smtClean="0">
+                <a:latin typeface="Dongle" pitchFamily="2" charset="-127"/>
+                <a:ea typeface="Dongle" pitchFamily="2" charset="-127"/>
+                <a:cs typeface="함초롬바탕" panose="02030604000101010101" pitchFamily="18" charset="-127"/>
+              </a:rPr>
+              <a:t>입찰가 관리</a:t>
+            </a:r>
+            <a:endParaRPr lang="ko-KR" altLang="en-US" sz="2400" dirty="0">
+              <a:latin typeface="Dongle" pitchFamily="2" charset="-127"/>
+              <a:ea typeface="Dongle" pitchFamily="2" charset="-127"/>
+              <a:cs typeface="함초롬바탕" panose="02030604000101010101" pitchFamily="18" charset="-127"/>
+            </a:endParaRPr>
+          </a:p>
+        </p:txBody>
+      </p:sp>
+      <p:sp>
+        <p:nvSpPr>
+          <p:cNvPr id="10" name="TextBox 9"/>
+          <p:cNvSpPr txBox="1"/>
+          <p:nvPr/>
+        </p:nvSpPr>
+        <p:spPr>
+          <a:xfrm>
+            <a:off x="828722" y="4054230"/>
+            <a:ext cx="2260600" cy="510778"/>
+          </a:xfrm>
+          <a:prstGeom prst="flowChartAlternateProcess">
+            <a:avLst/>
+          </a:prstGeom>
+          <a:solidFill>
+            <a:schemeClr val="accent5">
+              <a:lumMod val="50000"/>
+            </a:schemeClr>
+          </a:solidFill>
+          <a:ln/>
+          <a:effectLst>
+            <a:softEdge rad="25400"/>
+          </a:effectLst>
+        </p:spPr>
+        <p:style>
+          <a:lnRef idx="1">
+            <a:schemeClr val="accent1"/>
+          </a:lnRef>
+          <a:fillRef idx="3">
+            <a:schemeClr val="accent1"/>
+          </a:fillRef>
+          <a:effectRef idx="2">
+            <a:schemeClr val="accent1"/>
+          </a:effectRef>
+          <a:fontRef idx="minor">
+            <a:schemeClr val="lt1"/>
+          </a:fontRef>
+        </p:style>
+        <p:txBody>
+          <a:bodyPr wrap="square" rtlCol="0">
+            <a:spAutoFit/>
+          </a:bodyPr>
+          <a:lstStyle/>
+          <a:p>
+            <a:pPr algn="ctr"/>
+            <a:r>
+              <a:rPr lang="en-US" altLang="ko-KR" sz="2400" dirty="0" smtClean="0">
+                <a:latin typeface="Dongle" pitchFamily="2" charset="-127"/>
+                <a:ea typeface="Dongle" pitchFamily="2" charset="-127"/>
+                <a:cs typeface="함초롬바탕" panose="02030604000101010101" pitchFamily="18" charset="-127"/>
+              </a:rPr>
+              <a:t>SNS/</a:t>
+            </a:r>
+            <a:r>
+              <a:rPr lang="ko-KR" altLang="en-US" sz="2400" dirty="0" smtClean="0">
+                <a:latin typeface="Dongle" pitchFamily="2" charset="-127"/>
+                <a:ea typeface="Dongle" pitchFamily="2" charset="-127"/>
+                <a:cs typeface="함초롬바탕" panose="02030604000101010101" pitchFamily="18" charset="-127"/>
+              </a:rPr>
+              <a:t>럭키투데이</a:t>
+            </a:r>
+            <a:r>
+              <a:rPr lang="en-US" altLang="ko-KR" sz="2400" dirty="0" smtClean="0">
+                <a:latin typeface="Dongle" pitchFamily="2" charset="-127"/>
+                <a:ea typeface="Dongle" pitchFamily="2" charset="-127"/>
+                <a:cs typeface="함초롬바탕" panose="02030604000101010101" pitchFamily="18" charset="-127"/>
+              </a:rPr>
+              <a:t> </a:t>
+            </a:r>
+            <a:r>
+              <a:rPr lang="ko-KR" altLang="en-US" sz="2400" dirty="0" smtClean="0">
+                <a:latin typeface="Dongle" pitchFamily="2" charset="-127"/>
+                <a:ea typeface="Dongle" pitchFamily="2" charset="-127"/>
+                <a:cs typeface="함초롬바탕" panose="02030604000101010101" pitchFamily="18" charset="-127"/>
+              </a:rPr>
+              <a:t>현황</a:t>
+            </a:r>
+            <a:endParaRPr lang="ko-KR" altLang="en-US" sz="2400" dirty="0">
+              <a:latin typeface="Dongle" pitchFamily="2" charset="-127"/>
+              <a:ea typeface="Dongle" pitchFamily="2" charset="-127"/>
+              <a:cs typeface="함초롬바탕" panose="02030604000101010101" pitchFamily="18" charset="-127"/>
+            </a:endParaRPr>
+          </a:p>
+        </p:txBody>
+      </p:sp>
+      <p:sp>
+        <p:nvSpPr>
+          <p:cNvPr id="11" name="TextBox 10"/>
+          <p:cNvSpPr txBox="1"/>
+          <p:nvPr/>
+        </p:nvSpPr>
+        <p:spPr>
+          <a:xfrm>
+            <a:off x="828722" y="3053514"/>
+            <a:ext cx="2260600" cy="510778"/>
+          </a:xfrm>
+          <a:prstGeom prst="flowChartAlternateProcess">
+            <a:avLst/>
+          </a:prstGeom>
+          <a:solidFill>
+            <a:schemeClr val="accent5">
+              <a:lumMod val="50000"/>
+            </a:schemeClr>
+          </a:solidFill>
+          <a:ln/>
+          <a:effectLst>
+            <a:softEdge rad="25400"/>
+          </a:effectLst>
+        </p:spPr>
+        <p:style>
+          <a:lnRef idx="1">
+            <a:schemeClr val="accent1"/>
+          </a:lnRef>
+          <a:fillRef idx="3">
+            <a:schemeClr val="accent1"/>
+          </a:fillRef>
+          <a:effectRef idx="2">
+            <a:schemeClr val="accent1"/>
+          </a:effectRef>
+          <a:fontRef idx="minor">
+            <a:schemeClr val="lt1"/>
+          </a:fontRef>
+        </p:style>
+        <p:txBody>
+          <a:bodyPr wrap="square" rtlCol="0">
+            <a:spAutoFit/>
+          </a:bodyPr>
+          <a:lstStyle/>
+          <a:p>
+            <a:pPr algn="ctr"/>
+            <a:r>
+              <a:rPr lang="ko-KR" altLang="en-US" sz="2400" dirty="0" smtClean="0">
+                <a:latin typeface="Dongle" pitchFamily="2" charset="-127"/>
+                <a:ea typeface="Dongle" pitchFamily="2" charset="-127"/>
+                <a:cs typeface="함초롬바탕" panose="02030604000101010101" pitchFamily="18" charset="-127"/>
+              </a:rPr>
+              <a:t>광고소재 수정</a:t>
+            </a:r>
+            <a:endParaRPr lang="ko-KR" altLang="en-US" sz="2400" dirty="0">
+              <a:latin typeface="Dongle" pitchFamily="2" charset="-127"/>
+              <a:ea typeface="Dongle" pitchFamily="2" charset="-127"/>
+              <a:cs typeface="함초롬바탕" panose="02030604000101010101" pitchFamily="18" charset="-127"/>
+            </a:endParaRPr>
+          </a:p>
+        </p:txBody>
+      </p:sp>
+      <p:sp>
+        <p:nvSpPr>
+          <p:cNvPr id="12" name="TextBox 11"/>
+          <p:cNvSpPr txBox="1"/>
+          <p:nvPr/>
+        </p:nvSpPr>
+        <p:spPr>
+          <a:xfrm>
+            <a:off x="828722" y="4554588"/>
+            <a:ext cx="2260600" cy="510778"/>
+          </a:xfrm>
+          <a:prstGeom prst="flowChartAlternateProcess">
+            <a:avLst/>
+          </a:prstGeom>
+          <a:solidFill>
+            <a:schemeClr val="accent5">
+              <a:lumMod val="50000"/>
+            </a:schemeClr>
+          </a:solidFill>
+          <a:ln/>
+          <a:effectLst>
+            <a:softEdge rad="25400"/>
+          </a:effectLst>
+        </p:spPr>
+        <p:style>
+          <a:lnRef idx="1">
+            <a:schemeClr val="accent1"/>
+          </a:lnRef>
+          <a:fillRef idx="3">
+            <a:schemeClr val="accent1"/>
+          </a:fillRef>
+          <a:effectRef idx="2">
+            <a:schemeClr val="accent1"/>
+          </a:effectRef>
+          <a:fontRef idx="minor">
+            <a:schemeClr val="lt1"/>
+          </a:fontRef>
+        </p:style>
+        <p:txBody>
+          <a:bodyPr wrap="square" rtlCol="0">
+            <a:spAutoFit/>
+          </a:bodyPr>
+          <a:lstStyle/>
+          <a:p>
+            <a:pPr algn="ctr"/>
+            <a:r>
+              <a:rPr lang="ko-KR" altLang="en-US" sz="2400" dirty="0" smtClean="0">
+                <a:latin typeface="Dongle" pitchFamily="2" charset="-127"/>
+                <a:ea typeface="Dongle" pitchFamily="2" charset="-127"/>
+                <a:cs typeface="함초롬바탕" panose="02030604000101010101" pitchFamily="18" charset="-127"/>
+              </a:rPr>
+              <a:t>상품 기획 의견</a:t>
+            </a:r>
+            <a:endParaRPr lang="ko-KR" altLang="en-US" sz="2400" dirty="0">
+              <a:latin typeface="Dongle" pitchFamily="2" charset="-127"/>
+              <a:ea typeface="Dongle" pitchFamily="2" charset="-127"/>
+              <a:cs typeface="함초롬바탕" panose="02030604000101010101" pitchFamily="18" charset="-127"/>
+            </a:endParaRPr>
+          </a:p>
+        </p:txBody>
+      </p:sp>
+      <p:sp>
+        <p:nvSpPr>
+          <p:cNvPr id="13" name="TextBox 12"/>
+          <p:cNvSpPr txBox="1"/>
+          <p:nvPr/>
+        </p:nvSpPr>
+        <p:spPr>
+          <a:xfrm>
+            <a:off x="828722" y="5054946"/>
+            <a:ext cx="2260600" cy="510778"/>
+          </a:xfrm>
+          <a:prstGeom prst="flowChartAlternateProcess">
+            <a:avLst/>
+          </a:prstGeom>
+          <a:solidFill>
+            <a:schemeClr val="accent5">
+              <a:lumMod val="50000"/>
+            </a:schemeClr>
+          </a:solidFill>
+          <a:ln/>
+          <a:effectLst>
+            <a:softEdge rad="25400"/>
+          </a:effectLst>
+        </p:spPr>
+        <p:style>
+          <a:lnRef idx="1">
+            <a:schemeClr val="accent1"/>
+          </a:lnRef>
+          <a:fillRef idx="3">
+            <a:schemeClr val="accent1"/>
+          </a:fillRef>
+          <a:effectRef idx="2">
+            <a:schemeClr val="accent1"/>
+          </a:effectRef>
+          <a:fontRef idx="minor">
+            <a:schemeClr val="lt1"/>
+          </a:fontRef>
+        </p:style>
+        <p:txBody>
+          <a:bodyPr wrap="square" rtlCol="0">
+            <a:spAutoFit/>
+          </a:bodyPr>
+          <a:lstStyle/>
+          <a:p>
+            <a:pPr algn="ctr"/>
+            <a:r>
+              <a:rPr lang="ko-KR" altLang="en-US" sz="2400" dirty="0" smtClean="0">
+                <a:latin typeface="Dongle" pitchFamily="2" charset="-127"/>
+                <a:ea typeface="Dongle" pitchFamily="2" charset="-127"/>
+                <a:cs typeface="함초롬바탕" panose="02030604000101010101" pitchFamily="18" charset="-127"/>
+              </a:rPr>
+              <a:t>인기검색어 </a:t>
+            </a:r>
+            <a:r>
+              <a:rPr lang="en-US" altLang="ko-KR" sz="2400" dirty="0" smtClean="0">
+                <a:latin typeface="Dongle" pitchFamily="2" charset="-127"/>
+                <a:ea typeface="Dongle" pitchFamily="2" charset="-127"/>
+                <a:cs typeface="함초롬바탕" panose="02030604000101010101" pitchFamily="18" charset="-127"/>
+              </a:rPr>
+              <a:t>top500</a:t>
+            </a:r>
+            <a:endParaRPr lang="ko-KR" altLang="en-US" sz="2400" dirty="0">
+              <a:latin typeface="Dongle" pitchFamily="2" charset="-127"/>
+              <a:ea typeface="Dongle" pitchFamily="2" charset="-127"/>
+              <a:cs typeface="함초롬바탕" panose="02030604000101010101" pitchFamily="18" charset="-127"/>
+            </a:endParaRPr>
+          </a:p>
+        </p:txBody>
+      </p:sp>
+      <p:pic>
+        <p:nvPicPr>
+          <p:cNvPr id="2052" name="Picture 4" descr="https://cdn.crowdpic.net/list-thumb/thumb_l_13E31A9BE6D862D27CF5AD729AEC6330.png"/>
+          <p:cNvPicPr>
+            <a:picLocks noChangeAspect="1" noChangeArrowheads="1"/>
+          </p:cNvPicPr>
+          <p:nvPr/>
+        </p:nvPicPr>
+        <p:blipFill>
+          <a:blip r:embed="rId4">
+            <a:extLst>
+              <a:ext uri="{28A0092B-C50C-407E-A947-70E740481C1C}">
+                <a14:useLocalDpi xmlns:a14="http://schemas.microsoft.com/office/drawing/2010/main" val="0"/>
+              </a:ext>
+            </a:extLst>
+          </a:blip>
+          <a:srcRect/>
+          <a:stretch>
+            <a:fillRect/>
+          </a:stretch>
+        </p:blipFill>
+        <p:spPr bwMode="auto">
+          <a:xfrm>
+            <a:off x="632434" y="654335"/>
+            <a:ext cx="7226300" cy="983965"/>
+          </a:xfrm>
+          <a:prstGeom prst="rect">
+            <a:avLst/>
+          </a:prstGeom>
+          <a:noFill/>
+          <a:extLst>
+            <a:ext uri="{909E8E84-426E-40DD-AFC4-6F175D3DCCD1}">
+              <a14:hiddenFill xmlns:a14="http://schemas.microsoft.com/office/drawing/2010/main">
+                <a:solidFill>
+                  <a:srgbClr val="FFFFFF"/>
+                </a:solidFill>
+              </a14:hiddenFill>
+            </a:ext>
+          </a:extLst>
+        </p:spPr>
+      </p:pic>
+    </p:spTree>
+    <p:extLst>
+      <p:ext uri="{BB962C8B-B14F-4D97-AF65-F5344CB8AC3E}">
+        <p14:creationId xmlns:p14="http://schemas.microsoft.com/office/powerpoint/2010/main" val="4208917791"/>
+      </p:ext>
+    </p:extLst>
+  </p:cSld>
+  <p:clrMapOvr>
+    <a:masterClrMapping/>
+  </p:clrMapOvr>
+</p:sld>
+</file>
+
+<file path=ppt/slides/slide3.xml><?xml version="1.0" encoding="utf-8"?>
+<p:sld xmlns:a="http://schemas.openxmlformats.org/drawingml/2006/main" xmlns:r="http://schemas.openxmlformats.org/officeDocument/2006/relationships" xmlns:p="http://schemas.openxmlformats.org/presentationml/2006/main">
+  <p:cSld>
+    <p:spTree>
+      <p:nvGrpSpPr>
+        <p:cNvPr id="1" name=""/>
+        <p:cNvGrpSpPr/>
+        <p:nvPr/>
+      </p:nvGrpSpPr>
+      <p:grpSpPr>
+        <a:xfrm>
+          <a:off x="0" y="0"/>
+          <a:ext cx="0" cy="0"/>
+          <a:chOff x="0" y="0"/>
+          <a:chExt cx="0" cy="0"/>
+        </a:xfrm>
+      </p:grpSpPr>
+      <p:sp>
+        <p:nvSpPr>
           <p:cNvPr id="5" name="TextBox 4">
             <a:extLst>
               <a:ext uri="{FF2B5EF4-FFF2-40B4-BE49-F238E27FC236}">
@@ -5152,8 +5925,8 @@
         </p:nvSpPr>
         <p:spPr>
           <a:xfrm>
-            <a:off x="3566709" y="380710"/>
-            <a:ext cx="7317191" cy="5324535"/>
+            <a:off x="3592109" y="342610"/>
+            <a:ext cx="7317191" cy="12865060"/>
           </a:xfrm>
           <a:prstGeom prst="rect">
             <a:avLst/>
@@ -5174,12 +5947,522 @@
           </a:p>
           <a:p>
             <a:r>
+              <a:rPr lang="ko-KR" altLang="en-US" sz="1000" dirty="0" smtClean="0"/>
+              <a:t>스마트스토어 검색광고</a:t>
+            </a:r>
+            <a:r>
+              <a:rPr lang="en-US" altLang="ko-KR" sz="1000" dirty="0" smtClean="0"/>
+              <a:t>, </a:t>
+            </a:r>
+            <a:r>
+              <a:rPr lang="ko-KR" altLang="en-US" sz="1000" dirty="0" smtClean="0"/>
+              <a:t>마케팅 업무 대신 해드립니다</a:t>
+            </a:r>
+            <a:r>
+              <a:rPr lang="en-US" altLang="ko-KR" sz="1000" dirty="0" smtClean="0"/>
+              <a:t>.</a:t>
+            </a:r>
+          </a:p>
+          <a:p>
+            <a:endParaRPr lang="en-US" altLang="ko-KR" sz="1000" dirty="0" smtClean="0"/>
+          </a:p>
+          <a:p>
+            <a:r>
+              <a:rPr lang="en-US" altLang="ko-KR" sz="1000" dirty="0" smtClean="0"/>
+              <a:t>[</a:t>
+            </a:r>
+            <a:r>
+              <a:rPr lang="ko-KR" altLang="en-US" sz="1000" dirty="0" smtClean="0"/>
+              <a:t>마이 마케터</a:t>
+            </a:r>
+            <a:r>
+              <a:rPr lang="en-US" altLang="ko-KR" sz="1000" dirty="0" smtClean="0"/>
+              <a:t>, </a:t>
+            </a:r>
+            <a:r>
+              <a:rPr lang="ko-KR" altLang="en-US" sz="1000" dirty="0"/>
+              <a:t>기초부터 </a:t>
+            </a:r>
+            <a:r>
+              <a:rPr lang="ko-KR" altLang="en-US" sz="1000" dirty="0" smtClean="0"/>
+              <a:t>빈틈없이 챙겨드립니다</a:t>
+            </a:r>
+            <a:r>
+              <a:rPr lang="en-US" altLang="ko-KR" sz="1000" dirty="0" smtClean="0"/>
+              <a:t>]</a:t>
+            </a:r>
+          </a:p>
+          <a:p>
+            <a:r>
+              <a:rPr lang="en-US" altLang="ko-KR" sz="1000" dirty="0"/>
+              <a:t>“</a:t>
+            </a:r>
+            <a:r>
+              <a:rPr lang="ko-KR" altLang="en-US" sz="1000" dirty="0"/>
+              <a:t>상품 노출이 잘 안 되는데</a:t>
+            </a:r>
+            <a:r>
+              <a:rPr lang="en-US" altLang="ko-KR" sz="1000" dirty="0"/>
+              <a:t>, </a:t>
+            </a:r>
+            <a:r>
+              <a:rPr lang="ko-KR" altLang="en-US" sz="1000" dirty="0"/>
+              <a:t>검색광고는 어떻게 시작하지</a:t>
+            </a:r>
+            <a:r>
+              <a:rPr lang="en-US" altLang="ko-KR" sz="1000" dirty="0"/>
+              <a:t>?”</a:t>
+            </a:r>
+          </a:p>
+          <a:p>
+            <a:r>
+              <a:rPr lang="en-US" altLang="ko-KR" sz="1000" dirty="0" smtClean="0"/>
+              <a:t>“</a:t>
+            </a:r>
+            <a:r>
+              <a:rPr lang="ko-KR" altLang="en-US" sz="1000" dirty="0" smtClean="0"/>
+              <a:t>내가</a:t>
+            </a:r>
+            <a:r>
+              <a:rPr lang="en-US" altLang="ko-KR" sz="1000" dirty="0" smtClean="0"/>
+              <a:t> </a:t>
+            </a:r>
+            <a:r>
+              <a:rPr lang="ko-KR" altLang="en-US" sz="1000" dirty="0" smtClean="0"/>
+              <a:t>광고비를 제대로 잘 쓰고 </a:t>
+            </a:r>
+            <a:r>
+              <a:rPr lang="ko-KR" altLang="en-US" sz="1000" dirty="0" err="1" smtClean="0"/>
+              <a:t>있는게</a:t>
+            </a:r>
+            <a:r>
+              <a:rPr lang="ko-KR" altLang="en-US" sz="1000" dirty="0" smtClean="0"/>
+              <a:t> 맞나</a:t>
+            </a:r>
+            <a:r>
+              <a:rPr lang="en-US" altLang="ko-KR" sz="1000" dirty="0" smtClean="0"/>
+              <a:t>?”</a:t>
+            </a:r>
+          </a:p>
+          <a:p>
+            <a:r>
+              <a:rPr lang="en-US" altLang="ko-KR" sz="1000" dirty="0" smtClean="0"/>
+              <a:t>“</a:t>
+            </a:r>
+            <a:r>
+              <a:rPr lang="ko-KR" altLang="en-US" sz="1000" dirty="0" err="1" smtClean="0"/>
+              <a:t>럭키</a:t>
+            </a:r>
+            <a:r>
+              <a:rPr lang="ko-KR" altLang="en-US" sz="1000" dirty="0" smtClean="0"/>
+              <a:t> </a:t>
+            </a:r>
+            <a:r>
+              <a:rPr lang="ko-KR" altLang="en-US" sz="1000" dirty="0" err="1" smtClean="0"/>
+              <a:t>투데이는</a:t>
+            </a:r>
+            <a:r>
+              <a:rPr lang="ko-KR" altLang="en-US" sz="1000" dirty="0" smtClean="0"/>
+              <a:t> 무료인데도</a:t>
+            </a:r>
+            <a:r>
+              <a:rPr lang="en-US" altLang="ko-KR" sz="1000" dirty="0" smtClean="0"/>
+              <a:t>, </a:t>
+            </a:r>
+            <a:r>
+              <a:rPr lang="ko-KR" altLang="en-US" sz="1000" dirty="0" smtClean="0"/>
+              <a:t>왜 자꾸 놓치게 될까</a:t>
+            </a:r>
+            <a:r>
+              <a:rPr lang="en-US" altLang="ko-KR" sz="1000" dirty="0" smtClean="0"/>
+              <a:t>? </a:t>
+            </a:r>
+            <a:r>
+              <a:rPr lang="ko-KR" altLang="en-US" sz="1000" dirty="0" smtClean="0"/>
+              <a:t>다른 무료 마케팅 수단도 빠짐없이 관리할 순 없나</a:t>
+            </a:r>
+            <a:r>
+              <a:rPr lang="en-US" altLang="ko-KR" sz="1000" dirty="0" smtClean="0"/>
+              <a:t>?”</a:t>
+            </a:r>
+          </a:p>
+          <a:p>
+            <a:endParaRPr lang="en-US" altLang="ko-KR" sz="1000" dirty="0" smtClean="0"/>
+          </a:p>
+          <a:p>
+            <a:r>
+              <a:rPr lang="ko-KR" altLang="en-US" sz="1000" dirty="0" smtClean="0"/>
+              <a:t>이런 고민</a:t>
+            </a:r>
+            <a:r>
+              <a:rPr lang="en-US" altLang="ko-KR" sz="1000" dirty="0" smtClean="0"/>
+              <a:t>,</a:t>
+            </a:r>
+            <a:r>
+              <a:rPr lang="ko-KR" altLang="en-US" sz="1000" dirty="0" smtClean="0"/>
+              <a:t> 다들 해보셨나요</a:t>
+            </a:r>
+            <a:r>
+              <a:rPr lang="en-US" altLang="ko-KR" sz="1000" dirty="0" smtClean="0"/>
+              <a:t>? </a:t>
+            </a:r>
+            <a:r>
+              <a:rPr lang="ko-KR" altLang="en-US" sz="1000" dirty="0" smtClean="0"/>
+              <a:t>여기에 머리 썩힐 시간들을 대신하고자</a:t>
+            </a:r>
+            <a:r>
+              <a:rPr lang="en-US" altLang="ko-KR" sz="1000" dirty="0" smtClean="0"/>
+              <a:t>, </a:t>
+            </a:r>
+          </a:p>
+          <a:p>
+            <a:r>
+              <a:rPr lang="ko-KR" altLang="en-US" sz="1000" dirty="0" smtClean="0"/>
+              <a:t>제 노하우를 </a:t>
+            </a:r>
+            <a:r>
+              <a:rPr lang="ko-KR" altLang="en-US" sz="1000" dirty="0" err="1" smtClean="0"/>
+              <a:t>타협없이</a:t>
+            </a:r>
+            <a:r>
+              <a:rPr lang="ko-KR" altLang="en-US" sz="1000" dirty="0" smtClean="0"/>
+              <a:t> </a:t>
+            </a:r>
+            <a:r>
+              <a:rPr lang="ko-KR" altLang="en-US" sz="1000" dirty="0" err="1" smtClean="0"/>
+              <a:t>털어넣은</a:t>
+            </a:r>
+            <a:r>
+              <a:rPr lang="ko-KR" altLang="en-US" sz="1000" dirty="0" smtClean="0"/>
+              <a:t> 마이 마케터 서비스를 시작해봅니다</a:t>
+            </a:r>
+            <a:r>
+              <a:rPr lang="en-US" altLang="ko-KR" sz="1000" dirty="0" smtClean="0"/>
+              <a:t>!</a:t>
+            </a:r>
+            <a:endParaRPr lang="en-US" altLang="ko-KR" sz="1000" dirty="0"/>
+          </a:p>
+          <a:p>
+            <a:endParaRPr lang="en-US" altLang="ko-KR" sz="1000" dirty="0" smtClean="0"/>
+          </a:p>
+          <a:p>
+            <a:r>
+              <a:rPr lang="ko-KR" altLang="en-US" sz="1000" dirty="0"/>
+              <a:t>저희 마이 </a:t>
+            </a:r>
+            <a:r>
+              <a:rPr lang="ko-KR" altLang="en-US" sz="1000" dirty="0" err="1"/>
+              <a:t>마케터는</a:t>
+            </a:r>
+            <a:r>
+              <a:rPr lang="ko-KR" altLang="en-US" sz="1000" dirty="0"/>
+              <a:t> </a:t>
+            </a:r>
+            <a:r>
+              <a:rPr lang="ko-KR" altLang="en-US" sz="1000" dirty="0" smtClean="0"/>
+              <a:t>단순한 검색광고 최적화에서 열 걸음 더 나아갑니다</a:t>
+            </a:r>
+            <a:r>
+              <a:rPr lang="en-US" altLang="ko-KR" sz="1000" dirty="0" smtClean="0"/>
+              <a:t> </a:t>
+            </a:r>
+          </a:p>
+          <a:p>
+            <a:endParaRPr lang="en-US" altLang="ko-KR" sz="1000" dirty="0" smtClean="0"/>
+          </a:p>
+          <a:p>
+            <a:r>
+              <a:rPr lang="ko-KR" altLang="en-US" sz="1000" dirty="0" smtClean="0"/>
+              <a:t>완벽하고 빈틈없는 마케팅 효과를 위해 어떤 상품을 선택하셔도</a:t>
+            </a:r>
+            <a:r>
+              <a:rPr lang="en-US" altLang="ko-KR" sz="1000" dirty="0" smtClean="0"/>
+              <a:t> </a:t>
+            </a:r>
+          </a:p>
+          <a:p>
+            <a:r>
+              <a:rPr lang="ko-KR" altLang="en-US" sz="1000" dirty="0" smtClean="0"/>
+              <a:t>광고 분석은 기본이고</a:t>
+            </a:r>
+            <a:r>
+              <a:rPr lang="en-US" altLang="ko-KR" sz="1000" dirty="0" smtClean="0"/>
+              <a:t>,</a:t>
+            </a:r>
+            <a:r>
+              <a:rPr lang="ko-KR" altLang="en-US" sz="1000" dirty="0" smtClean="0"/>
+              <a:t> 인기검색 </a:t>
+            </a:r>
+            <a:r>
+              <a:rPr lang="en-US" altLang="ko-KR" sz="1000" dirty="0" smtClean="0"/>
+              <a:t>top500, </a:t>
+            </a:r>
+            <a:r>
+              <a:rPr lang="ko-KR" altLang="en-US" sz="1000" dirty="0" smtClean="0"/>
+              <a:t>상품 제안까지 얹어드리고</a:t>
+            </a:r>
+            <a:endParaRPr lang="en-US" altLang="ko-KR" sz="1000" dirty="0" smtClean="0"/>
+          </a:p>
+          <a:p>
+            <a:r>
+              <a:rPr lang="ko-KR" altLang="en-US" sz="1000" dirty="0" smtClean="0"/>
+              <a:t>매주</a:t>
+            </a:r>
+            <a:r>
+              <a:rPr lang="en-US" altLang="ko-KR" sz="1000" dirty="0" smtClean="0"/>
+              <a:t>,</a:t>
+            </a:r>
+            <a:r>
+              <a:rPr lang="ko-KR" altLang="en-US" sz="1000" dirty="0" smtClean="0"/>
+              <a:t> 놓치고 있는 부분은 없는</a:t>
+            </a:r>
+            <a:r>
+              <a:rPr lang="ko-KR" altLang="en-US" sz="1000" dirty="0"/>
+              <a:t>지</a:t>
+            </a:r>
+            <a:r>
+              <a:rPr lang="ko-KR" altLang="en-US" sz="1000" dirty="0" smtClean="0"/>
+              <a:t> 콕 </a:t>
+            </a:r>
+            <a:r>
+              <a:rPr lang="ko-KR" altLang="en-US" sz="1000" dirty="0" err="1" smtClean="0"/>
+              <a:t>찝어드리는</a:t>
+            </a:r>
+            <a:r>
+              <a:rPr lang="ko-KR" altLang="en-US" sz="1000" dirty="0" smtClean="0"/>
+              <a:t> 의견 첨삭까지</a:t>
+            </a:r>
+            <a:r>
+              <a:rPr lang="en-US" altLang="ko-KR" sz="1000" dirty="0"/>
+              <a:t>!</a:t>
+            </a:r>
+            <a:endParaRPr lang="en-US" altLang="ko-KR" sz="1000" dirty="0" smtClean="0"/>
+          </a:p>
+          <a:p>
+            <a:r>
+              <a:rPr lang="ko-KR" altLang="en-US" sz="1000" dirty="0" smtClean="0"/>
+              <a:t>똑똑한 직원 한 명 늘었다 생각하시고 믿고 맡겨주세요</a:t>
+            </a:r>
+            <a:r>
+              <a:rPr lang="en-US" altLang="ko-KR" sz="1000" dirty="0" smtClean="0"/>
+              <a:t>!</a:t>
+            </a:r>
+            <a:endParaRPr lang="en-US" altLang="ko-KR" sz="1000" dirty="0"/>
+          </a:p>
+          <a:p>
+            <a:endParaRPr lang="en-US" altLang="ko-KR" sz="1000" dirty="0"/>
+          </a:p>
+          <a:p>
+            <a:r>
+              <a:rPr lang="en-US" altLang="ko-KR" sz="1000" dirty="0" smtClean="0"/>
+              <a:t>[</a:t>
+            </a:r>
+            <a:r>
+              <a:rPr lang="ko-KR" altLang="en-US" sz="1000" dirty="0" smtClean="0"/>
+              <a:t>나한테는 어떤 상품이 적당할까</a:t>
+            </a:r>
+            <a:r>
+              <a:rPr lang="en-US" altLang="ko-KR" sz="1000" dirty="0" smtClean="0"/>
+              <a:t>?]</a:t>
+            </a:r>
+          </a:p>
+          <a:p>
+            <a:endParaRPr lang="en-US" altLang="ko-KR" sz="1000" dirty="0" smtClean="0"/>
+          </a:p>
+          <a:p>
+            <a:r>
+              <a:rPr lang="en-US" altLang="ko-KR" sz="1000" dirty="0" smtClean="0"/>
+              <a:t> 1. </a:t>
+            </a:r>
+            <a:r>
+              <a:rPr lang="ko-KR" altLang="en-US" sz="1000" dirty="0" smtClean="0"/>
+              <a:t>스마트 스토어를 처음 시작하고</a:t>
+            </a:r>
+            <a:r>
+              <a:rPr lang="en-US" altLang="ko-KR" sz="1000" dirty="0" smtClean="0"/>
+              <a:t>, </a:t>
+            </a:r>
+            <a:r>
+              <a:rPr lang="ko-KR" altLang="en-US" sz="1000" dirty="0" smtClean="0"/>
+              <a:t>성장 포인트도 놓치기 싫은 고객님</a:t>
+            </a:r>
+            <a:endParaRPr lang="en-US" altLang="ko-KR" sz="1000" dirty="0" smtClean="0"/>
+          </a:p>
+          <a:p>
+            <a:r>
+              <a:rPr lang="en-US" altLang="ko-KR" sz="1000" dirty="0" smtClean="0"/>
+              <a:t> - </a:t>
+            </a:r>
+            <a:r>
+              <a:rPr lang="ko-KR" altLang="en-US" sz="1000" dirty="0" smtClean="0"/>
+              <a:t>광고 대행사의 </a:t>
+            </a:r>
+            <a:r>
+              <a:rPr lang="en-US" altLang="ko-KR" sz="1000" dirty="0" smtClean="0"/>
+              <a:t>API</a:t>
+            </a:r>
+            <a:r>
+              <a:rPr lang="ko-KR" altLang="en-US" sz="1000" dirty="0" smtClean="0"/>
+              <a:t>를</a:t>
+            </a:r>
+            <a:r>
+              <a:rPr lang="en-US" altLang="ko-KR" sz="1000" dirty="0" smtClean="0"/>
+              <a:t> </a:t>
+            </a:r>
+            <a:r>
+              <a:rPr lang="ko-KR" altLang="en-US" sz="1000" dirty="0" smtClean="0"/>
+              <a:t>사용하면</a:t>
+            </a:r>
+            <a:r>
+              <a:rPr lang="en-US" altLang="ko-KR" sz="1000" dirty="0" smtClean="0"/>
+              <a:t>, </a:t>
+            </a:r>
+            <a:r>
+              <a:rPr lang="ko-KR" altLang="en-US" sz="1000" dirty="0" smtClean="0"/>
+              <a:t>성장 포인트 혜택을 받을 수 없는 거 알고 계세요</a:t>
+            </a:r>
+            <a:r>
+              <a:rPr lang="en-US" altLang="ko-KR" sz="1000" dirty="0" smtClean="0"/>
+              <a:t>?</a:t>
+            </a:r>
+          </a:p>
+          <a:p>
+            <a:r>
+              <a:rPr lang="ko-KR" altLang="en-US" sz="1000" dirty="0" smtClean="0"/>
+              <a:t> </a:t>
+            </a:r>
+            <a:r>
+              <a:rPr lang="en-US" altLang="ko-KR" sz="1000" dirty="0" smtClean="0"/>
+              <a:t> </a:t>
+            </a:r>
+            <a:r>
+              <a:rPr lang="ko-KR" altLang="en-US" sz="1000" dirty="0" smtClean="0"/>
+              <a:t>하지만 걱정 마세요</a:t>
+            </a:r>
+            <a:r>
+              <a:rPr lang="en-US" altLang="ko-KR" sz="1000" dirty="0" smtClean="0"/>
+              <a:t>! </a:t>
+            </a:r>
+            <a:r>
+              <a:rPr lang="ko-KR" altLang="en-US" sz="1000" dirty="0" smtClean="0"/>
+              <a:t>저희는</a:t>
+            </a:r>
+            <a:r>
+              <a:rPr lang="en-US" altLang="ko-KR" sz="1000" dirty="0" smtClean="0"/>
+              <a:t> </a:t>
+            </a:r>
+            <a:r>
+              <a:rPr lang="ko-KR" altLang="en-US" sz="1000" dirty="0" smtClean="0"/>
+              <a:t>하나하나 수작업으로 진행하니 성장 포인트나 컨설팅 지원 등 </a:t>
+            </a:r>
+            <a:endParaRPr lang="en-US" altLang="ko-KR" sz="1000" dirty="0" smtClean="0"/>
+          </a:p>
+          <a:p>
+            <a:r>
               <a:rPr lang="en-US" altLang="ko-KR" sz="1000" dirty="0"/>
               <a:t> </a:t>
             </a:r>
             <a:r>
+              <a:rPr lang="en-US" altLang="ko-KR" sz="1000" dirty="0" smtClean="0"/>
+              <a:t> </a:t>
+            </a:r>
+            <a:r>
               <a:rPr lang="ko-KR" altLang="en-US" sz="1000" dirty="0" smtClean="0"/>
-              <a:t>스마트스토어 쇼핑검색광고 관리해드립니다</a:t>
+              <a:t>신규 가입 제공 혜택을 그대로 받으실 수가 있습니다</a:t>
+            </a:r>
+            <a:r>
+              <a:rPr lang="en-US" altLang="ko-KR" sz="1000" dirty="0" smtClean="0"/>
+              <a:t>!</a:t>
+            </a:r>
+          </a:p>
+          <a:p>
+            <a:r>
+              <a:rPr lang="en-US" altLang="ko-KR" sz="1000" b="1" dirty="0" smtClean="0"/>
+              <a:t>&gt; </a:t>
+            </a:r>
+            <a:r>
+              <a:rPr lang="ko-KR" altLang="en-US" sz="1000" b="1" dirty="0"/>
+              <a:t>초기 광고 </a:t>
+            </a:r>
+            <a:r>
+              <a:rPr lang="ko-KR" altLang="en-US" sz="1000" b="1" dirty="0" err="1" smtClean="0"/>
+              <a:t>세팅까지</a:t>
+            </a:r>
+            <a:r>
+              <a:rPr lang="ko-KR" altLang="en-US" sz="1000" b="1" dirty="0" smtClean="0"/>
+              <a:t> 지원하는 </a:t>
+            </a:r>
+            <a:r>
+              <a:rPr lang="en-US" altLang="ko-KR" sz="1000" b="1" dirty="0" smtClean="0"/>
+              <a:t>premium(1</a:t>
+            </a:r>
+            <a:r>
+              <a:rPr lang="ko-KR" altLang="en-US" sz="1000" b="1" dirty="0" smtClean="0"/>
+              <a:t>개월</a:t>
+            </a:r>
+            <a:r>
+              <a:rPr lang="en-US" altLang="ko-KR" sz="1000" b="1" dirty="0" smtClean="0"/>
+              <a:t>)</a:t>
+            </a:r>
+            <a:r>
+              <a:rPr lang="ko-KR" altLang="en-US" sz="1000" b="1" dirty="0" smtClean="0"/>
+              <a:t> 상품 추천</a:t>
+            </a:r>
+            <a:r>
+              <a:rPr lang="en-US" altLang="ko-KR" sz="1000" b="1" dirty="0" smtClean="0"/>
+              <a:t>!!</a:t>
+            </a:r>
+          </a:p>
+          <a:p>
+            <a:endParaRPr lang="en-US" altLang="ko-KR" sz="1000" dirty="0" smtClean="0"/>
+          </a:p>
+          <a:p>
+            <a:r>
+              <a:rPr lang="en-US" altLang="ko-KR" sz="1000" dirty="0" smtClean="0"/>
+              <a:t> 2. </a:t>
+            </a:r>
+            <a:r>
+              <a:rPr lang="ko-KR" altLang="en-US" sz="1000" dirty="0" smtClean="0"/>
+              <a:t>이미 스마트 스토어가 있지만</a:t>
+            </a:r>
+            <a:r>
+              <a:rPr lang="en-US" altLang="ko-KR" sz="1000" dirty="0" smtClean="0"/>
+              <a:t>, </a:t>
+            </a:r>
+            <a:r>
+              <a:rPr lang="ko-KR" altLang="en-US" sz="1000" dirty="0" smtClean="0"/>
+              <a:t>마케팅이 막막하고</a:t>
+            </a:r>
+            <a:r>
+              <a:rPr lang="en-US" altLang="ko-KR" sz="1000" dirty="0" smtClean="0"/>
+              <a:t>, </a:t>
+            </a:r>
+            <a:r>
+              <a:rPr lang="ko-KR" altLang="en-US" sz="1000" dirty="0" smtClean="0"/>
+              <a:t>관리 여력이 없으신 고객님</a:t>
+            </a:r>
+            <a:endParaRPr lang="en-US" altLang="ko-KR" sz="1000" dirty="0" smtClean="0"/>
+          </a:p>
+          <a:p>
+            <a:r>
+              <a:rPr lang="en-US" altLang="ko-KR" sz="1000" dirty="0"/>
+              <a:t> </a:t>
+            </a:r>
+            <a:r>
+              <a:rPr lang="en-US" altLang="ko-KR" sz="1000" dirty="0" smtClean="0"/>
+              <a:t>- </a:t>
+            </a:r>
+            <a:r>
+              <a:rPr lang="ko-KR" altLang="en-US" sz="1000" dirty="0" smtClean="0"/>
+              <a:t>노출 순위는 검색광고 경쟁 </a:t>
+            </a:r>
+            <a:r>
+              <a:rPr lang="ko-KR" altLang="en-US" sz="1000" dirty="0" err="1" smtClean="0"/>
+              <a:t>입찰가에</a:t>
+            </a:r>
+            <a:r>
+              <a:rPr lang="ko-KR" altLang="en-US" sz="1000" dirty="0" smtClean="0"/>
+              <a:t> 따라 계속해서 바뀝니다</a:t>
             </a:r>
             <a:r>
               <a:rPr lang="en-US" altLang="ko-KR" sz="1000" dirty="0" smtClean="0"/>
@@ -5188,49 +6471,766 @@
           </a:p>
           <a:p>
             <a:r>
+              <a:rPr lang="en-US" altLang="ko-KR" sz="1000" dirty="0" smtClean="0"/>
+              <a:t> </a:t>
+            </a:r>
+            <a:r>
+              <a:rPr lang="ko-KR" altLang="en-US" sz="1000" dirty="0" smtClean="0"/>
+              <a:t>그래서</a:t>
+            </a:r>
+            <a:r>
+              <a:rPr lang="en-US" altLang="ko-KR" sz="1000" dirty="0" smtClean="0"/>
+              <a:t>, </a:t>
+            </a:r>
+            <a:r>
+              <a:rPr lang="ko-KR" altLang="en-US" sz="1000" dirty="0" smtClean="0"/>
+              <a:t>실시간으로 변하는 노출순위를 보고 </a:t>
+            </a:r>
+            <a:r>
+              <a:rPr lang="ko-KR" altLang="en-US" sz="1000" dirty="0" err="1" smtClean="0"/>
+              <a:t>입찰가를</a:t>
+            </a:r>
+            <a:r>
+              <a:rPr lang="ko-KR" altLang="en-US" sz="1000" dirty="0" smtClean="0"/>
+              <a:t> 수정해줘야 합니다</a:t>
+            </a:r>
+            <a:r>
+              <a:rPr lang="en-US" altLang="ko-KR" sz="1000" dirty="0" smtClean="0"/>
+              <a:t>.</a:t>
+            </a:r>
+          </a:p>
+          <a:p>
+            <a:r>
+              <a:rPr lang="ko-KR" altLang="en-US" sz="1000" dirty="0" smtClean="0"/>
+              <a:t> 저희는 입찰가 최적화 작업은 물론</a:t>
+            </a:r>
+            <a:r>
+              <a:rPr lang="en-US" altLang="ko-KR" sz="1000" dirty="0" smtClean="0"/>
+              <a:t>, </a:t>
+            </a:r>
+            <a:r>
+              <a:rPr lang="ko-KR" altLang="en-US" sz="1000" dirty="0" smtClean="0"/>
+              <a:t>좋은 상품 추천</a:t>
+            </a:r>
+            <a:r>
+              <a:rPr lang="en-US" altLang="ko-KR" sz="1000" dirty="0" smtClean="0"/>
+              <a:t>,</a:t>
+            </a:r>
+            <a:r>
+              <a:rPr lang="ko-KR" altLang="en-US" sz="1000" dirty="0" smtClean="0"/>
+              <a:t> 인기검색어 리스트</a:t>
+            </a:r>
+            <a:r>
+              <a:rPr lang="en-US" altLang="ko-KR" sz="1000" dirty="0" smtClean="0"/>
+              <a:t>, </a:t>
+            </a:r>
+            <a:r>
+              <a:rPr lang="ko-KR" altLang="en-US" sz="1000" dirty="0" smtClean="0"/>
+              <a:t>매출</a:t>
+            </a:r>
+            <a:r>
+              <a:rPr lang="en-US" altLang="ko-KR" sz="1000" dirty="0" smtClean="0"/>
+              <a:t> </a:t>
+            </a:r>
+            <a:r>
+              <a:rPr lang="ko-KR" altLang="en-US" sz="1000" dirty="0" smtClean="0"/>
+              <a:t>추이 등 </a:t>
+            </a:r>
+            <a:endParaRPr lang="en-US" altLang="ko-KR" sz="1000" dirty="0" smtClean="0"/>
+          </a:p>
+          <a:p>
+            <a:r>
+              <a:rPr lang="en-US" altLang="ko-KR" sz="1000" dirty="0" smtClean="0"/>
+              <a:t> </a:t>
+            </a:r>
+            <a:r>
+              <a:rPr lang="ko-KR" altLang="en-US" sz="1000" dirty="0" smtClean="0"/>
+              <a:t>보고서까지 모두 제공해드리며 놓치고 있는 마케팅 업무를 빠짐없이 챙겨드립니다</a:t>
+            </a:r>
+            <a:r>
+              <a:rPr lang="en-US" altLang="ko-KR" sz="1000" dirty="0" smtClean="0"/>
+              <a:t>!</a:t>
+            </a:r>
+          </a:p>
+          <a:p>
+            <a:r>
+              <a:rPr lang="en-US" altLang="ko-KR" sz="1000" b="1" dirty="0"/>
+              <a:t> &gt; </a:t>
+            </a:r>
+            <a:r>
+              <a:rPr lang="ko-KR" altLang="en-US" sz="1000" b="1" dirty="0"/>
+              <a:t>이미 광고 캠페인이 있으시면</a:t>
+            </a:r>
+            <a:r>
+              <a:rPr lang="en-US" altLang="ko-KR" sz="1000" b="1" dirty="0"/>
+              <a:t>, </a:t>
+            </a:r>
+            <a:r>
+              <a:rPr lang="ko-KR" altLang="en-US" sz="1000" b="1" dirty="0" smtClean="0"/>
+              <a:t>입찰가 관리만 제공하는 </a:t>
+            </a:r>
+            <a:r>
+              <a:rPr lang="en-US" altLang="ko-KR" sz="1000" b="1" dirty="0" smtClean="0"/>
+              <a:t>standard(2</a:t>
+            </a:r>
+            <a:r>
+              <a:rPr lang="ko-KR" altLang="en-US" sz="1000" b="1" dirty="0" smtClean="0"/>
+              <a:t>주</a:t>
+            </a:r>
+            <a:r>
+              <a:rPr lang="en-US" altLang="ko-KR" sz="1000" b="1" dirty="0" smtClean="0"/>
+              <a:t>) or deluxe(1</a:t>
+            </a:r>
+            <a:r>
+              <a:rPr lang="ko-KR" altLang="en-US" sz="1000" b="1" dirty="0" smtClean="0"/>
+              <a:t>개월</a:t>
+            </a:r>
+            <a:r>
+              <a:rPr lang="en-US" altLang="ko-KR" sz="1000" b="1" dirty="0" smtClean="0"/>
+              <a:t>)</a:t>
+            </a:r>
+            <a:r>
+              <a:rPr lang="ko-KR" altLang="en-US" sz="1000" b="1" dirty="0" smtClean="0"/>
+              <a:t> 상품 추천</a:t>
+            </a:r>
+            <a:r>
+              <a:rPr lang="en-US" altLang="ko-KR" sz="1000" b="1" dirty="0" smtClean="0"/>
+              <a:t>!!</a:t>
+            </a:r>
+            <a:endParaRPr lang="en-US" altLang="ko-KR" sz="1000" b="1" dirty="0"/>
+          </a:p>
+          <a:p>
+            <a:r>
+              <a:rPr lang="en-US" altLang="ko-KR" sz="1000" b="1" dirty="0"/>
+              <a:t> &gt; </a:t>
+            </a:r>
+            <a:r>
+              <a:rPr lang="ko-KR" altLang="en-US" sz="1000" b="1" dirty="0" smtClean="0"/>
+              <a:t>추가 광고 캠페인을 만들고 관리하고 싶으시면</a:t>
+            </a:r>
+            <a:r>
+              <a:rPr lang="en-US" altLang="ko-KR" sz="1000" b="1" dirty="0" smtClean="0"/>
+              <a:t>, </a:t>
+            </a:r>
+            <a:r>
+              <a:rPr lang="en-US" altLang="ko-KR" sz="1000" b="1" dirty="0"/>
+              <a:t>premium(1</a:t>
+            </a:r>
+            <a:r>
+              <a:rPr lang="ko-KR" altLang="en-US" sz="1000" b="1" dirty="0"/>
+              <a:t>개월</a:t>
+            </a:r>
+            <a:r>
+              <a:rPr lang="en-US" altLang="ko-KR" sz="1000" b="1" dirty="0"/>
+              <a:t>)</a:t>
+            </a:r>
+            <a:r>
+              <a:rPr lang="ko-KR" altLang="en-US" sz="1000" b="1" dirty="0"/>
+              <a:t> </a:t>
+            </a:r>
+            <a:r>
+              <a:rPr lang="ko-KR" altLang="en-US" sz="1000" b="1" dirty="0" smtClean="0"/>
+              <a:t>상품 추천</a:t>
+            </a:r>
+            <a:r>
+              <a:rPr lang="en-US" altLang="ko-KR" sz="1000" b="1" dirty="0" smtClean="0"/>
+              <a:t>!!</a:t>
+            </a:r>
+            <a:endParaRPr lang="en-US" altLang="ko-KR" sz="1000" b="1" dirty="0"/>
+          </a:p>
+          <a:p>
+            <a:endParaRPr lang="en-US" altLang="ko-KR" sz="1000" dirty="0" smtClean="0"/>
+          </a:p>
+          <a:p>
+            <a:r>
+              <a:rPr lang="en-US" altLang="ko-KR" sz="1000" dirty="0" smtClean="0"/>
+              <a:t>[</a:t>
+            </a:r>
+            <a:r>
+              <a:rPr lang="ko-KR" altLang="en-US" sz="1000" dirty="0" smtClean="0"/>
+              <a:t>왜 마이 </a:t>
+            </a:r>
+            <a:r>
+              <a:rPr lang="ko-KR" altLang="en-US" sz="1000" dirty="0" err="1" smtClean="0"/>
+              <a:t>마케터와</a:t>
+            </a:r>
+            <a:r>
+              <a:rPr lang="ko-KR" altLang="en-US" sz="1000" dirty="0" smtClean="0"/>
+              <a:t> 함께 해야 할까</a:t>
+            </a:r>
+            <a:r>
+              <a:rPr lang="en-US" altLang="ko-KR" sz="1000" dirty="0" smtClean="0"/>
+              <a:t>?]</a:t>
+            </a:r>
+          </a:p>
+          <a:p>
+            <a:r>
+              <a:rPr lang="ko-KR" altLang="en-US" sz="1000" dirty="0" smtClean="0"/>
+              <a:t>이제 정보를 어떻게 구할지는 중요하지 않습니다</a:t>
+            </a:r>
+            <a:r>
+              <a:rPr lang="en-US" altLang="ko-KR" sz="1000" dirty="0" smtClean="0"/>
+              <a:t>.</a:t>
+            </a:r>
+          </a:p>
+          <a:p>
+            <a:r>
+              <a:rPr lang="ko-KR" altLang="en-US" sz="1000" dirty="0" smtClean="0"/>
+              <a:t>중요한 건 어떻게 활용해야 </a:t>
+            </a:r>
+            <a:r>
+              <a:rPr lang="ko-KR" altLang="en-US" sz="1000" dirty="0" err="1" smtClean="0"/>
+              <a:t>할지입니다</a:t>
+            </a:r>
+            <a:r>
+              <a:rPr lang="en-US" altLang="ko-KR" sz="1000" dirty="0" smtClean="0"/>
+              <a:t>!</a:t>
+            </a:r>
+          </a:p>
+          <a:p>
+            <a:endParaRPr lang="en-US" altLang="ko-KR" sz="1000" dirty="0"/>
+          </a:p>
+          <a:p>
+            <a:r>
+              <a:rPr lang="ko-KR" altLang="en-US" sz="1000" dirty="0" smtClean="0"/>
+              <a:t>그래서</a:t>
+            </a:r>
+            <a:r>
+              <a:rPr lang="en-US" altLang="ko-KR" sz="1000" dirty="0" smtClean="0"/>
+              <a:t>,</a:t>
+            </a:r>
+            <a:r>
+              <a:rPr lang="ko-KR" altLang="en-US" sz="1000" dirty="0" smtClean="0"/>
+              <a:t> 마이 </a:t>
+            </a:r>
+            <a:r>
+              <a:rPr lang="ko-KR" altLang="en-US" sz="1000" dirty="0" err="1" smtClean="0"/>
+              <a:t>마케터는</a:t>
+            </a:r>
+            <a:r>
+              <a:rPr lang="ko-KR" altLang="en-US" sz="1000" dirty="0"/>
+              <a:t> </a:t>
+            </a:r>
+            <a:r>
+              <a:rPr lang="ko-KR" altLang="en-US" sz="1000" dirty="0" smtClean="0"/>
+              <a:t>매주 필요한 정보만 뽑아내고</a:t>
+            </a:r>
+            <a:r>
+              <a:rPr lang="en-US" altLang="ko-KR" sz="1000" dirty="0" smtClean="0"/>
+              <a:t>,</a:t>
+            </a:r>
+            <a:r>
+              <a:rPr lang="ko-KR" altLang="en-US" sz="1000" dirty="0" smtClean="0"/>
+              <a:t> 메일로 </a:t>
+            </a:r>
+            <a:r>
+              <a:rPr lang="en-US" altLang="ko-KR" sz="1000" dirty="0" smtClean="0"/>
+              <a:t>6~7</a:t>
+            </a:r>
+            <a:r>
+              <a:rPr lang="ko-KR" altLang="en-US" sz="1000" dirty="0" smtClean="0"/>
+              <a:t>줄 정도로 의견을 적어 드리고</a:t>
+            </a:r>
+            <a:r>
+              <a:rPr lang="en-US" altLang="ko-KR" sz="1000" dirty="0" smtClean="0"/>
+              <a:t>,</a:t>
+            </a:r>
+          </a:p>
+          <a:p>
+            <a:r>
+              <a:rPr lang="ko-KR" altLang="en-US" sz="1000" dirty="0" smtClean="0"/>
+              <a:t>그래도</a:t>
+            </a:r>
+            <a:r>
+              <a:rPr lang="en-US" altLang="ko-KR" sz="1000" dirty="0" smtClean="0"/>
+              <a:t>,</a:t>
+            </a:r>
+            <a:r>
+              <a:rPr lang="ko-KR" altLang="en-US" sz="1000" dirty="0" smtClean="0"/>
+              <a:t> 더 알고 싶으신 분을 위해 알짜 정보로 보기 </a:t>
+            </a:r>
+            <a:r>
+              <a:rPr lang="ko-KR" altLang="en-US" sz="1000" dirty="0"/>
+              <a:t>좋게 </a:t>
+            </a:r>
+            <a:r>
+              <a:rPr lang="ko-KR" altLang="en-US" sz="1000" dirty="0" smtClean="0"/>
+              <a:t>꾸민 간이 보고서를 첨부해드리며</a:t>
+            </a:r>
+            <a:endParaRPr lang="en-US" altLang="ko-KR" sz="1000" dirty="0" smtClean="0"/>
+          </a:p>
+          <a:p>
+            <a:r>
+              <a:rPr lang="ko-KR" altLang="en-US" sz="1000" dirty="0" smtClean="0"/>
+              <a:t>거기서</a:t>
+            </a:r>
+            <a:r>
+              <a:rPr lang="en-US" altLang="ko-KR" sz="1000" dirty="0" smtClean="0"/>
+              <a:t>,</a:t>
+            </a:r>
+            <a:r>
+              <a:rPr lang="ko-KR" altLang="en-US" sz="1000" dirty="0" smtClean="0"/>
+              <a:t> 더 더 깊게 알고 싶으신 분을 위해 아래 정보를 모두 포함한 마케팅 보고서까지 드립니다</a:t>
+            </a:r>
+            <a:r>
+              <a:rPr lang="en-US" altLang="ko-KR" sz="1000" dirty="0" smtClean="0"/>
+              <a:t>!</a:t>
+            </a:r>
+          </a:p>
+          <a:p>
+            <a:endParaRPr lang="en-US" altLang="ko-KR" sz="1000" dirty="0" smtClean="0"/>
+          </a:p>
+          <a:p>
+            <a:r>
+              <a:rPr lang="en-US" altLang="ko-KR" sz="1000" dirty="0" smtClean="0"/>
+              <a:t>1. </a:t>
+            </a:r>
+            <a:r>
+              <a:rPr lang="ko-KR" altLang="en-US" sz="1000" dirty="0" smtClean="0"/>
+              <a:t>공통</a:t>
+            </a:r>
+            <a:endParaRPr lang="en-US" altLang="ko-KR" sz="1000" dirty="0" smtClean="0"/>
+          </a:p>
+          <a:p>
+            <a:r>
+              <a:rPr lang="en-US" altLang="ko-KR" sz="1000" dirty="0" smtClean="0"/>
+              <a:t>- </a:t>
+            </a:r>
+            <a:r>
+              <a:rPr lang="ko-KR" altLang="en-US" sz="1000" dirty="0" smtClean="0"/>
+              <a:t>광고 관리</a:t>
+            </a:r>
+            <a:endParaRPr lang="en-US" altLang="ko-KR" sz="1000" dirty="0" smtClean="0"/>
+          </a:p>
+          <a:p>
+            <a:r>
+              <a:rPr lang="ko-KR" altLang="en-US" sz="1000" dirty="0" smtClean="0"/>
+              <a:t>광고비 예측</a:t>
+            </a:r>
+            <a:r>
+              <a:rPr lang="en-US" altLang="ko-KR" sz="1000" dirty="0" smtClean="0"/>
+              <a:t>, </a:t>
+            </a:r>
+            <a:r>
+              <a:rPr lang="ko-KR" altLang="en-US" sz="1000" dirty="0" smtClean="0"/>
+              <a:t>입찰가 최적화 쯤이야 다들 쉽게 접하시죠</a:t>
+            </a:r>
+            <a:r>
+              <a:rPr lang="en-US" altLang="ko-KR" sz="1000" dirty="0" smtClean="0"/>
+              <a:t>?</a:t>
+            </a:r>
+          </a:p>
+          <a:p>
+            <a:r>
+              <a:rPr lang="ko-KR" altLang="en-US" sz="1000" dirty="0" smtClean="0"/>
+              <a:t>광고 소재를 최대 </a:t>
+            </a:r>
+            <a:r>
+              <a:rPr lang="en-US" altLang="ko-KR" sz="1000" dirty="0" smtClean="0"/>
+              <a:t>20</a:t>
+            </a:r>
+            <a:r>
+              <a:rPr lang="ko-KR" altLang="en-US" sz="1000" dirty="0" smtClean="0"/>
+              <a:t>개까지 관리하는 마케팅은 오직 마이 마케터 뿐입니다</a:t>
+            </a:r>
+            <a:r>
+              <a:rPr lang="en-US" altLang="ko-KR" sz="1000" dirty="0" smtClean="0"/>
+              <a:t>!</a:t>
+            </a:r>
+          </a:p>
+          <a:p>
+            <a:r>
+              <a:rPr lang="ko-KR" altLang="en-US" sz="1000" dirty="0" smtClean="0"/>
+              <a:t> 광고비</a:t>
+            </a:r>
+            <a:r>
+              <a:rPr lang="en-US" altLang="ko-KR" sz="1000" dirty="0"/>
+              <a:t>/</a:t>
+            </a:r>
+            <a:r>
+              <a:rPr lang="ko-KR" altLang="en-US" sz="1000" dirty="0" err="1"/>
+              <a:t>전환액</a:t>
+            </a:r>
+            <a:r>
+              <a:rPr lang="ko-KR" altLang="en-US" sz="1000" dirty="0"/>
+              <a:t> 등 </a:t>
+            </a:r>
+            <a:r>
+              <a:rPr lang="ko-KR" altLang="en-US" sz="1000" dirty="0" smtClean="0"/>
+              <a:t>비용 관리 및 현황 보고</a:t>
+            </a:r>
+            <a:endParaRPr lang="en-US" altLang="ko-KR" sz="1000" dirty="0"/>
+          </a:p>
+          <a:p>
+            <a:r>
+              <a:rPr lang="ko-KR" altLang="en-US" sz="1000" dirty="0" smtClean="0"/>
+              <a:t> </a:t>
+            </a:r>
+            <a:r>
+              <a:rPr lang="ko-KR" altLang="en-US" sz="1000" dirty="0"/>
+              <a:t>광고비 부족 </a:t>
+            </a:r>
+            <a:r>
+              <a:rPr lang="ko-KR" altLang="en-US" sz="1000" dirty="0" smtClean="0"/>
+              <a:t>알림 및 충전 안내</a:t>
+            </a:r>
+            <a:endParaRPr lang="en-US" altLang="ko-KR" sz="1000" dirty="0" smtClean="0"/>
+          </a:p>
+          <a:p>
+            <a:r>
               <a:rPr lang="en-US" altLang="ko-KR" sz="1000" dirty="0"/>
               <a:t> </a:t>
             </a:r>
             <a:r>
               <a:rPr lang="ko-KR" altLang="en-US" sz="1000" dirty="0" smtClean="0"/>
-              <a:t>최대 월 </a:t>
+              <a:t>다음달 광고비 예상</a:t>
+            </a:r>
+            <a:endParaRPr lang="en-US" altLang="ko-KR" sz="1000" dirty="0" smtClean="0"/>
+          </a:p>
+          <a:p>
+            <a:r>
+              <a:rPr lang="en-US" altLang="ko-KR" sz="1000" dirty="0"/>
+              <a:t> ROAS</a:t>
+            </a:r>
+            <a:r>
+              <a:rPr lang="ko-KR" altLang="en-US" sz="1000" dirty="0"/>
+              <a:t>율에 따른 실시간 입찰가 </a:t>
+            </a:r>
+            <a:r>
+              <a:rPr lang="ko-KR" altLang="en-US" sz="1000" dirty="0" smtClean="0"/>
+              <a:t>변경 </a:t>
             </a:r>
             <a:r>
               <a:rPr lang="en-US" altLang="ko-KR" sz="1000" dirty="0" smtClean="0"/>
-              <a:t>4</a:t>
+              <a:t>(</a:t>
+            </a:r>
+            <a:r>
+              <a:rPr lang="ko-KR" altLang="en-US" sz="1000" dirty="0"/>
+              <a:t>매일</a:t>
+            </a:r>
+            <a:r>
+              <a:rPr lang="en-US" altLang="ko-KR" sz="1000" dirty="0"/>
+              <a:t>)</a:t>
+            </a:r>
+          </a:p>
+          <a:p>
+            <a:r>
+              <a:rPr lang="en-US" altLang="ko-KR" sz="1000" dirty="0"/>
+              <a:t> </a:t>
             </a:r>
             <a:r>
               <a:rPr lang="ko-KR" altLang="en-US" sz="1000" dirty="0" smtClean="0"/>
-              <a:t>만원으로 스마트스토어 </a:t>
-            </a:r>
-            <a:r>
-              <a:rPr lang="ko-KR" altLang="en-US" sz="1000" dirty="0" err="1" smtClean="0"/>
-              <a:t>마케팅해드립니다</a:t>
+              <a:t>광고 성과에 </a:t>
+            </a:r>
+            <a:r>
+              <a:rPr lang="ko-KR" altLang="en-US" sz="1000" dirty="0"/>
+              <a:t>따른 실시간 </a:t>
+            </a:r>
+            <a:r>
+              <a:rPr lang="ko-KR" altLang="en-US" sz="1000" dirty="0" smtClean="0"/>
+              <a:t>불량소재 삭제</a:t>
+            </a:r>
+            <a:r>
+              <a:rPr lang="en-US" altLang="ko-KR" sz="1000" dirty="0" smtClean="0"/>
+              <a:t>/</a:t>
+            </a:r>
+            <a:r>
+              <a:rPr lang="ko-KR" altLang="en-US" sz="1000" dirty="0" smtClean="0"/>
+              <a:t>신규소재 추가 </a:t>
+            </a:r>
+            <a:r>
+              <a:rPr lang="en-US" altLang="ko-KR" sz="1000" dirty="0" smtClean="0"/>
+              <a:t>(3</a:t>
+            </a:r>
+            <a:r>
+              <a:rPr lang="ko-KR" altLang="en-US" sz="1000" dirty="0" smtClean="0"/>
+              <a:t>일 간격</a:t>
+            </a:r>
+            <a:r>
+              <a:rPr lang="en-US" altLang="ko-KR" sz="1000" dirty="0" smtClean="0"/>
+              <a:t>)</a:t>
+            </a:r>
+            <a:endParaRPr lang="en-US" altLang="ko-KR" sz="1000" dirty="0"/>
+          </a:p>
+          <a:p>
+            <a:r>
+              <a:rPr lang="en-US" altLang="ko-KR" sz="1000" dirty="0" smtClean="0"/>
+              <a:t>※ ROAS</a:t>
+            </a:r>
+            <a:r>
+              <a:rPr lang="ko-KR" altLang="en-US" sz="1000" dirty="0"/>
+              <a:t>율</a:t>
+            </a:r>
+            <a:r>
+              <a:rPr lang="en-US" altLang="ko-KR" sz="1000" dirty="0"/>
+              <a:t>: </a:t>
+            </a:r>
+            <a:r>
+              <a:rPr lang="ko-KR" altLang="en-US" sz="1000" dirty="0"/>
+              <a:t>광고비 대비 매출액을 뜻함</a:t>
+            </a:r>
+            <a:r>
+              <a:rPr lang="en-US" altLang="ko-KR" sz="1000" dirty="0"/>
+              <a:t>, </a:t>
+            </a:r>
+            <a:r>
+              <a:rPr lang="ko-KR" altLang="en-US" sz="1000" dirty="0"/>
+              <a:t>광고비 성과를 파악할 수 있음</a:t>
+            </a:r>
+            <a:endParaRPr lang="en-US" altLang="ko-KR" sz="1000" dirty="0"/>
+          </a:p>
+          <a:p>
+            <a:r>
+              <a:rPr lang="en-US" altLang="ko-KR" sz="1000" dirty="0" smtClean="0"/>
+              <a:t>※ </a:t>
+            </a:r>
+            <a:r>
+              <a:rPr lang="ko-KR" altLang="en-US" sz="1000" dirty="0" smtClean="0"/>
+              <a:t>광고소재</a:t>
+            </a:r>
+            <a:r>
+              <a:rPr lang="en-US" altLang="ko-KR" sz="1000" dirty="0" smtClean="0"/>
+              <a:t>: </a:t>
+            </a:r>
+            <a:r>
+              <a:rPr lang="ko-KR" altLang="en-US" sz="1000" dirty="0" smtClean="0"/>
+              <a:t>하나의 상품에 적용할 수 있는 광고 수로</a:t>
+            </a:r>
+            <a:r>
+              <a:rPr lang="en-US" altLang="ko-KR" sz="1000" dirty="0" smtClean="0"/>
+              <a:t> </a:t>
+            </a:r>
+            <a:r>
+              <a:rPr lang="ko-KR" altLang="en-US" sz="1000" dirty="0" smtClean="0"/>
+              <a:t>최대 </a:t>
+            </a:r>
+            <a:r>
+              <a:rPr lang="en-US" altLang="ko-KR" sz="1000" dirty="0" smtClean="0"/>
+              <a:t>10</a:t>
+            </a:r>
+            <a:r>
+              <a:rPr lang="ko-KR" altLang="en-US" sz="1000" dirty="0" smtClean="0"/>
+              <a:t>개까지 노출됨</a:t>
+            </a:r>
+            <a:r>
+              <a:rPr lang="en-US" altLang="ko-KR" sz="1000" dirty="0" smtClean="0"/>
+              <a:t/>
+            </a:r>
+            <a:br>
+              <a:rPr lang="en-US" altLang="ko-KR" sz="1000" dirty="0" smtClean="0"/>
+            </a:br>
+            <a:endParaRPr lang="en-US" altLang="ko-KR" sz="1000" dirty="0" smtClean="0"/>
+          </a:p>
+          <a:p>
+            <a:r>
+              <a:rPr lang="en-US" altLang="ko-KR" sz="1000" dirty="0" smtClean="0"/>
+              <a:t>- </a:t>
+            </a:r>
+            <a:r>
+              <a:rPr lang="ko-KR" altLang="en-US" sz="1000" dirty="0" smtClean="0"/>
+              <a:t>상품 분석</a:t>
+            </a:r>
+            <a:endParaRPr lang="en-US" altLang="ko-KR" sz="1000" dirty="0" smtClean="0"/>
+          </a:p>
+          <a:p>
+            <a:r>
+              <a:rPr lang="ko-KR" altLang="en-US" sz="1000" dirty="0" smtClean="0"/>
+              <a:t>내 상점이란 마음으로</a:t>
+            </a:r>
+            <a:r>
+              <a:rPr lang="en-US" altLang="ko-KR" sz="1000" dirty="0" smtClean="0"/>
+              <a:t>,</a:t>
+            </a:r>
+            <a:r>
+              <a:rPr lang="ko-KR" altLang="en-US" sz="1000" dirty="0" smtClean="0"/>
+              <a:t> 마케팅을 넘어서 상품 업무까지 도움을 드립니다</a:t>
             </a:r>
             <a:r>
               <a:rPr lang="en-US" altLang="ko-KR" sz="1000" dirty="0" smtClean="0"/>
               <a:t>.</a:t>
             </a:r>
+          </a:p>
+          <a:p>
+            <a:r>
+              <a:rPr lang="ko-KR" altLang="en-US" sz="1000" dirty="0" smtClean="0"/>
+              <a:t>고객님이 잘 되는야 제가 보람찹니다</a:t>
+            </a:r>
+            <a:r>
+              <a:rPr lang="en-US" altLang="ko-KR" sz="1000" dirty="0" smtClean="0"/>
+              <a:t>. </a:t>
+            </a:r>
+            <a:r>
+              <a:rPr lang="ko-KR" altLang="en-US" sz="1000" dirty="0" smtClean="0"/>
+              <a:t>아래 준비해온 것들 외에 더 필요하시면</a:t>
+            </a:r>
+            <a:r>
+              <a:rPr lang="en-US" altLang="ko-KR" sz="1000" dirty="0" smtClean="0"/>
+              <a:t>,</a:t>
+            </a:r>
+            <a:r>
+              <a:rPr lang="ko-KR" altLang="en-US" sz="1000" dirty="0" smtClean="0"/>
+              <a:t> </a:t>
+            </a:r>
             <a:endParaRPr lang="en-US" altLang="ko-KR" sz="1000" dirty="0" smtClean="0"/>
           </a:p>
           <a:p>
+            <a:r>
+              <a:rPr lang="ko-KR" altLang="en-US" sz="1000" dirty="0" smtClean="0"/>
+              <a:t>언제든 편하게 말씀주세요</a:t>
+            </a:r>
+            <a:r>
+              <a:rPr lang="en-US" altLang="ko-KR" sz="1000" dirty="0" smtClean="0"/>
+              <a:t>!</a:t>
+            </a:r>
+          </a:p>
+          <a:p>
+            <a:r>
+              <a:rPr lang="en-US" altLang="ko-KR" sz="1000" dirty="0" smtClean="0"/>
+              <a:t> best/worst </a:t>
+            </a:r>
+            <a:r>
+              <a:rPr lang="ko-KR" altLang="en-US" sz="1000" dirty="0" smtClean="0"/>
+              <a:t>상품 원인 분석</a:t>
+            </a:r>
+            <a:endParaRPr lang="en-US" altLang="ko-KR" sz="1000" dirty="0" smtClean="0"/>
+          </a:p>
+          <a:p>
+            <a:r>
+              <a:rPr lang="ko-KR" altLang="en-US" sz="1000" dirty="0" smtClean="0"/>
+              <a:t> </a:t>
+            </a:r>
+            <a:r>
+              <a:rPr lang="ko-KR" altLang="en-US" sz="1000" dirty="0" err="1" smtClean="0"/>
+              <a:t>카테고리별</a:t>
+            </a:r>
+            <a:r>
+              <a:rPr lang="ko-KR" altLang="en-US" sz="1000" dirty="0" smtClean="0"/>
+              <a:t> 인기검색어 </a:t>
+            </a:r>
+            <a:r>
+              <a:rPr lang="en-US" altLang="ko-KR" sz="1000" dirty="0" smtClean="0"/>
+              <a:t>top 500</a:t>
+            </a:r>
+          </a:p>
+          <a:p>
+            <a:r>
+              <a:rPr lang="en-US" altLang="ko-KR" sz="1000" dirty="0" smtClean="0"/>
+              <a:t>(+</a:t>
+            </a:r>
+            <a:r>
+              <a:rPr lang="ko-KR" altLang="en-US" sz="1000" dirty="0" err="1" smtClean="0"/>
+              <a:t>스토어팜</a:t>
+            </a:r>
+            <a:r>
+              <a:rPr lang="ko-KR" altLang="en-US" sz="1000" dirty="0" smtClean="0"/>
+              <a:t> </a:t>
+            </a:r>
+            <a:r>
+              <a:rPr lang="ko-KR" altLang="en-US" sz="1000" dirty="0" err="1" smtClean="0"/>
+              <a:t>연동시</a:t>
+            </a:r>
+            <a:r>
+              <a:rPr lang="en-US" altLang="ko-KR" sz="1000" dirty="0" smtClean="0"/>
+              <a:t>)</a:t>
+            </a:r>
             <a:endParaRPr lang="en-US" altLang="ko-KR" sz="1000" dirty="0"/>
           </a:p>
           <a:p>
             <a:r>
               <a:rPr lang="ko-KR" altLang="en-US" sz="1000" dirty="0" smtClean="0"/>
-              <a:t>대상 고객</a:t>
-            </a:r>
+              <a:t> 월 매출액 </a:t>
+            </a:r>
+            <a:r>
+              <a:rPr lang="ko-KR" altLang="en-US" sz="1000" dirty="0"/>
+              <a:t>추이</a:t>
+            </a:r>
+            <a:endParaRPr lang="en-US" altLang="ko-KR" sz="1000" dirty="0"/>
+          </a:p>
+          <a:p>
+            <a:r>
+              <a:rPr lang="ko-KR" altLang="en-US" sz="1000" dirty="0" smtClean="0"/>
+              <a:t> 상품</a:t>
+            </a:r>
+            <a:r>
+              <a:rPr lang="en-US" altLang="ko-KR" sz="1000" dirty="0" smtClean="0"/>
+              <a:t>/</a:t>
+            </a:r>
+            <a:r>
+              <a:rPr lang="ko-KR" altLang="en-US" sz="1000" dirty="0" smtClean="0"/>
+              <a:t>럭키투데이</a:t>
+            </a:r>
+            <a:r>
+              <a:rPr lang="en-US" altLang="ko-KR" sz="1000" dirty="0" smtClean="0"/>
+              <a:t>/SNS </a:t>
+            </a:r>
+            <a:r>
+              <a:rPr lang="ko-KR" altLang="en-US" sz="1000" dirty="0" smtClean="0"/>
+              <a:t>연동 여부 및 마지막 업로드 일자 확인</a:t>
+            </a:r>
+            <a:endParaRPr lang="en-US" altLang="ko-KR" sz="1000" dirty="0"/>
+          </a:p>
+          <a:p>
             <a:endParaRPr lang="en-US" altLang="ko-KR" sz="1000" dirty="0" smtClean="0"/>
           </a:p>
           <a:p>
             <a:r>
+              <a:rPr lang="en-US" altLang="ko-KR" sz="1000" dirty="0"/>
+              <a:t>[</a:t>
+            </a:r>
+            <a:r>
+              <a:rPr lang="ko-KR" altLang="en-US" sz="1000" dirty="0"/>
+              <a:t>구매 전</a:t>
+            </a:r>
+            <a:r>
+              <a:rPr lang="en-US" altLang="ko-KR" sz="1000" dirty="0"/>
+              <a:t>,</a:t>
+            </a:r>
+            <a:r>
+              <a:rPr lang="ko-KR" altLang="en-US" sz="1000" dirty="0"/>
+              <a:t> 확인해주세요</a:t>
+            </a:r>
+            <a:r>
+              <a:rPr lang="en-US" altLang="ko-KR" sz="1000" dirty="0"/>
+              <a:t>!]</a:t>
+            </a:r>
+          </a:p>
+          <a:p>
+            <a:r>
+              <a:rPr lang="ko-KR" altLang="en-US" sz="1000" dirty="0"/>
+              <a:t>정기 구독 </a:t>
+            </a:r>
+            <a:r>
+              <a:rPr lang="en-US" altLang="ko-KR" sz="1000" dirty="0"/>
+              <a:t>2</a:t>
+            </a:r>
+            <a:r>
+              <a:rPr lang="ko-KR" altLang="en-US" sz="1000" dirty="0"/>
+              <a:t>주</a:t>
+            </a:r>
+            <a:r>
+              <a:rPr lang="en-US" altLang="ko-KR" sz="1000" dirty="0"/>
+              <a:t>, 4</a:t>
+            </a:r>
+            <a:r>
+              <a:rPr lang="ko-KR" altLang="en-US" sz="1000" dirty="0"/>
+              <a:t>주 단위 구매 상품입니다</a:t>
+            </a:r>
+            <a:r>
               <a:rPr lang="en-US" altLang="ko-KR" sz="1000" dirty="0" smtClean="0"/>
-              <a:t> 1. </a:t>
-            </a:r>
+              <a:t>.</a:t>
+            </a:r>
+          </a:p>
+          <a:p>
             <a:r>
               <a:rPr lang="ko-KR" altLang="en-US" sz="1000" dirty="0" smtClean="0"/>
-              <a:t>스마트 스토어를 처음 시작하는데</a:t>
+              <a:t>광고 계정은 미리 준비해주세요</a:t>
+            </a:r>
+            <a:endParaRPr lang="en-US" altLang="ko-KR" sz="1000" dirty="0" smtClean="0"/>
+          </a:p>
+          <a:p>
+            <a:r>
+              <a:rPr lang="ko-KR" altLang="en-US" sz="1000" dirty="0" smtClean="0"/>
+              <a:t>쇼핑 광고를 처음 시작하는 경우</a:t>
             </a:r>
             <a:r>
               <a:rPr lang="en-US" altLang="ko-KR" sz="1000" dirty="0" smtClean="0"/>
@@ -5238,26 +7238,58 @@
             </a:r>
             <a:r>
               <a:rPr lang="ko-KR" altLang="en-US" sz="1000" dirty="0" smtClean="0"/>
-              <a:t>성장 포인트도 받고 싶은 고객님</a:t>
-            </a:r>
-            <a:endParaRPr lang="en-US" altLang="ko-KR" sz="1000" dirty="0" smtClean="0"/>
-          </a:p>
-          <a:p>
+              <a:t>광고 소재 검수로 시간이 더 소요될 수 있습니다</a:t>
+            </a:r>
             <a:r>
               <a:rPr lang="en-US" altLang="ko-KR" sz="1000" dirty="0" smtClean="0"/>
-              <a:t> - </a:t>
+              <a:t>.</a:t>
+            </a:r>
+            <a:endParaRPr lang="en-US" altLang="ko-KR" sz="1000" dirty="0"/>
+          </a:p>
+          <a:p>
+            <a:r>
+              <a:rPr lang="ko-KR" altLang="en-US" sz="1000" dirty="0"/>
+              <a:t>광고시스템</a:t>
+            </a:r>
+            <a:r>
+              <a:rPr lang="en-US" altLang="ko-KR" sz="1000" dirty="0"/>
+              <a:t>(</a:t>
+            </a:r>
+            <a:r>
+              <a:rPr lang="ko-KR" altLang="en-US" sz="1000" dirty="0"/>
+              <a:t>필수</a:t>
+            </a:r>
+            <a:r>
+              <a:rPr lang="en-US" altLang="ko-KR" sz="1000" dirty="0"/>
+              <a:t>)</a:t>
+            </a:r>
+            <a:r>
+              <a:rPr lang="ko-KR" altLang="en-US" sz="1000" dirty="0"/>
+              <a:t> </a:t>
+            </a:r>
+            <a:r>
+              <a:rPr lang="en-US" altLang="ko-KR" sz="1000" dirty="0"/>
+              <a:t>/ </a:t>
+            </a:r>
+            <a:r>
+              <a:rPr lang="ko-KR" altLang="en-US" sz="1000" dirty="0" err="1"/>
+              <a:t>스토어팜</a:t>
+            </a:r>
+            <a:r>
+              <a:rPr lang="en-US" altLang="ko-KR" sz="1000" dirty="0"/>
+              <a:t>(</a:t>
+            </a:r>
+            <a:r>
+              <a:rPr lang="ko-KR" altLang="en-US" sz="1000" dirty="0"/>
+              <a:t>선택</a:t>
+            </a:r>
+            <a:r>
+              <a:rPr lang="en-US" altLang="ko-KR" sz="1000" dirty="0" smtClean="0"/>
+              <a:t>)</a:t>
             </a:r>
             <a:r>
               <a:rPr lang="ko-KR" altLang="en-US" sz="1000" dirty="0" smtClean="0"/>
-              <a:t>여러 광고 대행사의 </a:t>
-            </a:r>
-            <a:r>
-              <a:rPr lang="en-US" altLang="ko-KR" sz="1000" dirty="0" smtClean="0"/>
-              <a:t>API</a:t>
-            </a:r>
-            <a:r>
-              <a:rPr lang="ko-KR" altLang="en-US" sz="1000" dirty="0" smtClean="0"/>
-              <a:t>를</a:t>
+              <a:t>의</a:t>
             </a:r>
             <a:r>
               <a:rPr lang="en-US" altLang="ko-KR" sz="1000" dirty="0" smtClean="0"/>
@@ -5265,7 +7297,68 @@
             </a:r>
             <a:r>
               <a:rPr lang="ko-KR" altLang="en-US" sz="1000" dirty="0" smtClean="0"/>
-              <a:t>사용하면</a:t>
+              <a:t>계정 권한 </a:t>
+            </a:r>
+            <a:r>
+              <a:rPr lang="ko-KR" altLang="en-US" sz="1000" dirty="0"/>
+              <a:t>부여가 필요합니다</a:t>
+            </a:r>
+            <a:r>
+              <a:rPr lang="en-US" altLang="ko-KR" sz="1000" dirty="0"/>
+              <a:t>.</a:t>
+            </a:r>
+          </a:p>
+          <a:p>
+            <a:r>
+              <a:rPr lang="ko-KR" altLang="en-US" sz="1000" dirty="0"/>
+              <a:t>마케팅 보고서를 주기적으로 받을 요일과 메일을 알려주세요</a:t>
+            </a:r>
+            <a:endParaRPr lang="en-US" altLang="ko-KR" sz="1000" dirty="0"/>
+          </a:p>
+          <a:p>
+            <a:endParaRPr lang="en-US" altLang="ko-KR" sz="1000" dirty="0" smtClean="0"/>
+          </a:p>
+          <a:p>
+            <a:r>
+              <a:rPr lang="en-US" altLang="ko-KR" sz="1000" dirty="0" smtClean="0"/>
+              <a:t>[</a:t>
+            </a:r>
+            <a:r>
+              <a:rPr lang="ko-KR" altLang="en-US" sz="1000" dirty="0" smtClean="0"/>
+              <a:t>환불 규정 및 유의 사항</a:t>
+            </a:r>
+            <a:r>
+              <a:rPr lang="en-US" altLang="ko-KR" sz="1000" dirty="0" smtClean="0"/>
+              <a:t>]</a:t>
+            </a:r>
+            <a:endParaRPr lang="en-US" altLang="ko-KR" sz="1000" dirty="0"/>
+          </a:p>
+          <a:p>
+            <a:r>
+              <a:rPr lang="ko-KR" altLang="en-US" sz="1000" dirty="0" smtClean="0"/>
+              <a:t>오타나 엑셀 버전 차이에 따른 문제 등은</a:t>
+            </a:r>
+            <a:r>
+              <a:rPr lang="en-US" altLang="ko-KR" sz="1000" dirty="0" smtClean="0"/>
+              <a:t> A/S</a:t>
+            </a:r>
+            <a:r>
+              <a:rPr lang="ko-KR" altLang="en-US" sz="1000" dirty="0"/>
+              <a:t> 지속 </a:t>
+            </a:r>
+            <a:r>
+              <a:rPr lang="ko-KR" altLang="en-US" sz="1000" dirty="0" smtClean="0"/>
+              <a:t>지원해드립니다</a:t>
+            </a:r>
+            <a:r>
+              <a:rPr lang="en-US" altLang="ko-KR" sz="1000" dirty="0" smtClean="0"/>
+              <a:t>.</a:t>
+            </a:r>
+          </a:p>
+          <a:p>
+            <a:r>
+              <a:rPr lang="ko-KR" altLang="en-US" sz="1000" dirty="0" smtClean="0"/>
+              <a:t>기타 부득이한 사유로</a:t>
             </a:r>
             <a:r>
               <a:rPr lang="en-US" altLang="ko-KR" sz="1000" dirty="0" smtClean="0"/>
@@ -5273,7 +7366,112 @@
             </a:r>
             <a:r>
               <a:rPr lang="ko-KR" altLang="en-US" sz="1000" dirty="0" smtClean="0"/>
-              <a:t>성장 포인트 혜택을 받을 수 없습니다</a:t>
+              <a:t>실 사용기간 </a:t>
+            </a:r>
+            <a:r>
+              <a:rPr lang="en-US" altLang="ko-KR" sz="1000" dirty="0" smtClean="0"/>
+              <a:t>3</a:t>
+            </a:r>
+            <a:r>
+              <a:rPr lang="ko-KR" altLang="en-US" sz="1000" dirty="0" smtClean="0"/>
+              <a:t>일 이하에 한해 전액 환불해드립니다</a:t>
+            </a:r>
+            <a:r>
+              <a:rPr lang="en-US" altLang="ko-KR" sz="1000" dirty="0" smtClean="0"/>
+              <a:t>. (premium </a:t>
+            </a:r>
+            <a:r>
+              <a:rPr lang="ko-KR" altLang="en-US" sz="1000" dirty="0" smtClean="0"/>
+              <a:t>상품의 경우</a:t>
+            </a:r>
+            <a:r>
+              <a:rPr lang="en-US" altLang="ko-KR" sz="1000" dirty="0" smtClean="0"/>
+              <a:t>, </a:t>
+            </a:r>
+            <a:r>
+              <a:rPr lang="ko-KR" altLang="en-US" sz="1000" dirty="0" smtClean="0"/>
+              <a:t>캠페인 삭제</a:t>
+            </a:r>
+            <a:r>
+              <a:rPr lang="en-US" altLang="ko-KR" sz="1000" dirty="0" smtClean="0"/>
+              <a:t>)</a:t>
+            </a:r>
+          </a:p>
+          <a:p>
+            <a:r>
+              <a:rPr lang="ko-KR" altLang="en-US" sz="1000" dirty="0" err="1" smtClean="0"/>
+              <a:t>이메일</a:t>
+            </a:r>
+            <a:r>
+              <a:rPr lang="en-US" altLang="ko-KR" sz="1000" dirty="0" smtClean="0"/>
+              <a:t>(</a:t>
+            </a:r>
+            <a:r>
+              <a:rPr lang="ko-KR" altLang="en-US" sz="1000" dirty="0"/>
+              <a:t>솔루션 포함</a:t>
+            </a:r>
+            <a:r>
+              <a:rPr lang="en-US" altLang="ko-KR" sz="1000" dirty="0"/>
+              <a:t>) </a:t>
+            </a:r>
+            <a:r>
+              <a:rPr lang="ko-KR" altLang="en-US" sz="1000" dirty="0"/>
+              <a:t>발송 이후에는 환불이 불가합니다</a:t>
+            </a:r>
+            <a:r>
+              <a:rPr lang="en-US" altLang="ko-KR" sz="1000" dirty="0"/>
+              <a:t>.</a:t>
+            </a:r>
+            <a:endParaRPr lang="en-US" altLang="ko-KR" sz="1000" dirty="0" smtClean="0"/>
+          </a:p>
+          <a:p>
+            <a:endParaRPr lang="en-US" altLang="ko-KR" sz="1000" dirty="0"/>
+          </a:p>
+          <a:p>
+            <a:r>
+              <a:rPr lang="en-US" altLang="ko-KR" sz="1000" dirty="0" smtClean="0"/>
+              <a:t>[</a:t>
+            </a:r>
+            <a:r>
+              <a:rPr lang="ko-KR" altLang="en-US" sz="1000" dirty="0" smtClean="0"/>
+              <a:t>직접 관리해보고 싶으시다면</a:t>
+            </a:r>
+            <a:r>
+              <a:rPr lang="en-US" altLang="ko-KR" sz="1000" dirty="0" smtClean="0"/>
+              <a:t>?]</a:t>
+            </a:r>
+            <a:endParaRPr lang="en-US" altLang="ko-KR" sz="1000" dirty="0"/>
+          </a:p>
+          <a:p>
+            <a:r>
+              <a:rPr lang="ko-KR" altLang="en-US" sz="1000" dirty="0" smtClean="0"/>
+              <a:t>마이 </a:t>
+            </a:r>
+            <a:r>
+              <a:rPr lang="ko-KR" altLang="en-US" sz="1000" dirty="0" err="1" smtClean="0"/>
+              <a:t>마케터는</a:t>
+            </a:r>
+            <a:r>
+              <a:rPr lang="ko-KR" altLang="en-US" sz="1000" dirty="0" smtClean="0"/>
+              <a:t> 모든 과정을 수작업으로 진행합니다</a:t>
+            </a:r>
+            <a:r>
+              <a:rPr lang="en-US" altLang="ko-KR" sz="1000" dirty="0" smtClean="0"/>
+              <a:t>. </a:t>
+            </a:r>
+          </a:p>
+          <a:p>
+            <a:r>
+              <a:rPr lang="ko-KR" altLang="en-US" sz="1000" dirty="0" smtClean="0"/>
+              <a:t>따라서</a:t>
+            </a:r>
+            <a:r>
+              <a:rPr lang="en-US" altLang="ko-KR" sz="1000" dirty="0" smtClean="0"/>
+              <a:t>, </a:t>
+            </a:r>
+            <a:r>
+              <a:rPr lang="ko-KR" altLang="en-US" sz="1000" dirty="0" smtClean="0"/>
+              <a:t>누구나 방법만 알면 저처럼 작업하실 수 있습니다</a:t>
             </a:r>
             <a:r>
               <a:rPr lang="en-US" altLang="ko-KR" sz="1000" dirty="0" smtClean="0"/>
@@ -5283,15 +7481,29 @@
           <a:p>
             <a:r>
               <a:rPr lang="ko-KR" altLang="en-US" sz="1000" dirty="0" smtClean="0"/>
+              <a:t>다만</a:t>
+            </a:r>
+            <a:r>
+              <a:rPr lang="en-US" altLang="ko-KR" sz="1000" dirty="0" smtClean="0"/>
+              <a:t>,</a:t>
+            </a:r>
+            <a:r>
+              <a:rPr lang="ko-KR" altLang="en-US" sz="1000" dirty="0"/>
               <a:t> </a:t>
             </a:r>
             <a:r>
-              <a:rPr lang="en-US" altLang="ko-KR" sz="1000" dirty="0" smtClean="0"/>
-              <a:t> </a:t>
-            </a:r>
-            <a:r>
               <a:rPr lang="ko-KR" altLang="en-US" sz="1000" dirty="0" smtClean="0"/>
-              <a:t>하지만</a:t>
+              <a:t>방법이 조금 복잡하고 매일매일 꾸준히 한다는 게 사실 쉽지 않습니다</a:t>
+            </a:r>
+            <a:endParaRPr lang="en-US" altLang="ko-KR" sz="1000" dirty="0" smtClean="0"/>
+          </a:p>
+          <a:p>
+            <a:endParaRPr lang="en-US" altLang="ko-KR" sz="1000" dirty="0" smtClean="0"/>
+          </a:p>
+          <a:p>
+            <a:r>
+              <a:rPr lang="ko-KR" altLang="en-US" sz="1000" dirty="0" smtClean="0"/>
+              <a:t>고객님 중에</a:t>
             </a:r>
             <a:r>
               <a:rPr lang="en-US" altLang="ko-KR" sz="1000" dirty="0" smtClean="0"/>
@@ -5299,557 +7511,19 @@
             </a:r>
             <a:r>
               <a:rPr lang="ko-KR" altLang="en-US" sz="1000" dirty="0" smtClean="0"/>
-              <a:t>저희는</a:t>
-            </a:r>
-            <a:r>
-              <a:rPr lang="en-US" altLang="ko-KR" sz="1000" dirty="0" smtClean="0"/>
-              <a:t> </a:t>
-            </a:r>
+              <a:t>이용기간 만료 후에 직접 작업해보고 싶으시거나 </a:t>
+            </a:r>
+            <a:endParaRPr lang="en-US" altLang="ko-KR" sz="1000" dirty="0" smtClean="0"/>
+          </a:p>
+          <a:p>
             <a:r>
               <a:rPr lang="ko-KR" altLang="en-US" sz="1000" dirty="0" smtClean="0"/>
-              <a:t>하나하나 수작업으로 진행하니 성장 포인트나 컨설팅 지원 등 </a:t>
-            </a:r>
-            <a:endParaRPr lang="en-US" altLang="ko-KR" sz="1000" dirty="0" smtClean="0"/>
-          </a:p>
-          <a:p>
-            <a:r>
-              <a:rPr lang="en-US" altLang="ko-KR" sz="1000" dirty="0"/>
-              <a:t> </a:t>
-            </a:r>
-            <a:r>
-              <a:rPr lang="en-US" altLang="ko-KR" sz="1000" dirty="0" smtClean="0"/>
-              <a:t> </a:t>
-            </a:r>
-            <a:r>
-              <a:rPr lang="ko-KR" altLang="en-US" sz="1000" dirty="0" smtClean="0"/>
-              <a:t>신규 가입 제공 혜택은 그대로 받으실 수 있습니다</a:t>
+              <a:t>작업 과정이 궁금하신 분들이 있으시면 편하게 문의주세요</a:t>
             </a:r>
             <a:r>
               <a:rPr lang="en-US" altLang="ko-KR" sz="1000" dirty="0" smtClean="0"/>
               <a:t>!</a:t>
             </a:r>
-          </a:p>
-          <a:p>
-            <a:r>
-              <a:rPr lang="en-US" altLang="ko-KR" sz="1000" b="1" dirty="0"/>
-              <a:t> </a:t>
-            </a:r>
-            <a:r>
-              <a:rPr lang="en-US" altLang="ko-KR" sz="1000" b="1" dirty="0" smtClean="0"/>
-              <a:t>&gt; </a:t>
-            </a:r>
-            <a:r>
-              <a:rPr lang="ko-KR" altLang="en-US" sz="1000" b="1" dirty="0"/>
-              <a:t>초기 광고 </a:t>
-            </a:r>
-            <a:r>
-              <a:rPr lang="ko-KR" altLang="en-US" sz="1000" b="1" dirty="0" err="1" smtClean="0"/>
-              <a:t>세팅까지</a:t>
-            </a:r>
-            <a:r>
-              <a:rPr lang="ko-KR" altLang="en-US" sz="1000" b="1" dirty="0" smtClean="0"/>
-              <a:t> 지원하는 </a:t>
-            </a:r>
-            <a:r>
-              <a:rPr lang="en-US" altLang="ko-KR" sz="1000" b="1" dirty="0" smtClean="0"/>
-              <a:t>premium(1</a:t>
-            </a:r>
-            <a:r>
-              <a:rPr lang="ko-KR" altLang="en-US" sz="1000" b="1" dirty="0" smtClean="0"/>
-              <a:t>개월</a:t>
-            </a:r>
-            <a:r>
-              <a:rPr lang="en-US" altLang="ko-KR" sz="1000" b="1" dirty="0" smtClean="0"/>
-              <a:t>)</a:t>
-            </a:r>
-            <a:r>
-              <a:rPr lang="ko-KR" altLang="en-US" sz="1000" b="1" dirty="0" smtClean="0"/>
-              <a:t> 상품을 </a:t>
-            </a:r>
-            <a:r>
-              <a:rPr lang="ko-KR" altLang="en-US" sz="1000" b="1" dirty="0" err="1" smtClean="0"/>
-              <a:t>추천드립니다</a:t>
-            </a:r>
-            <a:r>
-              <a:rPr lang="en-US" altLang="ko-KR" sz="1000" b="1" dirty="0" smtClean="0"/>
-              <a:t>.</a:t>
-            </a:r>
-          </a:p>
-          <a:p>
-            <a:r>
-              <a:rPr lang="en-US" altLang="ko-KR" sz="1000" dirty="0"/>
-              <a:t> </a:t>
-            </a:r>
-            <a:r>
-              <a:rPr lang="en-US" altLang="ko-KR" sz="1000" dirty="0" smtClean="0"/>
-              <a:t>2. </a:t>
-            </a:r>
-            <a:r>
-              <a:rPr lang="ko-KR" altLang="en-US" sz="1000" dirty="0" smtClean="0"/>
-              <a:t>운영하고 있는 스마트 스토어가 있지만</a:t>
-            </a:r>
-            <a:r>
-              <a:rPr lang="en-US" altLang="ko-KR" sz="1000" dirty="0" smtClean="0"/>
-              <a:t>, </a:t>
-            </a:r>
-            <a:r>
-              <a:rPr lang="ko-KR" altLang="en-US" sz="1000" dirty="0" smtClean="0"/>
-              <a:t>마케팅이 막막하거나</a:t>
-            </a:r>
-            <a:r>
-              <a:rPr lang="en-US" altLang="ko-KR" sz="1000" dirty="0" smtClean="0"/>
-              <a:t>, </a:t>
-            </a:r>
-            <a:r>
-              <a:rPr lang="ko-KR" altLang="en-US" sz="1000" dirty="0" smtClean="0"/>
-              <a:t>관리할 여력이 없으신 고객님</a:t>
-            </a:r>
-            <a:endParaRPr lang="en-US" altLang="ko-KR" sz="1000" dirty="0" smtClean="0"/>
-          </a:p>
-          <a:p>
-            <a:r>
-              <a:rPr lang="en-US" altLang="ko-KR" sz="1000" dirty="0"/>
-              <a:t> </a:t>
-            </a:r>
-            <a:r>
-              <a:rPr lang="en-US" altLang="ko-KR" sz="1000" dirty="0" smtClean="0"/>
-              <a:t>- </a:t>
-            </a:r>
-            <a:r>
-              <a:rPr lang="ko-KR" altLang="en-US" sz="1000" dirty="0" smtClean="0"/>
-              <a:t>스마트스토어의 검색광고는 </a:t>
-            </a:r>
-            <a:r>
-              <a:rPr lang="ko-KR" altLang="en-US" sz="1000" dirty="0" err="1" smtClean="0"/>
-              <a:t>입찰가에</a:t>
-            </a:r>
-            <a:r>
-              <a:rPr lang="ko-KR" altLang="en-US" sz="1000" dirty="0" smtClean="0"/>
-              <a:t> 따라 실시간으로 노출순위가 바뀝니다</a:t>
-            </a:r>
-            <a:r>
-              <a:rPr lang="en-US" altLang="ko-KR" sz="1000" dirty="0" smtClean="0"/>
-              <a:t>.</a:t>
-            </a:r>
-          </a:p>
-          <a:p>
-            <a:r>
-              <a:rPr lang="en-US" altLang="ko-KR" sz="1000" dirty="0" smtClean="0"/>
-              <a:t>  </a:t>
-            </a:r>
-            <a:r>
-              <a:rPr lang="ko-KR" altLang="en-US" sz="1000" dirty="0" smtClean="0"/>
-              <a:t>그</a:t>
-            </a:r>
-            <a:r>
-              <a:rPr lang="ko-KR" altLang="en-US" sz="1000" dirty="0"/>
-              <a:t>래</a:t>
-            </a:r>
-            <a:r>
-              <a:rPr lang="ko-KR" altLang="en-US" sz="1000" dirty="0" smtClean="0"/>
-              <a:t>서</a:t>
-            </a:r>
-            <a:r>
-              <a:rPr lang="en-US" altLang="ko-KR" sz="1000" dirty="0" smtClean="0"/>
-              <a:t>, </a:t>
-            </a:r>
-            <a:r>
-              <a:rPr lang="ko-KR" altLang="en-US" sz="1000" dirty="0" smtClean="0"/>
-              <a:t>실시간으로 변하는 노출순위를 보고 </a:t>
-            </a:r>
-            <a:r>
-              <a:rPr lang="ko-KR" altLang="en-US" sz="1000" dirty="0" err="1" smtClean="0"/>
-              <a:t>입찰가를</a:t>
-            </a:r>
-            <a:r>
-              <a:rPr lang="ko-KR" altLang="en-US" sz="1000" dirty="0" smtClean="0"/>
-              <a:t> 수정해줘야 합니다</a:t>
-            </a:r>
-            <a:r>
-              <a:rPr lang="en-US" altLang="ko-KR" sz="1000" dirty="0" smtClean="0"/>
-              <a:t>.</a:t>
-            </a:r>
-          </a:p>
-          <a:p>
-            <a:r>
-              <a:rPr lang="en-US" altLang="ko-KR" sz="1000" dirty="0"/>
-              <a:t> </a:t>
-            </a:r>
-            <a:r>
-              <a:rPr lang="ko-KR" altLang="en-US" sz="1000" dirty="0" smtClean="0"/>
-              <a:t>저희는 자체 </a:t>
-            </a:r>
-            <a:r>
-              <a:rPr lang="ko-KR" altLang="en-US" sz="1000" dirty="0" err="1" smtClean="0"/>
-              <a:t>로직으로</a:t>
-            </a:r>
-            <a:r>
-              <a:rPr lang="ko-KR" altLang="en-US" sz="1000" dirty="0" smtClean="0"/>
-              <a:t> </a:t>
-            </a:r>
-            <a:r>
-              <a:rPr lang="ko-KR" altLang="en-US" sz="1000" dirty="0" err="1" smtClean="0"/>
-              <a:t>입찰가</a:t>
-            </a:r>
-            <a:r>
-              <a:rPr lang="ko-KR" altLang="en-US" sz="1000" dirty="0" smtClean="0"/>
-              <a:t> 최적화 작업은 물론</a:t>
-            </a:r>
-            <a:r>
-              <a:rPr lang="en-US" altLang="ko-KR" sz="1000" dirty="0" smtClean="0"/>
-              <a:t>, </a:t>
-            </a:r>
-          </a:p>
-          <a:p>
-            <a:r>
-              <a:rPr lang="en-US" altLang="ko-KR" sz="1000" dirty="0"/>
-              <a:t> </a:t>
-            </a:r>
-            <a:r>
-              <a:rPr lang="ko-KR" altLang="en-US" sz="1000" dirty="0" smtClean="0"/>
-              <a:t>좋은 키워드 추천</a:t>
-            </a:r>
-            <a:r>
-              <a:rPr lang="en-US" altLang="ko-KR" sz="1000" dirty="0" smtClean="0"/>
-              <a:t>,</a:t>
-            </a:r>
-            <a:r>
-              <a:rPr lang="ko-KR" altLang="en-US" sz="1000" dirty="0" smtClean="0"/>
-              <a:t> </a:t>
-            </a:r>
-            <a:r>
-              <a:rPr lang="ko-KR" altLang="en-US" sz="1000" dirty="0" err="1" smtClean="0"/>
-              <a:t>인기검색어</a:t>
-            </a:r>
-            <a:r>
-              <a:rPr lang="ko-KR" altLang="en-US" sz="1000" dirty="0" smtClean="0"/>
-              <a:t> </a:t>
-            </a:r>
-            <a:r>
-              <a:rPr lang="en-US" altLang="ko-KR" sz="1000" dirty="0" smtClean="0"/>
-              <a:t>top 500 </a:t>
-            </a:r>
-            <a:r>
-              <a:rPr lang="ko-KR" altLang="en-US" sz="1000" dirty="0" smtClean="0"/>
-              <a:t>리스트</a:t>
-            </a:r>
-            <a:r>
-              <a:rPr lang="en-US" altLang="ko-KR" sz="1000" dirty="0" smtClean="0"/>
-              <a:t>, </a:t>
-            </a:r>
-            <a:r>
-              <a:rPr lang="ko-KR" altLang="en-US" sz="1000" dirty="0" smtClean="0"/>
-              <a:t>매출</a:t>
-            </a:r>
-            <a:r>
-              <a:rPr lang="en-US" altLang="ko-KR" sz="1000" dirty="0" smtClean="0"/>
-              <a:t> </a:t>
-            </a:r>
-            <a:r>
-              <a:rPr lang="ko-KR" altLang="en-US" sz="1000" dirty="0" smtClean="0"/>
-              <a:t>추이 등 </a:t>
-            </a:r>
-            <a:endParaRPr lang="en-US" altLang="ko-KR" sz="1000" dirty="0" smtClean="0"/>
-          </a:p>
-          <a:p>
-            <a:r>
-              <a:rPr lang="en-US" altLang="ko-KR" sz="1000" dirty="0"/>
-              <a:t> </a:t>
-            </a:r>
-            <a:r>
-              <a:rPr lang="ko-KR" altLang="en-US" sz="1000" dirty="0" smtClean="0"/>
-              <a:t>보고서까지 기본 제공해드리며 놓치고 있는 마케팅 업무를 모두 챙겨드립니다</a:t>
-            </a:r>
-            <a:r>
-              <a:rPr lang="en-US" altLang="ko-KR" sz="1000" dirty="0" smtClean="0"/>
-              <a:t>!</a:t>
-            </a:r>
-          </a:p>
-          <a:p>
-            <a:r>
-              <a:rPr lang="en-US" altLang="ko-KR" sz="1000" b="1" dirty="0"/>
-              <a:t> &gt; </a:t>
-            </a:r>
-            <a:r>
-              <a:rPr lang="ko-KR" altLang="en-US" sz="1000" b="1" dirty="0"/>
-              <a:t>이미 광고 캠페인이 있으시면</a:t>
-            </a:r>
-            <a:r>
-              <a:rPr lang="en-US" altLang="ko-KR" sz="1000" b="1" dirty="0"/>
-              <a:t>, </a:t>
-            </a:r>
-            <a:r>
-              <a:rPr lang="ko-KR" altLang="en-US" sz="1000" b="1" dirty="0" err="1" smtClean="0"/>
-              <a:t>입찰가</a:t>
-            </a:r>
-            <a:r>
-              <a:rPr lang="ko-KR" altLang="en-US" sz="1000" b="1" dirty="0" smtClean="0"/>
-              <a:t> 관리만 제공하는 </a:t>
-            </a:r>
-            <a:r>
-              <a:rPr lang="en-US" altLang="ko-KR" sz="1000" b="1" dirty="0" smtClean="0"/>
-              <a:t>standard(2</a:t>
-            </a:r>
-            <a:r>
-              <a:rPr lang="ko-KR" altLang="en-US" sz="1000" b="1" dirty="0" smtClean="0"/>
-              <a:t>주</a:t>
-            </a:r>
-            <a:r>
-              <a:rPr lang="en-US" altLang="ko-KR" sz="1000" b="1" dirty="0" smtClean="0"/>
-              <a:t>) or deluxe(1</a:t>
-            </a:r>
-            <a:r>
-              <a:rPr lang="ko-KR" altLang="en-US" sz="1000" b="1" dirty="0" smtClean="0"/>
-              <a:t>개월</a:t>
-            </a:r>
-            <a:r>
-              <a:rPr lang="en-US" altLang="ko-KR" sz="1000" b="1" dirty="0" smtClean="0"/>
-              <a:t>)</a:t>
-            </a:r>
-            <a:r>
-              <a:rPr lang="ko-KR" altLang="en-US" sz="1000" b="1" dirty="0" smtClean="0"/>
-              <a:t> </a:t>
-            </a:r>
-            <a:r>
-              <a:rPr lang="ko-KR" altLang="en-US" sz="1000" b="1" dirty="0"/>
-              <a:t>상품을 </a:t>
-            </a:r>
-            <a:r>
-              <a:rPr lang="ko-KR" altLang="en-US" sz="1000" b="1" dirty="0" err="1"/>
-              <a:t>추천드립니다</a:t>
-            </a:r>
-            <a:r>
-              <a:rPr lang="en-US" altLang="ko-KR" sz="1000" b="1" dirty="0"/>
-              <a:t>.</a:t>
-            </a:r>
-          </a:p>
-          <a:p>
-            <a:r>
-              <a:rPr lang="en-US" altLang="ko-KR" sz="1000" b="1" dirty="0"/>
-              <a:t> &gt; </a:t>
-            </a:r>
-            <a:r>
-              <a:rPr lang="ko-KR" altLang="en-US" sz="1000" b="1" dirty="0" smtClean="0"/>
-              <a:t>추가 광고 캠페인을 만들고 관리하고 싶으시면</a:t>
-            </a:r>
-            <a:r>
-              <a:rPr lang="en-US" altLang="ko-KR" sz="1000" b="1" dirty="0" smtClean="0"/>
-              <a:t>, </a:t>
-            </a:r>
-            <a:r>
-              <a:rPr lang="en-US" altLang="ko-KR" sz="1000" b="1" dirty="0"/>
-              <a:t>premium(1</a:t>
-            </a:r>
-            <a:r>
-              <a:rPr lang="ko-KR" altLang="en-US" sz="1000" b="1" dirty="0"/>
-              <a:t>개월</a:t>
-            </a:r>
-            <a:r>
-              <a:rPr lang="en-US" altLang="ko-KR" sz="1000" b="1" dirty="0"/>
-              <a:t>)</a:t>
-            </a:r>
-            <a:r>
-              <a:rPr lang="ko-KR" altLang="en-US" sz="1000" b="1" dirty="0"/>
-              <a:t> 상품을 </a:t>
-            </a:r>
-            <a:r>
-              <a:rPr lang="ko-KR" altLang="en-US" sz="1000" b="1" dirty="0" err="1"/>
-              <a:t>추천드립니다</a:t>
-            </a:r>
-            <a:r>
-              <a:rPr lang="en-US" altLang="ko-KR" sz="1000" b="1" dirty="0"/>
-              <a:t>.</a:t>
-            </a:r>
-          </a:p>
-          <a:p>
-            <a:endParaRPr lang="en-US" altLang="ko-KR" sz="1000" dirty="0" smtClean="0"/>
-          </a:p>
-          <a:p>
-            <a:r>
-              <a:rPr lang="ko-KR" altLang="en-US" sz="1000" dirty="0" smtClean="0"/>
-              <a:t>제공사항</a:t>
-            </a:r>
-            <a:endParaRPr lang="en-US" altLang="ko-KR" sz="1000" dirty="0" smtClean="0"/>
-          </a:p>
-          <a:p>
-            <a:r>
-              <a:rPr lang="en-US" altLang="ko-KR" sz="1000" dirty="0" smtClean="0"/>
-              <a:t>1.</a:t>
-            </a:r>
-            <a:r>
-              <a:rPr lang="ko-KR" altLang="en-US" sz="1000" dirty="0" err="1" smtClean="0"/>
-              <a:t>입찰가</a:t>
-            </a:r>
-            <a:r>
-              <a:rPr lang="ko-KR" altLang="en-US" sz="1000" dirty="0" smtClean="0"/>
-              <a:t> </a:t>
-            </a:r>
-            <a:r>
-              <a:rPr lang="ko-KR" altLang="en-US" sz="1000" dirty="0"/>
-              <a:t>관리</a:t>
-            </a:r>
-            <a:endParaRPr lang="en-US" altLang="ko-KR" sz="1000" dirty="0"/>
-          </a:p>
-          <a:p>
-            <a:r>
-              <a:rPr lang="ko-KR" altLang="en-US" sz="1000" dirty="0" err="1" smtClean="0"/>
-              <a:t>입찰가는</a:t>
-            </a:r>
-            <a:r>
-              <a:rPr lang="ko-KR" altLang="en-US" sz="1000" dirty="0" smtClean="0"/>
-              <a:t> 실시간으로 변함</a:t>
-            </a:r>
-            <a:r>
-              <a:rPr lang="en-US" altLang="ko-KR" sz="1000" dirty="0" smtClean="0"/>
-              <a:t>, ROAS </a:t>
-            </a:r>
-            <a:r>
-              <a:rPr lang="ko-KR" altLang="en-US" sz="1000" dirty="0" smtClean="0"/>
-              <a:t>율에 따라 </a:t>
-            </a:r>
-            <a:r>
-              <a:rPr lang="ko-KR" altLang="en-US" sz="1000" dirty="0" err="1" smtClean="0"/>
-              <a:t>입찰가를</a:t>
-            </a:r>
-            <a:r>
-              <a:rPr lang="ko-KR" altLang="en-US" sz="1000" dirty="0" smtClean="0"/>
-              <a:t> 조정하므로 최소한의 광고비만 나가도록 작업합니다</a:t>
-            </a:r>
-            <a:r>
-              <a:rPr lang="en-US" altLang="ko-KR" sz="1000" dirty="0" smtClean="0"/>
-              <a:t>.</a:t>
-            </a:r>
-            <a:endParaRPr lang="en-US" altLang="ko-KR" sz="1000" dirty="0"/>
-          </a:p>
-          <a:p>
-            <a:r>
-              <a:rPr lang="en-US" altLang="ko-KR" sz="1000" dirty="0" smtClean="0"/>
-              <a:t>2.</a:t>
-            </a:r>
-            <a:r>
-              <a:rPr lang="ko-KR" altLang="en-US" sz="1000" dirty="0" smtClean="0"/>
-              <a:t>광고 소재 관리</a:t>
-            </a:r>
-            <a:endParaRPr lang="en-US" altLang="ko-KR" sz="1000" dirty="0" smtClean="0"/>
-          </a:p>
-          <a:p>
-            <a:r>
-              <a:rPr lang="ko-KR" altLang="en-US" sz="1000" dirty="0" smtClean="0"/>
-              <a:t>광고 소재는 상품 하나당 최대 </a:t>
-            </a:r>
-            <a:r>
-              <a:rPr lang="en-US" altLang="ko-KR" sz="1000" dirty="0" smtClean="0"/>
-              <a:t>10</a:t>
-            </a:r>
-            <a:r>
-              <a:rPr lang="ko-KR" altLang="en-US" sz="1000" dirty="0" smtClean="0"/>
-              <a:t>개를 걸 수 있는데</a:t>
-            </a:r>
-            <a:r>
-              <a:rPr lang="en-US" altLang="ko-KR" sz="1000" dirty="0" smtClean="0"/>
-              <a:t>, 10</a:t>
-            </a:r>
-            <a:r>
-              <a:rPr lang="ko-KR" altLang="en-US" sz="1000" dirty="0" smtClean="0"/>
-              <a:t>개를 모두 사용하여 </a:t>
-            </a:r>
-            <a:endParaRPr lang="en-US" altLang="ko-KR" sz="1000" dirty="0" smtClean="0"/>
-          </a:p>
-          <a:p>
-            <a:r>
-              <a:rPr lang="ko-KR" altLang="en-US" sz="1000" dirty="0" smtClean="0"/>
-              <a:t>지속적으로 불량 광고 소재는 삭제하고</a:t>
-            </a:r>
-            <a:r>
-              <a:rPr lang="en-US" altLang="ko-KR" sz="1000" dirty="0" smtClean="0"/>
-              <a:t>, </a:t>
-            </a:r>
-            <a:r>
-              <a:rPr lang="ko-KR" altLang="en-US" sz="1000" dirty="0" smtClean="0"/>
-              <a:t>양호 광고 소재는 분석하여 좋은 키워드를 뽑아내고</a:t>
-            </a:r>
-            <a:endParaRPr lang="en-US" altLang="ko-KR" sz="1000" dirty="0" smtClean="0"/>
-          </a:p>
-          <a:p>
-            <a:r>
-              <a:rPr lang="ko-KR" altLang="en-US" sz="1000" dirty="0" smtClean="0"/>
-              <a:t>나아가 </a:t>
-            </a:r>
-            <a:r>
-              <a:rPr lang="en-US" altLang="ko-KR" sz="1000" dirty="0" smtClean="0"/>
-              <a:t>top500 </a:t>
-            </a:r>
-            <a:r>
-              <a:rPr lang="ko-KR" altLang="en-US" sz="1000" dirty="0" err="1" smtClean="0"/>
-              <a:t>인기검색어를</a:t>
-            </a:r>
-            <a:r>
-              <a:rPr lang="ko-KR" altLang="en-US" sz="1000" dirty="0" smtClean="0"/>
-              <a:t> 토대로 상품 기획까지 도와드립니다</a:t>
-            </a:r>
-            <a:r>
-              <a:rPr lang="en-US" altLang="ko-KR" sz="1000" dirty="0" smtClean="0"/>
-              <a:t>.</a:t>
-            </a:r>
-          </a:p>
-          <a:p>
-            <a:r>
-              <a:rPr lang="en-US" altLang="ko-KR" sz="1000" dirty="0" smtClean="0"/>
-              <a:t>3.</a:t>
-            </a:r>
-            <a:r>
-              <a:rPr lang="ko-KR" altLang="en-US" sz="1000" dirty="0" smtClean="0"/>
-              <a:t>마케팅 보고서</a:t>
-            </a:r>
-            <a:r>
-              <a:rPr lang="en-US" altLang="ko-KR" sz="1000" dirty="0" smtClean="0"/>
-              <a:t>(</a:t>
-            </a:r>
-            <a:r>
-              <a:rPr lang="ko-KR" altLang="en-US" sz="1000" dirty="0" err="1" smtClean="0"/>
-              <a:t>스토어팜</a:t>
-            </a:r>
-            <a:r>
-              <a:rPr lang="ko-KR" altLang="en-US" sz="1000" dirty="0" smtClean="0"/>
-              <a:t> </a:t>
-            </a:r>
-            <a:r>
-              <a:rPr lang="ko-KR" altLang="en-US" sz="1000" dirty="0" err="1" smtClean="0"/>
-              <a:t>연동시</a:t>
-            </a:r>
-            <a:r>
-              <a:rPr lang="en-US" altLang="ko-KR" sz="1000" dirty="0" smtClean="0"/>
-              <a:t>)</a:t>
-            </a:r>
-          </a:p>
-          <a:p>
-            <a:endParaRPr lang="en-US" altLang="ko-KR" sz="1000" smtClean="0"/>
-          </a:p>
-          <a:p>
-            <a:endParaRPr lang="en-US" altLang="ko-KR" sz="1000" dirty="0"/>
-          </a:p>
-          <a:p>
-            <a:r>
-              <a:rPr lang="ko-KR" altLang="en-US" sz="1000" dirty="0"/>
-              <a:t>작업과정</a:t>
-            </a:r>
-            <a:endParaRPr lang="en-US" altLang="ko-KR" sz="1000" dirty="0"/>
-          </a:p>
-          <a:p>
-            <a:endParaRPr lang="en-US" altLang="ko-KR" sz="1000" dirty="0"/>
-          </a:p>
-          <a:p>
-            <a:r>
-              <a:rPr lang="ko-KR" altLang="en-US" sz="1000" dirty="0"/>
-              <a:t>사후관리</a:t>
-            </a:r>
-            <a:endParaRPr lang="en-US" altLang="ko-KR" sz="1000" dirty="0"/>
-          </a:p>
-          <a:p>
-            <a:endParaRPr lang="en-US" altLang="ko-KR" sz="1000" dirty="0"/>
-          </a:p>
-          <a:p>
-            <a:endParaRPr lang="en-US" altLang="ko-KR" sz="1000" dirty="0"/>
           </a:p>
         </p:txBody>
       </p:sp>
@@ -5866,7 +7540,7 @@
 </p:sld>
 </file>
 
-<file path=ppt/slides/slide3.xml><?xml version="1.0" encoding="utf-8"?>
+<file path=ppt/slides/slide4.xml><?xml version="1.0" encoding="utf-8"?>
 <p:sld xmlns:a="http://schemas.openxmlformats.org/drawingml/2006/main" xmlns:r="http://schemas.openxmlformats.org/officeDocument/2006/relationships" xmlns:p="http://schemas.openxmlformats.org/presentationml/2006/main">
   <p:cSld>
     <p:spTree>
@@ -8771,11 +10445,7 @@
             </a:r>
             <a:r>
               <a:rPr lang="ko-KR" altLang="en-US" sz="600" dirty="0"/>
-              <a:t> </a:t>
-            </a:r>
-            <a:r>
-              <a:rPr lang="ko-KR" altLang="en-US" sz="600" dirty="0" err="1"/>
-              <a:t>입찰가</a:t>
+              <a:t> 입찰가</a:t>
             </a:r>
             <a:r>
               <a:rPr lang="en-US" altLang="ko-KR" sz="600" dirty="0"/>
@@ -9966,15 +11636,7 @@
             </a:r>
             <a:r>
               <a:rPr lang="ko-KR" altLang="en-US" sz="600" dirty="0"/>
-              <a:t> 간단한 </a:t>
-            </a:r>
-            <a:r>
-              <a:rPr lang="ko-KR" altLang="en-US" sz="600" dirty="0" err="1"/>
-              <a:t>입찰가</a:t>
-            </a:r>
-            <a:r>
-              <a:rPr lang="ko-KR" altLang="en-US" sz="600" dirty="0"/>
-              <a:t> 조정은</a:t>
+              <a:t> 간단한 입찰가 조정은</a:t>
             </a:r>
           </a:p>
           <a:p>
@@ -10767,12 +12429,8 @@
               <a:t>      4.</a:t>
             </a:r>
             <a:r>
-              <a:rPr lang="ko-KR" altLang="en-US" sz="600" dirty="0" err="1"/>
-              <a:t>입찰가</a:t>
-            </a:r>
-            <a:r>
-              <a:rPr lang="ko-KR" altLang="en-US" sz="600" dirty="0"/>
-              <a:t> </a:t>
+              <a:rPr lang="ko-KR" altLang="en-US" sz="600" dirty="0"/>
+              <a:t>입찰가 </a:t>
             </a:r>
             <a:r>
               <a:rPr lang="en-US" altLang="ko-KR" sz="600" dirty="0"/>
@@ -10788,15 +12446,7 @@
             </a:r>
             <a:r>
               <a:rPr lang="ko-KR" altLang="en-US" sz="600" dirty="0"/>
-              <a:t>최대 </a:t>
-            </a:r>
-            <a:r>
-              <a:rPr lang="ko-KR" altLang="en-US" sz="600" dirty="0" err="1"/>
-              <a:t>입찰가</a:t>
-            </a:r>
-            <a:r>
-              <a:rPr lang="ko-KR" altLang="en-US" sz="600" dirty="0"/>
-              <a:t> 적용</a:t>
+              <a:t>최대 입찰가 적용</a:t>
             </a:r>
             <a:r>
               <a:rPr lang="en-US" altLang="ko-KR" sz="600" dirty="0"/>
@@ -15333,11 +16983,7 @@
             </a:r>
             <a:r>
               <a:rPr lang="ko-KR" altLang="en-US" sz="600" dirty="0"/>
-              <a:t>급 </a:t>
-            </a:r>
-            <a:r>
-              <a:rPr lang="ko-KR" altLang="en-US" sz="600" dirty="0" err="1"/>
-              <a:t>마케터</a:t>
+              <a:t>급 마케터</a:t>
             </a:r>
             <a:r>
               <a:rPr lang="en-US" altLang="ko-KR" sz="600" dirty="0"/>

--- a/ex/외주참고.pptx
+++ b/ex/외주참고.pptx
@@ -107,6 +107,22 @@
       </a:defRPr>
     </a:lvl9pPr>
   </p:defaultTextStyle>
+  <p:extLst>
+    <p:ext uri="{EFAFB233-063F-42B5-8137-9DF3F51BA10A}">
+      <p15:sldGuideLst xmlns:p15="http://schemas.microsoft.com/office/powerpoint/2012/main">
+        <p15:guide id="1" orient="horz" pos="2160">
+          <p15:clr>
+            <a:srgbClr val="A4A3A4"/>
+          </p15:clr>
+        </p15:guide>
+        <p15:guide id="2" pos="3840">
+          <p15:clr>
+            <a:srgbClr val="A4A3A4"/>
+          </p15:clr>
+        </p15:guide>
+      </p15:sldGuideLst>
+    </p:ext>
+  </p:extLst>
 </p:presentation>
 </file>
 
@@ -132,7 +148,7 @@
           <p:cNvPr id="2" name="제목 1">
             <a:extLst>
               <a:ext uri="{FF2B5EF4-FFF2-40B4-BE49-F238E27FC236}">
-                <a16:creationId xmlns:a16="http://schemas.microsoft.com/office/drawing/2014/main" xmlns="" id="{35C1D274-B776-4CDA-88AA-EED4EB8692E9}"/>
+                <a16:creationId xmlns:a16="http://schemas.microsoft.com/office/drawing/2014/main" id="{35C1D274-B776-4CDA-88AA-EED4EB8692E9}"/>
               </a:ext>
             </a:extLst>
           </p:cNvPr>
@@ -169,7 +185,7 @@
           <p:cNvPr id="3" name="부제목 2">
             <a:extLst>
               <a:ext uri="{FF2B5EF4-FFF2-40B4-BE49-F238E27FC236}">
-                <a16:creationId xmlns:a16="http://schemas.microsoft.com/office/drawing/2014/main" xmlns="" id="{DD9E7B4E-3967-460F-A9F4-B5FC192A8677}"/>
+                <a16:creationId xmlns:a16="http://schemas.microsoft.com/office/drawing/2014/main" id="{DD9E7B4E-3967-460F-A9F4-B5FC192A8677}"/>
               </a:ext>
             </a:extLst>
           </p:cNvPr>
@@ -239,7 +255,7 @@
           <p:cNvPr id="4" name="날짜 개체 틀 3">
             <a:extLst>
               <a:ext uri="{FF2B5EF4-FFF2-40B4-BE49-F238E27FC236}">
-                <a16:creationId xmlns:a16="http://schemas.microsoft.com/office/drawing/2014/main" xmlns="" id="{43035326-985D-4BA6-853F-FEE1EC94E153}"/>
+                <a16:creationId xmlns:a16="http://schemas.microsoft.com/office/drawing/2014/main" id="{43035326-985D-4BA6-853F-FEE1EC94E153}"/>
               </a:ext>
             </a:extLst>
           </p:cNvPr>
@@ -257,7 +273,7 @@
           <a:p>
             <a:fld id="{A76716D5-110C-4AB8-AFA3-38313944CA0A}" type="datetimeFigureOut">
               <a:rPr lang="ko-KR" altLang="en-US" smtClean="0"/>
-              <a:t>2021-09-05</a:t>
+              <a:t>2021-09-06</a:t>
             </a:fld>
             <a:endParaRPr lang="ko-KR" altLang="en-US"/>
           </a:p>
@@ -268,7 +284,7 @@
           <p:cNvPr id="5" name="바닥글 개체 틀 4">
             <a:extLst>
               <a:ext uri="{FF2B5EF4-FFF2-40B4-BE49-F238E27FC236}">
-                <a16:creationId xmlns:a16="http://schemas.microsoft.com/office/drawing/2014/main" xmlns="" id="{5E57BF56-3383-42A4-B238-ECD5D5488C73}"/>
+                <a16:creationId xmlns:a16="http://schemas.microsoft.com/office/drawing/2014/main" id="{5E57BF56-3383-42A4-B238-ECD5D5488C73}"/>
               </a:ext>
             </a:extLst>
           </p:cNvPr>
@@ -293,7 +309,7 @@
           <p:cNvPr id="6" name="슬라이드 번호 개체 틀 5">
             <a:extLst>
               <a:ext uri="{FF2B5EF4-FFF2-40B4-BE49-F238E27FC236}">
-                <a16:creationId xmlns:a16="http://schemas.microsoft.com/office/drawing/2014/main" xmlns="" id="{B9FF8128-646F-4DAE-8ACA-E9897FAAF7C7}"/>
+                <a16:creationId xmlns:a16="http://schemas.microsoft.com/office/drawing/2014/main" id="{B9FF8128-646F-4DAE-8ACA-E9897FAAF7C7}"/>
               </a:ext>
             </a:extLst>
           </p:cNvPr>
@@ -352,7 +368,7 @@
           <p:cNvPr id="2" name="제목 1">
             <a:extLst>
               <a:ext uri="{FF2B5EF4-FFF2-40B4-BE49-F238E27FC236}">
-                <a16:creationId xmlns:a16="http://schemas.microsoft.com/office/drawing/2014/main" xmlns="" id="{19875B33-BDF6-4E2E-8BF0-A6106829F2D6}"/>
+                <a16:creationId xmlns:a16="http://schemas.microsoft.com/office/drawing/2014/main" id="{19875B33-BDF6-4E2E-8BF0-A6106829F2D6}"/>
               </a:ext>
             </a:extLst>
           </p:cNvPr>
@@ -380,7 +396,7 @@
           <p:cNvPr id="3" name="세로 텍스트 개체 틀 2">
             <a:extLst>
               <a:ext uri="{FF2B5EF4-FFF2-40B4-BE49-F238E27FC236}">
-                <a16:creationId xmlns:a16="http://schemas.microsoft.com/office/drawing/2014/main" xmlns="" id="{FF4EE9DB-38A7-4998-A678-DA5A031AA1BB}"/>
+                <a16:creationId xmlns:a16="http://schemas.microsoft.com/office/drawing/2014/main" id="{FF4EE9DB-38A7-4998-A678-DA5A031AA1BB}"/>
               </a:ext>
             </a:extLst>
           </p:cNvPr>
@@ -437,7 +453,7 @@
           <p:cNvPr id="4" name="날짜 개체 틀 3">
             <a:extLst>
               <a:ext uri="{FF2B5EF4-FFF2-40B4-BE49-F238E27FC236}">
-                <a16:creationId xmlns:a16="http://schemas.microsoft.com/office/drawing/2014/main" xmlns="" id="{404DB8EC-0086-441B-9B10-212AC5C58E0B}"/>
+                <a16:creationId xmlns:a16="http://schemas.microsoft.com/office/drawing/2014/main" id="{404DB8EC-0086-441B-9B10-212AC5C58E0B}"/>
               </a:ext>
             </a:extLst>
           </p:cNvPr>
@@ -455,7 +471,7 @@
           <a:p>
             <a:fld id="{A76716D5-110C-4AB8-AFA3-38313944CA0A}" type="datetimeFigureOut">
               <a:rPr lang="ko-KR" altLang="en-US" smtClean="0"/>
-              <a:t>2021-09-05</a:t>
+              <a:t>2021-09-06</a:t>
             </a:fld>
             <a:endParaRPr lang="ko-KR" altLang="en-US"/>
           </a:p>
@@ -466,7 +482,7 @@
           <p:cNvPr id="5" name="바닥글 개체 틀 4">
             <a:extLst>
               <a:ext uri="{FF2B5EF4-FFF2-40B4-BE49-F238E27FC236}">
-                <a16:creationId xmlns:a16="http://schemas.microsoft.com/office/drawing/2014/main" xmlns="" id="{C062D2F5-3387-466E-9DD7-8036882B472F}"/>
+                <a16:creationId xmlns:a16="http://schemas.microsoft.com/office/drawing/2014/main" id="{C062D2F5-3387-466E-9DD7-8036882B472F}"/>
               </a:ext>
             </a:extLst>
           </p:cNvPr>
@@ -491,7 +507,7 @@
           <p:cNvPr id="6" name="슬라이드 번호 개체 틀 5">
             <a:extLst>
               <a:ext uri="{FF2B5EF4-FFF2-40B4-BE49-F238E27FC236}">
-                <a16:creationId xmlns:a16="http://schemas.microsoft.com/office/drawing/2014/main" xmlns="" id="{9EE7E785-680C-43F6-85C7-DD72128B72B6}"/>
+                <a16:creationId xmlns:a16="http://schemas.microsoft.com/office/drawing/2014/main" id="{9EE7E785-680C-43F6-85C7-DD72128B72B6}"/>
               </a:ext>
             </a:extLst>
           </p:cNvPr>
@@ -550,7 +566,7 @@
           <p:cNvPr id="2" name="세로 제목 1">
             <a:extLst>
               <a:ext uri="{FF2B5EF4-FFF2-40B4-BE49-F238E27FC236}">
-                <a16:creationId xmlns:a16="http://schemas.microsoft.com/office/drawing/2014/main" xmlns="" id="{A7DEA0D0-541D-4914-996B-52F17B415EBB}"/>
+                <a16:creationId xmlns:a16="http://schemas.microsoft.com/office/drawing/2014/main" id="{A7DEA0D0-541D-4914-996B-52F17B415EBB}"/>
               </a:ext>
             </a:extLst>
           </p:cNvPr>
@@ -583,7 +599,7 @@
           <p:cNvPr id="3" name="세로 텍스트 개체 틀 2">
             <a:extLst>
               <a:ext uri="{FF2B5EF4-FFF2-40B4-BE49-F238E27FC236}">
-                <a16:creationId xmlns:a16="http://schemas.microsoft.com/office/drawing/2014/main" xmlns="" id="{A7B171FA-C6C7-4AE0-859F-6798C7ADC290}"/>
+                <a16:creationId xmlns:a16="http://schemas.microsoft.com/office/drawing/2014/main" id="{A7B171FA-C6C7-4AE0-859F-6798C7ADC290}"/>
               </a:ext>
             </a:extLst>
           </p:cNvPr>
@@ -645,7 +661,7 @@
           <p:cNvPr id="4" name="날짜 개체 틀 3">
             <a:extLst>
               <a:ext uri="{FF2B5EF4-FFF2-40B4-BE49-F238E27FC236}">
-                <a16:creationId xmlns:a16="http://schemas.microsoft.com/office/drawing/2014/main" xmlns="" id="{41DD5764-53EB-4330-903B-21309D056F1D}"/>
+                <a16:creationId xmlns:a16="http://schemas.microsoft.com/office/drawing/2014/main" id="{41DD5764-53EB-4330-903B-21309D056F1D}"/>
               </a:ext>
             </a:extLst>
           </p:cNvPr>
@@ -663,7 +679,7 @@
           <a:p>
             <a:fld id="{A76716D5-110C-4AB8-AFA3-38313944CA0A}" type="datetimeFigureOut">
               <a:rPr lang="ko-KR" altLang="en-US" smtClean="0"/>
-              <a:t>2021-09-05</a:t>
+              <a:t>2021-09-06</a:t>
             </a:fld>
             <a:endParaRPr lang="ko-KR" altLang="en-US"/>
           </a:p>
@@ -674,7 +690,7 @@
           <p:cNvPr id="5" name="바닥글 개체 틀 4">
             <a:extLst>
               <a:ext uri="{FF2B5EF4-FFF2-40B4-BE49-F238E27FC236}">
-                <a16:creationId xmlns:a16="http://schemas.microsoft.com/office/drawing/2014/main" xmlns="" id="{86600D09-7813-471A-B01F-8EA62CFFD5EE}"/>
+                <a16:creationId xmlns:a16="http://schemas.microsoft.com/office/drawing/2014/main" id="{86600D09-7813-471A-B01F-8EA62CFFD5EE}"/>
               </a:ext>
             </a:extLst>
           </p:cNvPr>
@@ -699,7 +715,7 @@
           <p:cNvPr id="6" name="슬라이드 번호 개체 틀 5">
             <a:extLst>
               <a:ext uri="{FF2B5EF4-FFF2-40B4-BE49-F238E27FC236}">
-                <a16:creationId xmlns:a16="http://schemas.microsoft.com/office/drawing/2014/main" xmlns="" id="{329CBC49-2E3A-4EBF-B42A-F0820FDEA6EF}"/>
+                <a16:creationId xmlns:a16="http://schemas.microsoft.com/office/drawing/2014/main" id="{329CBC49-2E3A-4EBF-B42A-F0820FDEA6EF}"/>
               </a:ext>
             </a:extLst>
           </p:cNvPr>
@@ -758,7 +774,7 @@
           <p:cNvPr id="2" name="제목 1">
             <a:extLst>
               <a:ext uri="{FF2B5EF4-FFF2-40B4-BE49-F238E27FC236}">
-                <a16:creationId xmlns:a16="http://schemas.microsoft.com/office/drawing/2014/main" xmlns="" id="{0F3651BA-61A4-4ABF-8551-0D1AC1330E97}"/>
+                <a16:creationId xmlns:a16="http://schemas.microsoft.com/office/drawing/2014/main" id="{0F3651BA-61A4-4ABF-8551-0D1AC1330E97}"/>
               </a:ext>
             </a:extLst>
           </p:cNvPr>
@@ -786,7 +802,7 @@
           <p:cNvPr id="3" name="내용 개체 틀 2">
             <a:extLst>
               <a:ext uri="{FF2B5EF4-FFF2-40B4-BE49-F238E27FC236}">
-                <a16:creationId xmlns:a16="http://schemas.microsoft.com/office/drawing/2014/main" xmlns="" id="{9E178C7E-DA15-4233-97FD-6B5EA6704B3B}"/>
+                <a16:creationId xmlns:a16="http://schemas.microsoft.com/office/drawing/2014/main" id="{9E178C7E-DA15-4233-97FD-6B5EA6704B3B}"/>
               </a:ext>
             </a:extLst>
           </p:cNvPr>
@@ -843,7 +859,7 @@
           <p:cNvPr id="4" name="날짜 개체 틀 3">
             <a:extLst>
               <a:ext uri="{FF2B5EF4-FFF2-40B4-BE49-F238E27FC236}">
-                <a16:creationId xmlns:a16="http://schemas.microsoft.com/office/drawing/2014/main" xmlns="" id="{2C6E29EB-8F0B-4DF1-8EA6-63C28AA19239}"/>
+                <a16:creationId xmlns:a16="http://schemas.microsoft.com/office/drawing/2014/main" id="{2C6E29EB-8F0B-4DF1-8EA6-63C28AA19239}"/>
               </a:ext>
             </a:extLst>
           </p:cNvPr>
@@ -861,7 +877,7 @@
           <a:p>
             <a:fld id="{A76716D5-110C-4AB8-AFA3-38313944CA0A}" type="datetimeFigureOut">
               <a:rPr lang="ko-KR" altLang="en-US" smtClean="0"/>
-              <a:t>2021-09-05</a:t>
+              <a:t>2021-09-06</a:t>
             </a:fld>
             <a:endParaRPr lang="ko-KR" altLang="en-US"/>
           </a:p>
@@ -872,7 +888,7 @@
           <p:cNvPr id="5" name="바닥글 개체 틀 4">
             <a:extLst>
               <a:ext uri="{FF2B5EF4-FFF2-40B4-BE49-F238E27FC236}">
-                <a16:creationId xmlns:a16="http://schemas.microsoft.com/office/drawing/2014/main" xmlns="" id="{320F0341-805F-4FE4-9DEC-A4C138F1AE6C}"/>
+                <a16:creationId xmlns:a16="http://schemas.microsoft.com/office/drawing/2014/main" id="{320F0341-805F-4FE4-9DEC-A4C138F1AE6C}"/>
               </a:ext>
             </a:extLst>
           </p:cNvPr>
@@ -897,7 +913,7 @@
           <p:cNvPr id="6" name="슬라이드 번호 개체 틀 5">
             <a:extLst>
               <a:ext uri="{FF2B5EF4-FFF2-40B4-BE49-F238E27FC236}">
-                <a16:creationId xmlns:a16="http://schemas.microsoft.com/office/drawing/2014/main" xmlns="" id="{CB63DFA1-7078-402F-BE5F-CE8FBC857717}"/>
+                <a16:creationId xmlns:a16="http://schemas.microsoft.com/office/drawing/2014/main" id="{CB63DFA1-7078-402F-BE5F-CE8FBC857717}"/>
               </a:ext>
             </a:extLst>
           </p:cNvPr>
@@ -956,7 +972,7 @@
           <p:cNvPr id="2" name="제목 1">
             <a:extLst>
               <a:ext uri="{FF2B5EF4-FFF2-40B4-BE49-F238E27FC236}">
-                <a16:creationId xmlns:a16="http://schemas.microsoft.com/office/drawing/2014/main" xmlns="" id="{1E437EA5-0F0C-44B6-AA95-639BF8FD7088}"/>
+                <a16:creationId xmlns:a16="http://schemas.microsoft.com/office/drawing/2014/main" id="{1E437EA5-0F0C-44B6-AA95-639BF8FD7088}"/>
               </a:ext>
             </a:extLst>
           </p:cNvPr>
@@ -993,7 +1009,7 @@
           <p:cNvPr id="3" name="텍스트 개체 틀 2">
             <a:extLst>
               <a:ext uri="{FF2B5EF4-FFF2-40B4-BE49-F238E27FC236}">
-                <a16:creationId xmlns:a16="http://schemas.microsoft.com/office/drawing/2014/main" xmlns="" id="{F4D3D9D7-B044-4CF1-8D2E-F6CA1F0DEFAE}"/>
+                <a16:creationId xmlns:a16="http://schemas.microsoft.com/office/drawing/2014/main" id="{F4D3D9D7-B044-4CF1-8D2E-F6CA1F0DEFAE}"/>
               </a:ext>
             </a:extLst>
           </p:cNvPr>
@@ -1118,7 +1134,7 @@
           <p:cNvPr id="4" name="날짜 개체 틀 3">
             <a:extLst>
               <a:ext uri="{FF2B5EF4-FFF2-40B4-BE49-F238E27FC236}">
-                <a16:creationId xmlns:a16="http://schemas.microsoft.com/office/drawing/2014/main" xmlns="" id="{1DBEBC98-3821-4BFD-8FFC-9009F426A9D9}"/>
+                <a16:creationId xmlns:a16="http://schemas.microsoft.com/office/drawing/2014/main" id="{1DBEBC98-3821-4BFD-8FFC-9009F426A9D9}"/>
               </a:ext>
             </a:extLst>
           </p:cNvPr>
@@ -1136,7 +1152,7 @@
           <a:p>
             <a:fld id="{A76716D5-110C-4AB8-AFA3-38313944CA0A}" type="datetimeFigureOut">
               <a:rPr lang="ko-KR" altLang="en-US" smtClean="0"/>
-              <a:t>2021-09-05</a:t>
+              <a:t>2021-09-06</a:t>
             </a:fld>
             <a:endParaRPr lang="ko-KR" altLang="en-US"/>
           </a:p>
@@ -1147,7 +1163,7 @@
           <p:cNvPr id="5" name="바닥글 개체 틀 4">
             <a:extLst>
               <a:ext uri="{FF2B5EF4-FFF2-40B4-BE49-F238E27FC236}">
-                <a16:creationId xmlns:a16="http://schemas.microsoft.com/office/drawing/2014/main" xmlns="" id="{FD983D86-D2B6-4813-A2A6-CD0BF65CF120}"/>
+                <a16:creationId xmlns:a16="http://schemas.microsoft.com/office/drawing/2014/main" id="{FD983D86-D2B6-4813-A2A6-CD0BF65CF120}"/>
               </a:ext>
             </a:extLst>
           </p:cNvPr>
@@ -1172,7 +1188,7 @@
           <p:cNvPr id="6" name="슬라이드 번호 개체 틀 5">
             <a:extLst>
               <a:ext uri="{FF2B5EF4-FFF2-40B4-BE49-F238E27FC236}">
-                <a16:creationId xmlns:a16="http://schemas.microsoft.com/office/drawing/2014/main" xmlns="" id="{2F8C382D-53CA-4E78-88A5-F09892C8EBF4}"/>
+                <a16:creationId xmlns:a16="http://schemas.microsoft.com/office/drawing/2014/main" id="{2F8C382D-53CA-4E78-88A5-F09892C8EBF4}"/>
               </a:ext>
             </a:extLst>
           </p:cNvPr>
@@ -1231,7 +1247,7 @@
           <p:cNvPr id="2" name="제목 1">
             <a:extLst>
               <a:ext uri="{FF2B5EF4-FFF2-40B4-BE49-F238E27FC236}">
-                <a16:creationId xmlns:a16="http://schemas.microsoft.com/office/drawing/2014/main" xmlns="" id="{5308FF30-D291-48DC-A518-F883DBEC3B2A}"/>
+                <a16:creationId xmlns:a16="http://schemas.microsoft.com/office/drawing/2014/main" id="{5308FF30-D291-48DC-A518-F883DBEC3B2A}"/>
               </a:ext>
             </a:extLst>
           </p:cNvPr>
@@ -1259,7 +1275,7 @@
           <p:cNvPr id="3" name="내용 개체 틀 2">
             <a:extLst>
               <a:ext uri="{FF2B5EF4-FFF2-40B4-BE49-F238E27FC236}">
-                <a16:creationId xmlns:a16="http://schemas.microsoft.com/office/drawing/2014/main" xmlns="" id="{22F09E05-452A-4593-A6DF-561BC0BAC418}"/>
+                <a16:creationId xmlns:a16="http://schemas.microsoft.com/office/drawing/2014/main" id="{22F09E05-452A-4593-A6DF-561BC0BAC418}"/>
               </a:ext>
             </a:extLst>
           </p:cNvPr>
@@ -1321,7 +1337,7 @@
           <p:cNvPr id="4" name="내용 개체 틀 3">
             <a:extLst>
               <a:ext uri="{FF2B5EF4-FFF2-40B4-BE49-F238E27FC236}">
-                <a16:creationId xmlns:a16="http://schemas.microsoft.com/office/drawing/2014/main" xmlns="" id="{C32267D0-9F89-4F27-9F10-7F08FC688066}"/>
+                <a16:creationId xmlns:a16="http://schemas.microsoft.com/office/drawing/2014/main" id="{C32267D0-9F89-4F27-9F10-7F08FC688066}"/>
               </a:ext>
             </a:extLst>
           </p:cNvPr>
@@ -1383,7 +1399,7 @@
           <p:cNvPr id="5" name="날짜 개체 틀 4">
             <a:extLst>
               <a:ext uri="{FF2B5EF4-FFF2-40B4-BE49-F238E27FC236}">
-                <a16:creationId xmlns:a16="http://schemas.microsoft.com/office/drawing/2014/main" xmlns="" id="{CE7472EF-3448-4E86-BC12-6BE812B6AD8C}"/>
+                <a16:creationId xmlns:a16="http://schemas.microsoft.com/office/drawing/2014/main" id="{CE7472EF-3448-4E86-BC12-6BE812B6AD8C}"/>
               </a:ext>
             </a:extLst>
           </p:cNvPr>
@@ -1401,7 +1417,7 @@
           <a:p>
             <a:fld id="{A76716D5-110C-4AB8-AFA3-38313944CA0A}" type="datetimeFigureOut">
               <a:rPr lang="ko-KR" altLang="en-US" smtClean="0"/>
-              <a:t>2021-09-05</a:t>
+              <a:t>2021-09-06</a:t>
             </a:fld>
             <a:endParaRPr lang="ko-KR" altLang="en-US"/>
           </a:p>
@@ -1412,7 +1428,7 @@
           <p:cNvPr id="6" name="바닥글 개체 틀 5">
             <a:extLst>
               <a:ext uri="{FF2B5EF4-FFF2-40B4-BE49-F238E27FC236}">
-                <a16:creationId xmlns:a16="http://schemas.microsoft.com/office/drawing/2014/main" xmlns="" id="{E1D4784F-0210-44A7-939D-970EC11BAEE5}"/>
+                <a16:creationId xmlns:a16="http://schemas.microsoft.com/office/drawing/2014/main" id="{E1D4784F-0210-44A7-939D-970EC11BAEE5}"/>
               </a:ext>
             </a:extLst>
           </p:cNvPr>
@@ -1437,7 +1453,7 @@
           <p:cNvPr id="7" name="슬라이드 번호 개체 틀 6">
             <a:extLst>
               <a:ext uri="{FF2B5EF4-FFF2-40B4-BE49-F238E27FC236}">
-                <a16:creationId xmlns:a16="http://schemas.microsoft.com/office/drawing/2014/main" xmlns="" id="{F163E4A1-D687-487A-92C6-E73C06D9D950}"/>
+                <a16:creationId xmlns:a16="http://schemas.microsoft.com/office/drawing/2014/main" id="{F163E4A1-D687-487A-92C6-E73C06D9D950}"/>
               </a:ext>
             </a:extLst>
           </p:cNvPr>
@@ -1496,7 +1512,7 @@
           <p:cNvPr id="2" name="제목 1">
             <a:extLst>
               <a:ext uri="{FF2B5EF4-FFF2-40B4-BE49-F238E27FC236}">
-                <a16:creationId xmlns:a16="http://schemas.microsoft.com/office/drawing/2014/main" xmlns="" id="{2247F6A5-B023-4992-AECD-06DAFFC3BB34}"/>
+                <a16:creationId xmlns:a16="http://schemas.microsoft.com/office/drawing/2014/main" id="{2247F6A5-B023-4992-AECD-06DAFFC3BB34}"/>
               </a:ext>
             </a:extLst>
           </p:cNvPr>
@@ -1529,7 +1545,7 @@
           <p:cNvPr id="3" name="텍스트 개체 틀 2">
             <a:extLst>
               <a:ext uri="{FF2B5EF4-FFF2-40B4-BE49-F238E27FC236}">
-                <a16:creationId xmlns:a16="http://schemas.microsoft.com/office/drawing/2014/main" xmlns="" id="{D0A6E2FE-76AC-44C0-A52F-A004C1D3EDD3}"/>
+                <a16:creationId xmlns:a16="http://schemas.microsoft.com/office/drawing/2014/main" id="{D0A6E2FE-76AC-44C0-A52F-A004C1D3EDD3}"/>
               </a:ext>
             </a:extLst>
           </p:cNvPr>
@@ -1600,7 +1616,7 @@
           <p:cNvPr id="4" name="내용 개체 틀 3">
             <a:extLst>
               <a:ext uri="{FF2B5EF4-FFF2-40B4-BE49-F238E27FC236}">
-                <a16:creationId xmlns:a16="http://schemas.microsoft.com/office/drawing/2014/main" xmlns="" id="{F388E6BF-AE7C-4E17-B5F0-E5E9CA6BBE94}"/>
+                <a16:creationId xmlns:a16="http://schemas.microsoft.com/office/drawing/2014/main" id="{F388E6BF-AE7C-4E17-B5F0-E5E9CA6BBE94}"/>
               </a:ext>
             </a:extLst>
           </p:cNvPr>
@@ -1662,7 +1678,7 @@
           <p:cNvPr id="5" name="텍스트 개체 틀 4">
             <a:extLst>
               <a:ext uri="{FF2B5EF4-FFF2-40B4-BE49-F238E27FC236}">
-                <a16:creationId xmlns:a16="http://schemas.microsoft.com/office/drawing/2014/main" xmlns="" id="{2DD42C0E-2614-496E-93BE-DB9EBF8F6F89}"/>
+                <a16:creationId xmlns:a16="http://schemas.microsoft.com/office/drawing/2014/main" id="{2DD42C0E-2614-496E-93BE-DB9EBF8F6F89}"/>
               </a:ext>
             </a:extLst>
           </p:cNvPr>
@@ -1733,7 +1749,7 @@
           <p:cNvPr id="6" name="내용 개체 틀 5">
             <a:extLst>
               <a:ext uri="{FF2B5EF4-FFF2-40B4-BE49-F238E27FC236}">
-                <a16:creationId xmlns:a16="http://schemas.microsoft.com/office/drawing/2014/main" xmlns="" id="{4906A3D7-62E1-4D34-AD0F-2B2575E6946E}"/>
+                <a16:creationId xmlns:a16="http://schemas.microsoft.com/office/drawing/2014/main" id="{4906A3D7-62E1-4D34-AD0F-2B2575E6946E}"/>
               </a:ext>
             </a:extLst>
           </p:cNvPr>
@@ -1795,7 +1811,7 @@
           <p:cNvPr id="7" name="날짜 개체 틀 6">
             <a:extLst>
               <a:ext uri="{FF2B5EF4-FFF2-40B4-BE49-F238E27FC236}">
-                <a16:creationId xmlns:a16="http://schemas.microsoft.com/office/drawing/2014/main" xmlns="" id="{784F9310-FE96-49E7-8108-BF27BE546C8E}"/>
+                <a16:creationId xmlns:a16="http://schemas.microsoft.com/office/drawing/2014/main" id="{784F9310-FE96-49E7-8108-BF27BE546C8E}"/>
               </a:ext>
             </a:extLst>
           </p:cNvPr>
@@ -1813,7 +1829,7 @@
           <a:p>
             <a:fld id="{A76716D5-110C-4AB8-AFA3-38313944CA0A}" type="datetimeFigureOut">
               <a:rPr lang="ko-KR" altLang="en-US" smtClean="0"/>
-              <a:t>2021-09-05</a:t>
+              <a:t>2021-09-06</a:t>
             </a:fld>
             <a:endParaRPr lang="ko-KR" altLang="en-US"/>
           </a:p>
@@ -1824,7 +1840,7 @@
           <p:cNvPr id="8" name="바닥글 개체 틀 7">
             <a:extLst>
               <a:ext uri="{FF2B5EF4-FFF2-40B4-BE49-F238E27FC236}">
-                <a16:creationId xmlns:a16="http://schemas.microsoft.com/office/drawing/2014/main" xmlns="" id="{4264A224-84B1-4B05-81D2-DCD1159DB722}"/>
+                <a16:creationId xmlns:a16="http://schemas.microsoft.com/office/drawing/2014/main" id="{4264A224-84B1-4B05-81D2-DCD1159DB722}"/>
               </a:ext>
             </a:extLst>
           </p:cNvPr>
@@ -1849,7 +1865,7 @@
           <p:cNvPr id="9" name="슬라이드 번호 개체 틀 8">
             <a:extLst>
               <a:ext uri="{FF2B5EF4-FFF2-40B4-BE49-F238E27FC236}">
-                <a16:creationId xmlns:a16="http://schemas.microsoft.com/office/drawing/2014/main" xmlns="" id="{F9FD0AF2-754D-449C-9971-BFFFE156E853}"/>
+                <a16:creationId xmlns:a16="http://schemas.microsoft.com/office/drawing/2014/main" id="{F9FD0AF2-754D-449C-9971-BFFFE156E853}"/>
               </a:ext>
             </a:extLst>
           </p:cNvPr>
@@ -1908,7 +1924,7 @@
           <p:cNvPr id="2" name="제목 1">
             <a:extLst>
               <a:ext uri="{FF2B5EF4-FFF2-40B4-BE49-F238E27FC236}">
-                <a16:creationId xmlns:a16="http://schemas.microsoft.com/office/drawing/2014/main" xmlns="" id="{68A5E7FF-5466-4214-82A5-C55DD55FA637}"/>
+                <a16:creationId xmlns:a16="http://schemas.microsoft.com/office/drawing/2014/main" id="{68A5E7FF-5466-4214-82A5-C55DD55FA637}"/>
               </a:ext>
             </a:extLst>
           </p:cNvPr>
@@ -1936,7 +1952,7 @@
           <p:cNvPr id="3" name="날짜 개체 틀 2">
             <a:extLst>
               <a:ext uri="{FF2B5EF4-FFF2-40B4-BE49-F238E27FC236}">
-                <a16:creationId xmlns:a16="http://schemas.microsoft.com/office/drawing/2014/main" xmlns="" id="{85EB2E4E-30EA-46D6-A9F2-8C45FFDD54D7}"/>
+                <a16:creationId xmlns:a16="http://schemas.microsoft.com/office/drawing/2014/main" id="{85EB2E4E-30EA-46D6-A9F2-8C45FFDD54D7}"/>
               </a:ext>
             </a:extLst>
           </p:cNvPr>
@@ -1954,7 +1970,7 @@
           <a:p>
             <a:fld id="{A76716D5-110C-4AB8-AFA3-38313944CA0A}" type="datetimeFigureOut">
               <a:rPr lang="ko-KR" altLang="en-US" smtClean="0"/>
-              <a:t>2021-09-05</a:t>
+              <a:t>2021-09-06</a:t>
             </a:fld>
             <a:endParaRPr lang="ko-KR" altLang="en-US"/>
           </a:p>
@@ -1965,7 +1981,7 @@
           <p:cNvPr id="4" name="바닥글 개체 틀 3">
             <a:extLst>
               <a:ext uri="{FF2B5EF4-FFF2-40B4-BE49-F238E27FC236}">
-                <a16:creationId xmlns:a16="http://schemas.microsoft.com/office/drawing/2014/main" xmlns="" id="{EB8B4CC2-772A-46DF-8262-2C0642FC7729}"/>
+                <a16:creationId xmlns:a16="http://schemas.microsoft.com/office/drawing/2014/main" id="{EB8B4CC2-772A-46DF-8262-2C0642FC7729}"/>
               </a:ext>
             </a:extLst>
           </p:cNvPr>
@@ -1990,7 +2006,7 @@
           <p:cNvPr id="5" name="슬라이드 번호 개체 틀 4">
             <a:extLst>
               <a:ext uri="{FF2B5EF4-FFF2-40B4-BE49-F238E27FC236}">
-                <a16:creationId xmlns:a16="http://schemas.microsoft.com/office/drawing/2014/main" xmlns="" id="{B838D06F-EE45-4699-A03F-55AAB7DA0E99}"/>
+                <a16:creationId xmlns:a16="http://schemas.microsoft.com/office/drawing/2014/main" id="{B838D06F-EE45-4699-A03F-55AAB7DA0E99}"/>
               </a:ext>
             </a:extLst>
           </p:cNvPr>
@@ -2049,7 +2065,7 @@
           <p:cNvPr id="2" name="날짜 개체 틀 1">
             <a:extLst>
               <a:ext uri="{FF2B5EF4-FFF2-40B4-BE49-F238E27FC236}">
-                <a16:creationId xmlns:a16="http://schemas.microsoft.com/office/drawing/2014/main" xmlns="" id="{11F58DF3-0DCE-470C-97FE-B22BD8B3B61C}"/>
+                <a16:creationId xmlns:a16="http://schemas.microsoft.com/office/drawing/2014/main" id="{11F58DF3-0DCE-470C-97FE-B22BD8B3B61C}"/>
               </a:ext>
             </a:extLst>
           </p:cNvPr>
@@ -2067,7 +2083,7 @@
           <a:p>
             <a:fld id="{A76716D5-110C-4AB8-AFA3-38313944CA0A}" type="datetimeFigureOut">
               <a:rPr lang="ko-KR" altLang="en-US" smtClean="0"/>
-              <a:t>2021-09-05</a:t>
+              <a:t>2021-09-06</a:t>
             </a:fld>
             <a:endParaRPr lang="ko-KR" altLang="en-US"/>
           </a:p>
@@ -2078,7 +2094,7 @@
           <p:cNvPr id="3" name="바닥글 개체 틀 2">
             <a:extLst>
               <a:ext uri="{FF2B5EF4-FFF2-40B4-BE49-F238E27FC236}">
-                <a16:creationId xmlns:a16="http://schemas.microsoft.com/office/drawing/2014/main" xmlns="" id="{24E1D9C7-41C0-4050-9B39-0F8FFFACAB35}"/>
+                <a16:creationId xmlns:a16="http://schemas.microsoft.com/office/drawing/2014/main" id="{24E1D9C7-41C0-4050-9B39-0F8FFFACAB35}"/>
               </a:ext>
             </a:extLst>
           </p:cNvPr>
@@ -2103,7 +2119,7 @@
           <p:cNvPr id="4" name="슬라이드 번호 개체 틀 3">
             <a:extLst>
               <a:ext uri="{FF2B5EF4-FFF2-40B4-BE49-F238E27FC236}">
-                <a16:creationId xmlns:a16="http://schemas.microsoft.com/office/drawing/2014/main" xmlns="" id="{EE2A52D8-0C28-49D8-B316-E89C4A62DC37}"/>
+                <a16:creationId xmlns:a16="http://schemas.microsoft.com/office/drawing/2014/main" id="{EE2A52D8-0C28-49D8-B316-E89C4A62DC37}"/>
               </a:ext>
             </a:extLst>
           </p:cNvPr>
@@ -2162,7 +2178,7 @@
           <p:cNvPr id="2" name="제목 1">
             <a:extLst>
               <a:ext uri="{FF2B5EF4-FFF2-40B4-BE49-F238E27FC236}">
-                <a16:creationId xmlns:a16="http://schemas.microsoft.com/office/drawing/2014/main" xmlns="" id="{B52A254B-1CB7-4A37-87AE-0325376A3A9F}"/>
+                <a16:creationId xmlns:a16="http://schemas.microsoft.com/office/drawing/2014/main" id="{B52A254B-1CB7-4A37-87AE-0325376A3A9F}"/>
               </a:ext>
             </a:extLst>
           </p:cNvPr>
@@ -2199,7 +2215,7 @@
           <p:cNvPr id="3" name="내용 개체 틀 2">
             <a:extLst>
               <a:ext uri="{FF2B5EF4-FFF2-40B4-BE49-F238E27FC236}">
-                <a16:creationId xmlns:a16="http://schemas.microsoft.com/office/drawing/2014/main" xmlns="" id="{B4CD3D59-8AE7-4CB8-B1FC-415F3C0668BD}"/>
+                <a16:creationId xmlns:a16="http://schemas.microsoft.com/office/drawing/2014/main" id="{B4CD3D59-8AE7-4CB8-B1FC-415F3C0668BD}"/>
               </a:ext>
             </a:extLst>
           </p:cNvPr>
@@ -2289,7 +2305,7 @@
           <p:cNvPr id="4" name="텍스트 개체 틀 3">
             <a:extLst>
               <a:ext uri="{FF2B5EF4-FFF2-40B4-BE49-F238E27FC236}">
-                <a16:creationId xmlns:a16="http://schemas.microsoft.com/office/drawing/2014/main" xmlns="" id="{F90C78A5-46E9-4598-A87C-66818F914027}"/>
+                <a16:creationId xmlns:a16="http://schemas.microsoft.com/office/drawing/2014/main" id="{F90C78A5-46E9-4598-A87C-66818F914027}"/>
               </a:ext>
             </a:extLst>
           </p:cNvPr>
@@ -2360,7 +2376,7 @@
           <p:cNvPr id="5" name="날짜 개체 틀 4">
             <a:extLst>
               <a:ext uri="{FF2B5EF4-FFF2-40B4-BE49-F238E27FC236}">
-                <a16:creationId xmlns:a16="http://schemas.microsoft.com/office/drawing/2014/main" xmlns="" id="{905C3FEF-F902-4177-8882-632C7E7E6702}"/>
+                <a16:creationId xmlns:a16="http://schemas.microsoft.com/office/drawing/2014/main" id="{905C3FEF-F902-4177-8882-632C7E7E6702}"/>
               </a:ext>
             </a:extLst>
           </p:cNvPr>
@@ -2378,7 +2394,7 @@
           <a:p>
             <a:fld id="{A76716D5-110C-4AB8-AFA3-38313944CA0A}" type="datetimeFigureOut">
               <a:rPr lang="ko-KR" altLang="en-US" smtClean="0"/>
-              <a:t>2021-09-05</a:t>
+              <a:t>2021-09-06</a:t>
             </a:fld>
             <a:endParaRPr lang="ko-KR" altLang="en-US"/>
           </a:p>
@@ -2389,7 +2405,7 @@
           <p:cNvPr id="6" name="바닥글 개체 틀 5">
             <a:extLst>
               <a:ext uri="{FF2B5EF4-FFF2-40B4-BE49-F238E27FC236}">
-                <a16:creationId xmlns:a16="http://schemas.microsoft.com/office/drawing/2014/main" xmlns="" id="{74AB58A1-D140-49AC-9392-ABC213253CDD}"/>
+                <a16:creationId xmlns:a16="http://schemas.microsoft.com/office/drawing/2014/main" id="{74AB58A1-D140-49AC-9392-ABC213253CDD}"/>
               </a:ext>
             </a:extLst>
           </p:cNvPr>
@@ -2414,7 +2430,7 @@
           <p:cNvPr id="7" name="슬라이드 번호 개체 틀 6">
             <a:extLst>
               <a:ext uri="{FF2B5EF4-FFF2-40B4-BE49-F238E27FC236}">
-                <a16:creationId xmlns:a16="http://schemas.microsoft.com/office/drawing/2014/main" xmlns="" id="{69BB3326-8EDD-407A-B33B-45F0497A7DDC}"/>
+                <a16:creationId xmlns:a16="http://schemas.microsoft.com/office/drawing/2014/main" id="{69BB3326-8EDD-407A-B33B-45F0497A7DDC}"/>
               </a:ext>
             </a:extLst>
           </p:cNvPr>
@@ -2473,7 +2489,7 @@
           <p:cNvPr id="2" name="제목 1">
             <a:extLst>
               <a:ext uri="{FF2B5EF4-FFF2-40B4-BE49-F238E27FC236}">
-                <a16:creationId xmlns:a16="http://schemas.microsoft.com/office/drawing/2014/main" xmlns="" id="{A44F14B0-65C7-4016-A9AA-78FF370AA7DA}"/>
+                <a16:creationId xmlns:a16="http://schemas.microsoft.com/office/drawing/2014/main" id="{A44F14B0-65C7-4016-A9AA-78FF370AA7DA}"/>
               </a:ext>
             </a:extLst>
           </p:cNvPr>
@@ -2510,7 +2526,7 @@
           <p:cNvPr id="3" name="그림 개체 틀 2">
             <a:extLst>
               <a:ext uri="{FF2B5EF4-FFF2-40B4-BE49-F238E27FC236}">
-                <a16:creationId xmlns:a16="http://schemas.microsoft.com/office/drawing/2014/main" xmlns="" id="{760AA05B-DFA1-4039-8C1F-371D4BDDFEEA}"/>
+                <a16:creationId xmlns:a16="http://schemas.microsoft.com/office/drawing/2014/main" id="{760AA05B-DFA1-4039-8C1F-371D4BDDFEEA}"/>
               </a:ext>
             </a:extLst>
           </p:cNvPr>
@@ -2577,7 +2593,7 @@
           <p:cNvPr id="4" name="텍스트 개체 틀 3">
             <a:extLst>
               <a:ext uri="{FF2B5EF4-FFF2-40B4-BE49-F238E27FC236}">
-                <a16:creationId xmlns:a16="http://schemas.microsoft.com/office/drawing/2014/main" xmlns="" id="{1F1B670D-6938-4A43-9F0E-FAFBE0596F1C}"/>
+                <a16:creationId xmlns:a16="http://schemas.microsoft.com/office/drawing/2014/main" id="{1F1B670D-6938-4A43-9F0E-FAFBE0596F1C}"/>
               </a:ext>
             </a:extLst>
           </p:cNvPr>
@@ -2648,7 +2664,7 @@
           <p:cNvPr id="5" name="날짜 개체 틀 4">
             <a:extLst>
               <a:ext uri="{FF2B5EF4-FFF2-40B4-BE49-F238E27FC236}">
-                <a16:creationId xmlns:a16="http://schemas.microsoft.com/office/drawing/2014/main" xmlns="" id="{B6B9D725-1D7F-448C-862C-6D68B68D9BA5}"/>
+                <a16:creationId xmlns:a16="http://schemas.microsoft.com/office/drawing/2014/main" id="{B6B9D725-1D7F-448C-862C-6D68B68D9BA5}"/>
               </a:ext>
             </a:extLst>
           </p:cNvPr>
@@ -2666,7 +2682,7 @@
           <a:p>
             <a:fld id="{A76716D5-110C-4AB8-AFA3-38313944CA0A}" type="datetimeFigureOut">
               <a:rPr lang="ko-KR" altLang="en-US" smtClean="0"/>
-              <a:t>2021-09-05</a:t>
+              <a:t>2021-09-06</a:t>
             </a:fld>
             <a:endParaRPr lang="ko-KR" altLang="en-US"/>
           </a:p>
@@ -2677,7 +2693,7 @@
           <p:cNvPr id="6" name="바닥글 개체 틀 5">
             <a:extLst>
               <a:ext uri="{FF2B5EF4-FFF2-40B4-BE49-F238E27FC236}">
-                <a16:creationId xmlns:a16="http://schemas.microsoft.com/office/drawing/2014/main" xmlns="" id="{A00630CD-B60D-4569-BC0F-2C6EAA5CACE5}"/>
+                <a16:creationId xmlns:a16="http://schemas.microsoft.com/office/drawing/2014/main" id="{A00630CD-B60D-4569-BC0F-2C6EAA5CACE5}"/>
               </a:ext>
             </a:extLst>
           </p:cNvPr>
@@ -2702,7 +2718,7 @@
           <p:cNvPr id="7" name="슬라이드 번호 개체 틀 6">
             <a:extLst>
               <a:ext uri="{FF2B5EF4-FFF2-40B4-BE49-F238E27FC236}">
-                <a16:creationId xmlns:a16="http://schemas.microsoft.com/office/drawing/2014/main" xmlns="" id="{D2BF66C3-3BF3-41B5-8CF0-735A0AB5E0A9}"/>
+                <a16:creationId xmlns:a16="http://schemas.microsoft.com/office/drawing/2014/main" id="{D2BF66C3-3BF3-41B5-8CF0-735A0AB5E0A9}"/>
               </a:ext>
             </a:extLst>
           </p:cNvPr>
@@ -2766,7 +2782,7 @@
           <p:cNvPr id="2" name="제목 개체 틀 1">
             <a:extLst>
               <a:ext uri="{FF2B5EF4-FFF2-40B4-BE49-F238E27FC236}">
-                <a16:creationId xmlns:a16="http://schemas.microsoft.com/office/drawing/2014/main" xmlns="" id="{404ACAB4-62A9-416E-B76B-8E920F661C9C}"/>
+                <a16:creationId xmlns:a16="http://schemas.microsoft.com/office/drawing/2014/main" id="{404ACAB4-62A9-416E-B76B-8E920F661C9C}"/>
               </a:ext>
             </a:extLst>
           </p:cNvPr>
@@ -2804,7 +2820,7 @@
           <p:cNvPr id="3" name="텍스트 개체 틀 2">
             <a:extLst>
               <a:ext uri="{FF2B5EF4-FFF2-40B4-BE49-F238E27FC236}">
-                <a16:creationId xmlns:a16="http://schemas.microsoft.com/office/drawing/2014/main" xmlns="" id="{477906C5-C669-4070-AD1F-8E23DA07B56A}"/>
+                <a16:creationId xmlns:a16="http://schemas.microsoft.com/office/drawing/2014/main" id="{477906C5-C669-4070-AD1F-8E23DA07B56A}"/>
               </a:ext>
             </a:extLst>
           </p:cNvPr>
@@ -2871,7 +2887,7 @@
           <p:cNvPr id="4" name="날짜 개체 틀 3">
             <a:extLst>
               <a:ext uri="{FF2B5EF4-FFF2-40B4-BE49-F238E27FC236}">
-                <a16:creationId xmlns:a16="http://schemas.microsoft.com/office/drawing/2014/main" xmlns="" id="{FE605B9C-DD15-436B-9012-1AED967C0227}"/>
+                <a16:creationId xmlns:a16="http://schemas.microsoft.com/office/drawing/2014/main" id="{FE605B9C-DD15-436B-9012-1AED967C0227}"/>
               </a:ext>
             </a:extLst>
           </p:cNvPr>
@@ -2907,7 +2923,7 @@
           <a:p>
             <a:fld id="{A76716D5-110C-4AB8-AFA3-38313944CA0A}" type="datetimeFigureOut">
               <a:rPr lang="ko-KR" altLang="en-US" smtClean="0"/>
-              <a:t>2021-09-05</a:t>
+              <a:t>2021-09-06</a:t>
             </a:fld>
             <a:endParaRPr lang="ko-KR" altLang="en-US"/>
           </a:p>
@@ -2918,7 +2934,7 @@
           <p:cNvPr id="5" name="바닥글 개체 틀 4">
             <a:extLst>
               <a:ext uri="{FF2B5EF4-FFF2-40B4-BE49-F238E27FC236}">
-                <a16:creationId xmlns:a16="http://schemas.microsoft.com/office/drawing/2014/main" xmlns="" id="{D921BD5F-2FBE-4AC4-AA2E-6478B6F947C7}"/>
+                <a16:creationId xmlns:a16="http://schemas.microsoft.com/office/drawing/2014/main" id="{D921BD5F-2FBE-4AC4-AA2E-6478B6F947C7}"/>
               </a:ext>
             </a:extLst>
           </p:cNvPr>
@@ -2961,7 +2977,7 @@
           <p:cNvPr id="6" name="슬라이드 번호 개체 틀 5">
             <a:extLst>
               <a:ext uri="{FF2B5EF4-FFF2-40B4-BE49-F238E27FC236}">
-                <a16:creationId xmlns:a16="http://schemas.microsoft.com/office/drawing/2014/main" xmlns="" id="{0EDB736F-7E39-400A-A711-2291CA16D979}"/>
+                <a16:creationId xmlns:a16="http://schemas.microsoft.com/office/drawing/2014/main" id="{0EDB736F-7E39-400A-A711-2291CA16D979}"/>
               </a:ext>
             </a:extLst>
           </p:cNvPr>
@@ -3329,7 +3345,7 @@
           <p:cNvPr id="6" name="표 5">
             <a:extLst>
               <a:ext uri="{FF2B5EF4-FFF2-40B4-BE49-F238E27FC236}">
-                <a16:creationId xmlns:a16="http://schemas.microsoft.com/office/drawing/2014/main" xmlns="" id="{2670880D-21FF-4F64-8CAD-9874904340A8}"/>
+                <a16:creationId xmlns:a16="http://schemas.microsoft.com/office/drawing/2014/main" id="{2670880D-21FF-4F64-8CAD-9874904340A8}"/>
               </a:ext>
             </a:extLst>
           </p:cNvPr>
@@ -3356,42 +3372,42 @@
                 <a:gridCol w="1051560">
                   <a:extLst>
                     <a:ext uri="{9D8B030D-6E8A-4147-A177-3AD203B41FA5}">
-                      <a16:colId xmlns:a16="http://schemas.microsoft.com/office/drawing/2014/main" xmlns="" val="2591333658"/>
+                      <a16:colId xmlns:a16="http://schemas.microsoft.com/office/drawing/2014/main" val="2591333658"/>
                     </a:ext>
                   </a:extLst>
                 </a:gridCol>
                 <a:gridCol w="1051560">
                   <a:extLst>
                     <a:ext uri="{9D8B030D-6E8A-4147-A177-3AD203B41FA5}">
-                      <a16:colId xmlns:a16="http://schemas.microsoft.com/office/drawing/2014/main" xmlns="" val="1576638818"/>
+                      <a16:colId xmlns:a16="http://schemas.microsoft.com/office/drawing/2014/main" val="1576638818"/>
                     </a:ext>
                   </a:extLst>
                 </a:gridCol>
                 <a:gridCol w="1367028">
                   <a:extLst>
                     <a:ext uri="{9D8B030D-6E8A-4147-A177-3AD203B41FA5}">
-                      <a16:colId xmlns:a16="http://schemas.microsoft.com/office/drawing/2014/main" xmlns="" val="289987271"/>
+                      <a16:colId xmlns:a16="http://schemas.microsoft.com/office/drawing/2014/main" val="289987271"/>
                     </a:ext>
                   </a:extLst>
                 </a:gridCol>
                 <a:gridCol w="1051560">
                   <a:extLst>
                     <a:ext uri="{9D8B030D-6E8A-4147-A177-3AD203B41FA5}">
-                      <a16:colId xmlns:a16="http://schemas.microsoft.com/office/drawing/2014/main" xmlns="" val="22359936"/>
+                      <a16:colId xmlns:a16="http://schemas.microsoft.com/office/drawing/2014/main" val="22359936"/>
                     </a:ext>
                   </a:extLst>
                 </a:gridCol>
                 <a:gridCol w="1051560">
                   <a:extLst>
                     <a:ext uri="{9D8B030D-6E8A-4147-A177-3AD203B41FA5}">
-                      <a16:colId xmlns:a16="http://schemas.microsoft.com/office/drawing/2014/main" xmlns="" val="1443512262"/>
+                      <a16:colId xmlns:a16="http://schemas.microsoft.com/office/drawing/2014/main" val="1443512262"/>
                     </a:ext>
                   </a:extLst>
                 </a:gridCol>
                 <a:gridCol w="1261872">
                   <a:extLst>
                     <a:ext uri="{9D8B030D-6E8A-4147-A177-3AD203B41FA5}">
-                      <a16:colId xmlns:a16="http://schemas.microsoft.com/office/drawing/2014/main" xmlns="" val="2080524647"/>
+                      <a16:colId xmlns:a16="http://schemas.microsoft.com/office/drawing/2014/main" val="2080524647"/>
                     </a:ext>
                   </a:extLst>
                 </a:gridCol>
@@ -3508,12 +3524,6 @@
                           <a:effectLst/>
                         </a:rPr>
                         <a:t>동기화</a:t>
-                      </a:r>
-                      <a:r>
-                        <a:rPr lang="en-US" altLang="ko-KR" dirty="0">
-                          <a:effectLst/>
-                        </a:rPr>
-                        <a:t/>
                       </a:r>
                       <a:br>
                         <a:rPr lang="en-US" altLang="ko-KR" dirty="0">
@@ -3650,12 +3660,6 @@
                         </a:rPr>
                         <a:t>입찰</a:t>
                       </a:r>
-                      <a:r>
-                        <a:rPr lang="en-US" altLang="ko-KR" dirty="0">
-                          <a:effectLst/>
-                        </a:rPr>
-                        <a:t/>
-                      </a:r>
                       <a:br>
                         <a:rPr lang="en-US" altLang="ko-KR" dirty="0">
                           <a:effectLst/>
@@ -3769,7 +3773,7 @@
                 </a:tc>
                 <a:extLst>
                   <a:ext uri="{0D108BD9-81ED-4DB2-BD59-A6C34878D82A}">
-                    <a16:rowId xmlns:a16="http://schemas.microsoft.com/office/drawing/2014/main" xmlns="" val="580691109"/>
+                    <a16:rowId xmlns:a16="http://schemas.microsoft.com/office/drawing/2014/main" val="580691109"/>
                   </a:ext>
                 </a:extLst>
               </a:tr>
@@ -3954,7 +3958,7 @@
                     <a:p>
                       <a:pPr algn="ctr" fontAlgn="base"/>
                       <a:r>
-                        <a:rPr kumimoji="0" lang="ko-KR" altLang="en-US" sz="1800" b="0" i="0" u="none" strike="noStrike" kern="1200" cap="none" spc="0" normalizeH="0" baseline="0" noProof="0" dirty="0" smtClean="0">
+                        <a:rPr kumimoji="0" lang="ko-KR" altLang="en-US" sz="1800" b="0" i="0" u="none" strike="noStrike" kern="1200" cap="none" spc="0" normalizeH="0" baseline="0" noProof="0" dirty="0">
                           <a:ln>
                             <a:noFill/>
                           </a:ln>
@@ -4074,14 +4078,11 @@
                     <a:p>
                       <a:pPr algn="ctr" fontAlgn="base"/>
                       <a:r>
-                        <a:rPr lang="en-US" altLang="ko-KR" dirty="0" smtClean="0">
+                        <a:rPr lang="en-US" altLang="ko-KR" dirty="0">
                           <a:effectLst/>
                         </a:rPr>
                         <a:t>15000</a:t>
                       </a:r>
-                      <a:endParaRPr lang="en-US" altLang="ko-KR" dirty="0">
-                        <a:effectLst/>
-                      </a:endParaRPr>
                     </a:p>
                   </a:txBody>
                   <a:tcPr marL="0" marR="0" marT="142875" marB="142875" anchor="ctr">
@@ -4125,7 +4126,7 @@
                 </a:tc>
                 <a:extLst>
                   <a:ext uri="{0D108BD9-81ED-4DB2-BD59-A6C34878D82A}">
-                    <a16:rowId xmlns:a16="http://schemas.microsoft.com/office/drawing/2014/main" xmlns="" val="2552450692"/>
+                    <a16:rowId xmlns:a16="http://schemas.microsoft.com/office/drawing/2014/main" val="2552450692"/>
                   </a:ext>
                 </a:extLst>
               </a:tr>
@@ -4310,7 +4311,7 @@
                     <a:p>
                       <a:pPr algn="ctr" fontAlgn="base"/>
                       <a:r>
-                        <a:rPr kumimoji="0" lang="ko-KR" altLang="en-US" sz="1800" b="0" i="0" u="none" strike="noStrike" kern="1200" cap="none" spc="0" normalizeH="0" baseline="0" noProof="0" dirty="0" smtClean="0">
+                        <a:rPr kumimoji="0" lang="ko-KR" altLang="en-US" sz="1800" b="0" i="0" u="none" strike="noStrike" kern="1200" cap="none" spc="0" normalizeH="0" baseline="0" noProof="0" dirty="0">
                           <a:ln>
                             <a:noFill/>
                           </a:ln>
@@ -4430,14 +4431,11 @@
                     <a:p>
                       <a:pPr algn="ctr" fontAlgn="base"/>
                       <a:r>
-                        <a:rPr lang="en-US" altLang="ko-KR" dirty="0" smtClean="0">
+                        <a:rPr lang="en-US" altLang="ko-KR" dirty="0">
                           <a:effectLst/>
                         </a:rPr>
                         <a:t>25000</a:t>
                       </a:r>
-                      <a:endParaRPr lang="en-US" altLang="ko-KR" dirty="0">
-                        <a:effectLst/>
-                      </a:endParaRPr>
                     </a:p>
                   </a:txBody>
                   <a:tcPr marL="0" marR="0" marT="142875" marB="142875" anchor="ctr">
@@ -4472,7 +4470,7 @@
                 </a:tc>
                 <a:extLst>
                   <a:ext uri="{0D108BD9-81ED-4DB2-BD59-A6C34878D82A}">
-                    <a16:rowId xmlns:a16="http://schemas.microsoft.com/office/drawing/2014/main" xmlns="" val="1953321359"/>
+                    <a16:rowId xmlns:a16="http://schemas.microsoft.com/office/drawing/2014/main" val="1953321359"/>
                   </a:ext>
                 </a:extLst>
               </a:tr>
@@ -4657,14 +4655,11 @@
                     <a:p>
                       <a:pPr algn="ctr" fontAlgn="base"/>
                       <a:r>
-                        <a:rPr lang="en-US" altLang="ko-KR" dirty="0" smtClean="0">
+                        <a:rPr lang="en-US" altLang="ko-KR" dirty="0">
                           <a:effectLst/>
                         </a:rPr>
                         <a:t>10</a:t>
                       </a:r>
-                      <a:endParaRPr lang="en-US" altLang="ko-KR" dirty="0">
-                        <a:effectLst/>
-                      </a:endParaRPr>
                     </a:p>
                   </a:txBody>
                   <a:tcPr marL="0" marR="0" marT="142875" marB="142875" anchor="ctr">
@@ -4766,14 +4761,11 @@
                     <a:p>
                       <a:pPr algn="ctr" fontAlgn="base"/>
                       <a:r>
-                        <a:rPr lang="en-US" altLang="ko-KR" dirty="0" smtClean="0">
+                        <a:rPr lang="en-US" altLang="ko-KR" dirty="0">
                           <a:effectLst/>
                         </a:rPr>
                         <a:t>40000</a:t>
                       </a:r>
-                      <a:endParaRPr lang="en-US" altLang="ko-KR" dirty="0">
-                        <a:effectLst/>
-                      </a:endParaRPr>
                     </a:p>
                   </a:txBody>
                   <a:tcPr marL="0" marR="0" marT="142875" marB="142875" anchor="ctr">
@@ -4817,7 +4809,7 @@
                 </a:tc>
                 <a:extLst>
                   <a:ext uri="{0D108BD9-81ED-4DB2-BD59-A6C34878D82A}">
-                    <a16:rowId xmlns:a16="http://schemas.microsoft.com/office/drawing/2014/main" xmlns="" val="726430066"/>
+                    <a16:rowId xmlns:a16="http://schemas.microsoft.com/office/drawing/2014/main" val="726430066"/>
                   </a:ext>
                 </a:extLst>
               </a:tr>
@@ -4951,7 +4943,6 @@
               <a:srgbClr val="C0C0C0"/>
             </a:contourClr>
           </a:sp3d>
-          <a:extLst/>
         </p:spPr>
       </p:pic>
       <p:pic>
@@ -5012,7 +5003,6 @@
               <a:srgbClr val="C0C0C0"/>
             </a:contourClr>
           </a:sp3d>
-          <a:extLst/>
         </p:spPr>
       </p:pic>
       <p:sp>
@@ -5024,7 +5014,7 @@
         <p:spPr>
           <a:xfrm>
             <a:off x="739822" y="1660828"/>
-            <a:ext cx="2511378" cy="1508105"/>
+            <a:ext cx="2511378" cy="861774"/>
           </a:xfrm>
           <a:prstGeom prst="rect">
             <a:avLst/>
@@ -5038,21 +5028,21 @@
           <a:lstStyle/>
           <a:p>
             <a:r>
-              <a:rPr lang="ko-KR" altLang="en-US" sz="3200" b="1" dirty="0" smtClean="0">
-                <a:latin typeface="Dongle" pitchFamily="2" charset="-127"/>
-                <a:ea typeface="Dongle" pitchFamily="2" charset="-127"/>
+              <a:rPr lang="ko-KR" altLang="en-US" b="1" dirty="0">
+                <a:latin typeface="SB 어그로 Medium" panose="02020603020101020101" pitchFamily="18" charset="-127"/>
+                <a:ea typeface="SB 어그로 Medium" panose="02020603020101020101" pitchFamily="18" charset="-127"/>
               </a:rPr>
               <a:t>빈틈없는 스토어 마케팅</a:t>
             </a:r>
-            <a:endParaRPr lang="en-US" altLang="ko-KR" sz="3200" b="1" dirty="0" smtClean="0">
-              <a:latin typeface="Dongle" pitchFamily="2" charset="-127"/>
-              <a:ea typeface="Dongle" pitchFamily="2" charset="-127"/>
+            <a:endParaRPr lang="en-US" altLang="ko-KR" b="1" dirty="0">
+              <a:latin typeface="SB 어그로 Medium" panose="02020603020101020101" pitchFamily="18" charset="-127"/>
+              <a:ea typeface="SB 어그로 Medium" panose="02020603020101020101" pitchFamily="18" charset="-127"/>
             </a:endParaRPr>
           </a:p>
           <a:p>
             <a:pPr algn="r"/>
             <a:r>
-              <a:rPr lang="ko-KR" altLang="en-US" sz="6000" b="1" dirty="0">
+              <a:rPr lang="ko-KR" altLang="en-US" sz="3200" b="1" dirty="0">
                 <a:ln w="31550" cmpd="sng">
                   <a:gradFill>
                     <a:gsLst>
@@ -5088,13 +5078,13 @@
                     </a:srgbClr>
                   </a:outerShdw>
                 </a:effectLst>
-                <a:latin typeface="Dongle" pitchFamily="2" charset="-127"/>
-                <a:ea typeface="Dongle" pitchFamily="2" charset="-127"/>
+                <a:latin typeface="SB 어그로 Medium" panose="02020603020101020101" pitchFamily="18" charset="-127"/>
+                <a:ea typeface="SB 어그로 Medium" panose="02020603020101020101" pitchFamily="18" charset="-127"/>
               </a:rPr>
-              <a:t>마이 </a:t>
-            </a:r>
-            <a:r>
-              <a:rPr lang="ko-KR" altLang="en-US" sz="6000" b="1" dirty="0" smtClean="0">
+              <a:t>마이 마케터</a:t>
+            </a:r>
+            <a:r>
+              <a:rPr lang="en-US" altLang="ko-KR" sz="3200" b="1" dirty="0">
                 <a:ln w="31550" cmpd="sng">
                   <a:gradFill>
                     <a:gsLst>
@@ -5130,54 +5120,12 @@
                     </a:srgbClr>
                   </a:outerShdw>
                 </a:effectLst>
-                <a:latin typeface="Dongle" pitchFamily="2" charset="-127"/>
-                <a:ea typeface="Dongle" pitchFamily="2" charset="-127"/>
-              </a:rPr>
-              <a:t>마케터</a:t>
-            </a:r>
-            <a:r>
-              <a:rPr lang="en-US" altLang="ko-KR" sz="6000" b="1" dirty="0" smtClean="0">
-                <a:ln w="31550" cmpd="sng">
-                  <a:gradFill>
-                    <a:gsLst>
-                      <a:gs pos="70000">
-                        <a:schemeClr val="accent6">
-                          <a:shade val="50000"/>
-                          <a:satMod val="190000"/>
-                        </a:schemeClr>
-                      </a:gs>
-                      <a:gs pos="0">
-                        <a:schemeClr val="accent6">
-                          <a:tint val="77000"/>
-                          <a:satMod val="180000"/>
-                        </a:schemeClr>
-                      </a:gs>
-                    </a:gsLst>
-                    <a:lin ang="5400000"/>
-                  </a:gradFill>
-                  <a:prstDash val="solid"/>
-                </a:ln>
-                <a:solidFill>
-                  <a:schemeClr val="accent6">
-                    <a:tint val="15000"/>
-                    <a:satMod val="200000"/>
-                  </a:schemeClr>
-                </a:solidFill>
-                <a:effectLst>
-                  <a:outerShdw blurRad="50800" dist="40000" dir="5400000" algn="tl" rotWithShape="0">
-                    <a:srgbClr val="000000">
-                      <a:shade val="5000"/>
-                      <a:satMod val="120000"/>
-                      <a:alpha val="33000"/>
-                    </a:srgbClr>
-                  </a:outerShdw>
-                </a:effectLst>
-                <a:latin typeface="Dongle" pitchFamily="2" charset="-127"/>
-                <a:ea typeface="Dongle" pitchFamily="2" charset="-127"/>
+                <a:latin typeface="SB 어그로 Medium" panose="02020603020101020101" pitchFamily="18" charset="-127"/>
+                <a:ea typeface="SB 어그로 Medium" panose="02020603020101020101" pitchFamily="18" charset="-127"/>
               </a:rPr>
               <a:t> </a:t>
             </a:r>
-            <a:endParaRPr lang="ko-KR" altLang="en-US" sz="6000" b="1" dirty="0">
+            <a:endParaRPr lang="ko-KR" altLang="en-US" sz="3200" b="1" dirty="0">
               <a:ln w="31550" cmpd="sng">
                 <a:gradFill>
                   <a:gsLst>
@@ -5213,8 +5161,8 @@
                   </a:srgbClr>
                 </a:outerShdw>
               </a:effectLst>
-              <a:latin typeface="Dongle" pitchFamily="2" charset="-127"/>
-              <a:ea typeface="Dongle" pitchFamily="2" charset="-127"/>
+              <a:latin typeface="SB 어그로 Medium" panose="02020603020101020101" pitchFamily="18" charset="-127"/>
+              <a:ea typeface="SB 어그로 Medium" panose="02020603020101020101" pitchFamily="18" charset="-127"/>
             </a:endParaRPr>
           </a:p>
         </p:txBody>
@@ -5228,7 +5176,7 @@
         <p:spPr>
           <a:xfrm>
             <a:off x="828722" y="3553872"/>
-            <a:ext cx="2260600" cy="510778"/>
+            <a:ext cx="2260600" cy="340519"/>
           </a:xfrm>
           <a:prstGeom prst="flowChartAlternateProcess">
             <a:avLst/>
@@ -5265,18 +5213,13 @@
           <a:p>
             <a:pPr algn="ctr"/>
             <a:r>
-              <a:rPr lang="ko-KR" altLang="en-US" sz="2400" dirty="0" smtClean="0">
-                <a:latin typeface="Dongle" pitchFamily="2" charset="-127"/>
-                <a:ea typeface="Dongle" pitchFamily="2" charset="-127"/>
+              <a:rPr lang="ko-KR" altLang="en-US" sz="1400" dirty="0">
+                <a:latin typeface="SB 어그로 Medium" panose="02020603020101020101" pitchFamily="18" charset="-127"/>
+                <a:ea typeface="SB 어그로 Medium" panose="02020603020101020101" pitchFamily="18" charset="-127"/>
                 <a:cs typeface="함초롬바탕" panose="02030604000101010101" pitchFamily="18" charset="-127"/>
               </a:rPr>
               <a:t>입찰가 관리</a:t>
             </a:r>
-            <a:endParaRPr lang="ko-KR" altLang="en-US" sz="2400" dirty="0">
-              <a:latin typeface="Dongle" pitchFamily="2" charset="-127"/>
-              <a:ea typeface="Dongle" pitchFamily="2" charset="-127"/>
-              <a:cs typeface="함초롬바탕" panose="02030604000101010101" pitchFamily="18" charset="-127"/>
-            </a:endParaRPr>
           </a:p>
         </p:txBody>
       </p:sp>
@@ -5289,7 +5232,7 @@
         <p:spPr>
           <a:xfrm>
             <a:off x="828722" y="4054230"/>
-            <a:ext cx="2260600" cy="510778"/>
+            <a:ext cx="2260600" cy="340519"/>
           </a:xfrm>
           <a:prstGeom prst="flowChartAlternateProcess">
             <a:avLst/>
@@ -5326,42 +5269,37 @@
           <a:p>
             <a:pPr algn="ctr"/>
             <a:r>
-              <a:rPr lang="en-US" altLang="ko-KR" sz="2400" dirty="0" smtClean="0">
-                <a:latin typeface="Dongle" pitchFamily="2" charset="-127"/>
-                <a:ea typeface="Dongle" pitchFamily="2" charset="-127"/>
+              <a:rPr lang="en-US" altLang="ko-KR" sz="1400" dirty="0">
+                <a:latin typeface="SB 어그로 Medium" panose="02020603020101020101" pitchFamily="18" charset="-127"/>
+                <a:ea typeface="SB 어그로 Medium" panose="02020603020101020101" pitchFamily="18" charset="-127"/>
                 <a:cs typeface="함초롬바탕" panose="02030604000101010101" pitchFamily="18" charset="-127"/>
               </a:rPr>
               <a:t>SNS/</a:t>
             </a:r>
             <a:r>
-              <a:rPr lang="ko-KR" altLang="en-US" sz="2400" dirty="0" smtClean="0">
-                <a:latin typeface="Dongle" pitchFamily="2" charset="-127"/>
-                <a:ea typeface="Dongle" pitchFamily="2" charset="-127"/>
+              <a:rPr lang="ko-KR" altLang="en-US" sz="1400" dirty="0">
+                <a:latin typeface="SB 어그로 Medium" panose="02020603020101020101" pitchFamily="18" charset="-127"/>
+                <a:ea typeface="SB 어그로 Medium" panose="02020603020101020101" pitchFamily="18" charset="-127"/>
                 <a:cs typeface="함초롬바탕" panose="02030604000101010101" pitchFamily="18" charset="-127"/>
               </a:rPr>
               <a:t>럭키투데이</a:t>
             </a:r>
             <a:r>
-              <a:rPr lang="en-US" altLang="ko-KR" sz="2400" dirty="0" smtClean="0">
-                <a:latin typeface="Dongle" pitchFamily="2" charset="-127"/>
-                <a:ea typeface="Dongle" pitchFamily="2" charset="-127"/>
+              <a:rPr lang="en-US" altLang="ko-KR" sz="1400" dirty="0">
+                <a:latin typeface="SB 어그로 Medium" panose="02020603020101020101" pitchFamily="18" charset="-127"/>
+                <a:ea typeface="SB 어그로 Medium" panose="02020603020101020101" pitchFamily="18" charset="-127"/>
                 <a:cs typeface="함초롬바탕" panose="02030604000101010101" pitchFamily="18" charset="-127"/>
               </a:rPr>
               <a:t> </a:t>
             </a:r>
             <a:r>
-              <a:rPr lang="ko-KR" altLang="en-US" sz="2400" dirty="0" smtClean="0">
-                <a:latin typeface="Dongle" pitchFamily="2" charset="-127"/>
-                <a:ea typeface="Dongle" pitchFamily="2" charset="-127"/>
+              <a:rPr lang="ko-KR" altLang="en-US" sz="1400" dirty="0">
+                <a:latin typeface="SB 어그로 Medium" panose="02020603020101020101" pitchFamily="18" charset="-127"/>
+                <a:ea typeface="SB 어그로 Medium" panose="02020603020101020101" pitchFamily="18" charset="-127"/>
                 <a:cs typeface="함초롬바탕" panose="02030604000101010101" pitchFamily="18" charset="-127"/>
               </a:rPr>
               <a:t>현황</a:t>
             </a:r>
-            <a:endParaRPr lang="ko-KR" altLang="en-US" sz="2400" dirty="0">
-              <a:latin typeface="Dongle" pitchFamily="2" charset="-127"/>
-              <a:ea typeface="Dongle" pitchFamily="2" charset="-127"/>
-              <a:cs typeface="함초롬바탕" panose="02030604000101010101" pitchFamily="18" charset="-127"/>
-            </a:endParaRPr>
           </a:p>
         </p:txBody>
       </p:sp>
@@ -5374,7 +5312,7 @@
         <p:spPr>
           <a:xfrm>
             <a:off x="828722" y="3053514"/>
-            <a:ext cx="2260600" cy="510778"/>
+            <a:ext cx="2260600" cy="340519"/>
           </a:xfrm>
           <a:prstGeom prst="flowChartAlternateProcess">
             <a:avLst/>
@@ -5411,18 +5349,13 @@
           <a:p>
             <a:pPr algn="ctr"/>
             <a:r>
-              <a:rPr lang="ko-KR" altLang="en-US" sz="2400" dirty="0" smtClean="0">
-                <a:latin typeface="Dongle" pitchFamily="2" charset="-127"/>
-                <a:ea typeface="Dongle" pitchFamily="2" charset="-127"/>
+              <a:rPr lang="ko-KR" altLang="en-US" sz="1400" dirty="0">
+                <a:latin typeface="SB 어그로 Medium" panose="02020603020101020101" pitchFamily="18" charset="-127"/>
+                <a:ea typeface="SB 어그로 Medium" panose="02020603020101020101" pitchFamily="18" charset="-127"/>
                 <a:cs typeface="함초롬바탕" panose="02030604000101010101" pitchFamily="18" charset="-127"/>
               </a:rPr>
               <a:t>광고소재 수정</a:t>
             </a:r>
-            <a:endParaRPr lang="ko-KR" altLang="en-US" sz="2400" dirty="0">
-              <a:latin typeface="Dongle" pitchFamily="2" charset="-127"/>
-              <a:ea typeface="Dongle" pitchFamily="2" charset="-127"/>
-              <a:cs typeface="함초롬바탕" panose="02030604000101010101" pitchFamily="18" charset="-127"/>
-            </a:endParaRPr>
           </a:p>
         </p:txBody>
       </p:sp>
@@ -5435,7 +5368,7 @@
         <p:spPr>
           <a:xfrm>
             <a:off x="828722" y="4554588"/>
-            <a:ext cx="2260600" cy="510778"/>
+            <a:ext cx="2260600" cy="340519"/>
           </a:xfrm>
           <a:prstGeom prst="flowChartAlternateProcess">
             <a:avLst/>
@@ -5472,18 +5405,13 @@
           <a:p>
             <a:pPr algn="ctr"/>
             <a:r>
-              <a:rPr lang="ko-KR" altLang="en-US" sz="2400" dirty="0" smtClean="0">
-                <a:latin typeface="Dongle" pitchFamily="2" charset="-127"/>
-                <a:ea typeface="Dongle" pitchFamily="2" charset="-127"/>
+              <a:rPr lang="ko-KR" altLang="en-US" sz="1400" dirty="0">
+                <a:latin typeface="SB 어그로 Medium" panose="02020603020101020101" pitchFamily="18" charset="-127"/>
+                <a:ea typeface="SB 어그로 Medium" panose="02020603020101020101" pitchFamily="18" charset="-127"/>
                 <a:cs typeface="함초롬바탕" panose="02030604000101010101" pitchFamily="18" charset="-127"/>
               </a:rPr>
               <a:t>상품 기획 의견</a:t>
             </a:r>
-            <a:endParaRPr lang="ko-KR" altLang="en-US" sz="2400" dirty="0">
-              <a:latin typeface="Dongle" pitchFamily="2" charset="-127"/>
-              <a:ea typeface="Dongle" pitchFamily="2" charset="-127"/>
-              <a:cs typeface="함초롬바탕" panose="02030604000101010101" pitchFamily="18" charset="-127"/>
-            </a:endParaRPr>
           </a:p>
         </p:txBody>
       </p:sp>
@@ -5496,7 +5424,7 @@
         <p:spPr>
           <a:xfrm>
             <a:off x="828722" y="5054946"/>
-            <a:ext cx="2260600" cy="510778"/>
+            <a:ext cx="2260600" cy="340519"/>
           </a:xfrm>
           <a:prstGeom prst="flowChartAlternateProcess">
             <a:avLst/>
@@ -5533,24 +5461,24 @@
           <a:p>
             <a:pPr algn="ctr"/>
             <a:r>
-              <a:rPr lang="ko-KR" altLang="en-US" sz="2400" dirty="0" smtClean="0">
-                <a:latin typeface="Dongle" pitchFamily="2" charset="-127"/>
-                <a:ea typeface="Dongle" pitchFamily="2" charset="-127"/>
+              <a:rPr lang="ko-KR" altLang="en-US" sz="1400" dirty="0">
+                <a:latin typeface="SB 어그로 Medium" panose="02020603020101020101" pitchFamily="18" charset="-127"/>
+                <a:ea typeface="SB 어그로 Medium" panose="02020603020101020101" pitchFamily="18" charset="-127"/>
                 <a:cs typeface="함초롬바탕" panose="02030604000101010101" pitchFamily="18" charset="-127"/>
               </a:rPr>
               <a:t>인기검색어 </a:t>
             </a:r>
             <a:r>
-              <a:rPr lang="en-US" altLang="ko-KR" sz="2400" dirty="0" smtClean="0">
-                <a:latin typeface="Dongle" pitchFamily="2" charset="-127"/>
-                <a:ea typeface="Dongle" pitchFamily="2" charset="-127"/>
+              <a:rPr lang="en-US" altLang="ko-KR" sz="1400" dirty="0">
+                <a:latin typeface="SB 어그로 Medium" panose="02020603020101020101" pitchFamily="18" charset="-127"/>
+                <a:ea typeface="SB 어그로 Medium" panose="02020603020101020101" pitchFamily="18" charset="-127"/>
                 <a:cs typeface="함초롬바탕" panose="02030604000101010101" pitchFamily="18" charset="-127"/>
               </a:rPr>
               <a:t>top500</a:t>
             </a:r>
-            <a:endParaRPr lang="ko-KR" altLang="en-US" sz="2400" dirty="0">
-              <a:latin typeface="Dongle" pitchFamily="2" charset="-127"/>
-              <a:ea typeface="Dongle" pitchFamily="2" charset="-127"/>
+            <a:endParaRPr lang="ko-KR" altLang="en-US" sz="1400" dirty="0">
+              <a:latin typeface="SB 어그로 Medium" panose="02020603020101020101" pitchFamily="18" charset="-127"/>
+              <a:ea typeface="SB 어그로 Medium" panose="02020603020101020101" pitchFamily="18" charset="-127"/>
               <a:cs typeface="함초롬바탕" panose="02030604000101010101" pitchFamily="18" charset="-127"/>
             </a:endParaRPr>
           </a:p>
@@ -5632,7 +5560,7 @@
           <p:cNvPr id="5" name="TextBox 4">
             <a:extLst>
               <a:ext uri="{FF2B5EF4-FFF2-40B4-BE49-F238E27FC236}">
-                <a16:creationId xmlns:a16="http://schemas.microsoft.com/office/drawing/2014/main" xmlns="" id="{63F60950-C108-4D78-B3F6-453737EA52C0}"/>
+                <a16:creationId xmlns:a16="http://schemas.microsoft.com/office/drawing/2014/main" id="{63F60950-C108-4D78-B3F6-453737EA52C0}"/>
               </a:ext>
             </a:extLst>
           </p:cNvPr>
@@ -5667,7 +5595,7 @@
           <p:cNvPr id="7" name="TextBox 6">
             <a:extLst>
               <a:ext uri="{FF2B5EF4-FFF2-40B4-BE49-F238E27FC236}">
-                <a16:creationId xmlns:a16="http://schemas.microsoft.com/office/drawing/2014/main" xmlns="" id="{321A1315-8733-413B-B0A5-C38C84563ECE}"/>
+                <a16:creationId xmlns:a16="http://schemas.microsoft.com/office/drawing/2014/main" id="{321A1315-8733-413B-B0A5-C38C84563ECE}"/>
               </a:ext>
             </a:extLst>
           </p:cNvPr>
@@ -5702,7 +5630,7 @@
           <p:cNvPr id="9" name="TextBox 8">
             <a:extLst>
               <a:ext uri="{FF2B5EF4-FFF2-40B4-BE49-F238E27FC236}">
-                <a16:creationId xmlns:a16="http://schemas.microsoft.com/office/drawing/2014/main" xmlns="" id="{29D89873-52EC-4081-A80B-A0F5D60D9F35}"/>
+                <a16:creationId xmlns:a16="http://schemas.microsoft.com/office/drawing/2014/main" id="{29D89873-52EC-4081-A80B-A0F5D60D9F35}"/>
               </a:ext>
             </a:extLst>
           </p:cNvPr>
@@ -5737,7 +5665,7 @@
           <p:cNvPr id="11" name="TextBox 10">
             <a:extLst>
               <a:ext uri="{FF2B5EF4-FFF2-40B4-BE49-F238E27FC236}">
-                <a16:creationId xmlns:a16="http://schemas.microsoft.com/office/drawing/2014/main" xmlns="" id="{866EEE79-F949-48C5-85AC-C2F347045D30}"/>
+                <a16:creationId xmlns:a16="http://schemas.microsoft.com/office/drawing/2014/main" id="{866EEE79-F949-48C5-85AC-C2F347045D30}"/>
               </a:ext>
             </a:extLst>
           </p:cNvPr>
@@ -5772,7 +5700,7 @@
           <p:cNvPr id="12" name="TextBox 11">
             <a:extLst>
               <a:ext uri="{FF2B5EF4-FFF2-40B4-BE49-F238E27FC236}">
-                <a16:creationId xmlns:a16="http://schemas.microsoft.com/office/drawing/2014/main" xmlns="" id="{EE41FD2F-78D8-4A84-A4F5-7BA75849A660}"/>
+                <a16:creationId xmlns:a16="http://schemas.microsoft.com/office/drawing/2014/main" id="{EE41FD2F-78D8-4A84-A4F5-7BA75849A660}"/>
               </a:ext>
             </a:extLst>
           </p:cNvPr>
@@ -5811,7 +5739,7 @@
           <p:cNvPr id="13" name="TextBox 12">
             <a:extLst>
               <a:ext uri="{FF2B5EF4-FFF2-40B4-BE49-F238E27FC236}">
-                <a16:creationId xmlns:a16="http://schemas.microsoft.com/office/drawing/2014/main" xmlns="" id="{85FEF3F8-82DA-4B98-8D55-3CCCFBA84956}"/>
+                <a16:creationId xmlns:a16="http://schemas.microsoft.com/office/drawing/2014/main" id="{85FEF3F8-82DA-4B98-8D55-3CCCFBA84956}"/>
               </a:ext>
             </a:extLst>
           </p:cNvPr>
@@ -5846,7 +5774,7 @@
           <p:cNvPr id="15" name="TextBox 14">
             <a:extLst>
               <a:ext uri="{FF2B5EF4-FFF2-40B4-BE49-F238E27FC236}">
-                <a16:creationId xmlns:a16="http://schemas.microsoft.com/office/drawing/2014/main" xmlns="" id="{344D17B5-9E70-4766-BB88-579C2BD3D1A5}"/>
+                <a16:creationId xmlns:a16="http://schemas.microsoft.com/office/drawing/2014/main" id="{344D17B5-9E70-4766-BB88-579C2BD3D1A5}"/>
               </a:ext>
             </a:extLst>
           </p:cNvPr>
@@ -5881,7 +5809,7 @@
           <p:cNvPr id="17" name="TextBox 16">
             <a:extLst>
               <a:ext uri="{FF2B5EF4-FFF2-40B4-BE49-F238E27FC236}">
-                <a16:creationId xmlns:a16="http://schemas.microsoft.com/office/drawing/2014/main" xmlns="" id="{EC07E63E-C885-41E2-8A9A-78EA8EF0A3F1}"/>
+                <a16:creationId xmlns:a16="http://schemas.microsoft.com/office/drawing/2014/main" id="{EC07E63E-C885-41E2-8A9A-78EA8EF0A3F1}"/>
               </a:ext>
             </a:extLst>
           </p:cNvPr>
@@ -5916,7 +5844,7 @@
           <p:cNvPr id="10" name="TextBox 9">
             <a:extLst>
               <a:ext uri="{FF2B5EF4-FFF2-40B4-BE49-F238E27FC236}">
-                <a16:creationId xmlns:a16="http://schemas.microsoft.com/office/drawing/2014/main" xmlns="" id="{EE41FD2F-78D8-4A84-A4F5-7BA75849A660}"/>
+                <a16:creationId xmlns:a16="http://schemas.microsoft.com/office/drawing/2014/main" id="{EE41FD2F-78D8-4A84-A4F5-7BA75849A660}"/>
               </a:ext>
             </a:extLst>
           </p:cNvPr>
@@ -5940,55 +5868,51 @@
           <a:lstStyle/>
           <a:p>
             <a:r>
-              <a:rPr lang="ko-KR" altLang="en-US" sz="1000" dirty="0" err="1" smtClean="0"/>
+              <a:rPr lang="ko-KR" altLang="en-US" sz="1000" dirty="0" err="1"/>
               <a:t>서비스명</a:t>
             </a:r>
-            <a:endParaRPr lang="en-US" altLang="ko-KR" sz="1000" dirty="0" smtClean="0"/>
-          </a:p>
-          <a:p>
-            <a:r>
-              <a:rPr lang="ko-KR" altLang="en-US" sz="1000" dirty="0" smtClean="0"/>
+            <a:endParaRPr lang="en-US" altLang="ko-KR" sz="1000" dirty="0"/>
+          </a:p>
+          <a:p>
+            <a:r>
+              <a:rPr lang="ko-KR" altLang="en-US" sz="1000" dirty="0"/>
               <a:t>스마트스토어 검색광고</a:t>
             </a:r>
             <a:r>
-              <a:rPr lang="en-US" altLang="ko-KR" sz="1000" dirty="0" smtClean="0"/>
+              <a:rPr lang="en-US" altLang="ko-KR" sz="1000" dirty="0"/>
               <a:t>, </a:t>
             </a:r>
             <a:r>
-              <a:rPr lang="ko-KR" altLang="en-US" sz="1000" dirty="0" smtClean="0"/>
+              <a:rPr lang="ko-KR" altLang="en-US" sz="1000" dirty="0"/>
               <a:t>마케팅 업무 대신 해드립니다</a:t>
             </a:r>
             <a:r>
-              <a:rPr lang="en-US" altLang="ko-KR" sz="1000" dirty="0" smtClean="0"/>
+              <a:rPr lang="en-US" altLang="ko-KR" sz="1000" dirty="0"/>
               <a:t>.</a:t>
             </a:r>
           </a:p>
           <a:p>
-            <a:endParaRPr lang="en-US" altLang="ko-KR" sz="1000" dirty="0" smtClean="0"/>
-          </a:p>
-          <a:p>
-            <a:r>
-              <a:rPr lang="en-US" altLang="ko-KR" sz="1000" dirty="0" smtClean="0"/>
+            <a:endParaRPr lang="en-US" altLang="ko-KR" sz="1000" dirty="0"/>
+          </a:p>
+          <a:p>
+            <a:r>
+              <a:rPr lang="en-US" altLang="ko-KR" sz="1000" dirty="0"/>
               <a:t>[</a:t>
             </a:r>
             <a:r>
-              <a:rPr lang="ko-KR" altLang="en-US" sz="1000" dirty="0" smtClean="0"/>
+              <a:rPr lang="ko-KR" altLang="en-US" sz="1000" dirty="0"/>
               <a:t>마이 마케터</a:t>
             </a:r>
             <a:r>
-              <a:rPr lang="en-US" altLang="ko-KR" sz="1000" dirty="0" smtClean="0"/>
+              <a:rPr lang="en-US" altLang="ko-KR" sz="1000" dirty="0"/>
               <a:t>, </a:t>
             </a:r>
             <a:r>
               <a:rPr lang="ko-KR" altLang="en-US" sz="1000" dirty="0"/>
-              <a:t>기초부터 </a:t>
-            </a:r>
-            <a:r>
-              <a:rPr lang="ko-KR" altLang="en-US" sz="1000" dirty="0" smtClean="0"/>
-              <a:t>빈틈없이 챙겨드립니다</a:t>
-            </a:r>
-            <a:r>
-              <a:rPr lang="en-US" altLang="ko-KR" sz="1000" dirty="0" smtClean="0"/>
+              <a:t>기초부터 빈틈없이 챙겨드립니다</a:t>
+            </a:r>
+            <a:r>
+              <a:rPr lang="en-US" altLang="ko-KR" sz="1000" dirty="0"/>
               <a:t>]</a:t>
             </a:r>
           </a:p>
@@ -6016,134 +5940,133 @@
           </a:p>
           <a:p>
             <a:r>
-              <a:rPr lang="en-US" altLang="ko-KR" sz="1000" dirty="0" smtClean="0"/>
+              <a:rPr lang="en-US" altLang="ko-KR" sz="1000" dirty="0"/>
               <a:t>“</a:t>
             </a:r>
             <a:r>
-              <a:rPr lang="ko-KR" altLang="en-US" sz="1000" dirty="0" smtClean="0"/>
+              <a:rPr lang="ko-KR" altLang="en-US" sz="1000" dirty="0"/>
               <a:t>내가</a:t>
             </a:r>
             <a:r>
-              <a:rPr lang="en-US" altLang="ko-KR" sz="1000" dirty="0" smtClean="0"/>
+              <a:rPr lang="en-US" altLang="ko-KR" sz="1000" dirty="0"/>
               <a:t> </a:t>
             </a:r>
             <a:r>
-              <a:rPr lang="ko-KR" altLang="en-US" sz="1000" dirty="0" smtClean="0"/>
+              <a:rPr lang="ko-KR" altLang="en-US" sz="1000" dirty="0"/>
               <a:t>광고비를 제대로 잘 쓰고 </a:t>
             </a:r>
             <a:r>
-              <a:rPr lang="ko-KR" altLang="en-US" sz="1000" dirty="0" err="1" smtClean="0"/>
+              <a:rPr lang="ko-KR" altLang="en-US" sz="1000" dirty="0" err="1"/>
               <a:t>있는게</a:t>
             </a:r>
             <a:r>
-              <a:rPr lang="ko-KR" altLang="en-US" sz="1000" dirty="0" smtClean="0"/>
+              <a:rPr lang="ko-KR" altLang="en-US" sz="1000" dirty="0"/>
               <a:t> 맞나</a:t>
             </a:r>
             <a:r>
-              <a:rPr lang="en-US" altLang="ko-KR" sz="1000" dirty="0" smtClean="0"/>
+              <a:rPr lang="en-US" altLang="ko-KR" sz="1000" dirty="0"/>
               <a:t>?”</a:t>
             </a:r>
           </a:p>
           <a:p>
             <a:r>
-              <a:rPr lang="en-US" altLang="ko-KR" sz="1000" dirty="0" smtClean="0"/>
+              <a:rPr lang="en-US" altLang="ko-KR" sz="1000" dirty="0"/>
               <a:t>“</a:t>
             </a:r>
             <a:r>
-              <a:rPr lang="ko-KR" altLang="en-US" sz="1000" dirty="0" err="1" smtClean="0"/>
+              <a:rPr lang="ko-KR" altLang="en-US" sz="1000" dirty="0" err="1"/>
               <a:t>럭키</a:t>
             </a:r>
             <a:r>
-              <a:rPr lang="ko-KR" altLang="en-US" sz="1000" dirty="0" smtClean="0"/>
+              <a:rPr lang="ko-KR" altLang="en-US" sz="1000" dirty="0"/>
               <a:t> </a:t>
             </a:r>
             <a:r>
-              <a:rPr lang="ko-KR" altLang="en-US" sz="1000" dirty="0" err="1" smtClean="0"/>
+              <a:rPr lang="ko-KR" altLang="en-US" sz="1000" dirty="0" err="1"/>
               <a:t>투데이는</a:t>
             </a:r>
             <a:r>
-              <a:rPr lang="ko-KR" altLang="en-US" sz="1000" dirty="0" smtClean="0"/>
+              <a:rPr lang="ko-KR" altLang="en-US" sz="1000" dirty="0"/>
               <a:t> 무료인데도</a:t>
             </a:r>
             <a:r>
-              <a:rPr lang="en-US" altLang="ko-KR" sz="1000" dirty="0" smtClean="0"/>
+              <a:rPr lang="en-US" altLang="ko-KR" sz="1000" dirty="0"/>
               <a:t>, </a:t>
             </a:r>
             <a:r>
-              <a:rPr lang="ko-KR" altLang="en-US" sz="1000" dirty="0" smtClean="0"/>
+              <a:rPr lang="ko-KR" altLang="en-US" sz="1000" dirty="0"/>
               <a:t>왜 자꾸 놓치게 될까</a:t>
             </a:r>
             <a:r>
-              <a:rPr lang="en-US" altLang="ko-KR" sz="1000" dirty="0" smtClean="0"/>
+              <a:rPr lang="en-US" altLang="ko-KR" sz="1000" dirty="0"/>
               <a:t>? </a:t>
             </a:r>
             <a:r>
-              <a:rPr lang="ko-KR" altLang="en-US" sz="1000" dirty="0" smtClean="0"/>
+              <a:rPr lang="ko-KR" altLang="en-US" sz="1000" dirty="0"/>
               <a:t>다른 무료 마케팅 수단도 빠짐없이 관리할 순 없나</a:t>
             </a:r>
             <a:r>
-              <a:rPr lang="en-US" altLang="ko-KR" sz="1000" dirty="0" smtClean="0"/>
+              <a:rPr lang="en-US" altLang="ko-KR" sz="1000" dirty="0"/>
               <a:t>?”</a:t>
             </a:r>
           </a:p>
           <a:p>
-            <a:endParaRPr lang="en-US" altLang="ko-KR" sz="1000" dirty="0" smtClean="0"/>
-          </a:p>
-          <a:p>
-            <a:r>
-              <a:rPr lang="ko-KR" altLang="en-US" sz="1000" dirty="0" smtClean="0"/>
+            <a:endParaRPr lang="en-US" altLang="ko-KR" sz="1000" dirty="0"/>
+          </a:p>
+          <a:p>
+            <a:r>
+              <a:rPr lang="ko-KR" altLang="en-US" sz="1000" dirty="0"/>
               <a:t>이런 고민</a:t>
             </a:r>
             <a:r>
-              <a:rPr lang="en-US" altLang="ko-KR" sz="1000" dirty="0" smtClean="0"/>
+              <a:rPr lang="en-US" altLang="ko-KR" sz="1000" dirty="0"/>
               <a:t>,</a:t>
             </a:r>
             <a:r>
-              <a:rPr lang="ko-KR" altLang="en-US" sz="1000" dirty="0" smtClean="0"/>
+              <a:rPr lang="ko-KR" altLang="en-US" sz="1000" dirty="0"/>
               <a:t> 다들 해보셨나요</a:t>
             </a:r>
             <a:r>
-              <a:rPr lang="en-US" altLang="ko-KR" sz="1000" dirty="0" smtClean="0"/>
+              <a:rPr lang="en-US" altLang="ko-KR" sz="1000" dirty="0"/>
               <a:t>? </a:t>
             </a:r>
             <a:r>
-              <a:rPr lang="ko-KR" altLang="en-US" sz="1000" dirty="0" smtClean="0"/>
+              <a:rPr lang="ko-KR" altLang="en-US" sz="1000" dirty="0"/>
               <a:t>여기에 머리 썩힐 시간들을 대신하고자</a:t>
             </a:r>
             <a:r>
-              <a:rPr lang="en-US" altLang="ko-KR" sz="1000" dirty="0" smtClean="0"/>
+              <a:rPr lang="en-US" altLang="ko-KR" sz="1000" dirty="0"/>
               <a:t>, </a:t>
             </a:r>
           </a:p>
           <a:p>
             <a:r>
-              <a:rPr lang="ko-KR" altLang="en-US" sz="1000" dirty="0" smtClean="0"/>
+              <a:rPr lang="ko-KR" altLang="en-US" sz="1000" dirty="0"/>
               <a:t>제 노하우를 </a:t>
             </a:r>
             <a:r>
-              <a:rPr lang="ko-KR" altLang="en-US" sz="1000" dirty="0" err="1" smtClean="0"/>
+              <a:rPr lang="ko-KR" altLang="en-US" sz="1000" dirty="0" err="1"/>
               <a:t>타협없이</a:t>
             </a:r>
             <a:r>
-              <a:rPr lang="ko-KR" altLang="en-US" sz="1000" dirty="0" smtClean="0"/>
+              <a:rPr lang="ko-KR" altLang="en-US" sz="1000" dirty="0"/>
               <a:t> </a:t>
             </a:r>
             <a:r>
-              <a:rPr lang="ko-KR" altLang="en-US" sz="1000" dirty="0" err="1" smtClean="0"/>
+              <a:rPr lang="ko-KR" altLang="en-US" sz="1000" dirty="0" err="1"/>
               <a:t>털어넣은</a:t>
             </a:r>
             <a:r>
-              <a:rPr lang="ko-KR" altLang="en-US" sz="1000" dirty="0" smtClean="0"/>
+              <a:rPr lang="ko-KR" altLang="en-US" sz="1000" dirty="0"/>
               <a:t> 마이 마케터 서비스를 시작해봅니다</a:t>
             </a:r>
             <a:r>
-              <a:rPr lang="en-US" altLang="ko-KR" sz="1000" dirty="0" smtClean="0"/>
+              <a:rPr lang="en-US" altLang="ko-KR" sz="1000" dirty="0"/>
               <a:t>!</a:t>
             </a:r>
+          </a:p>
+          <a:p>
             <a:endParaRPr lang="en-US" altLang="ko-KR" sz="1000" dirty="0"/>
-          </a:p>
-          <a:p>
-            <a:endParaRPr lang="en-US" altLang="ko-KR" sz="1000" dirty="0" smtClean="0"/>
           </a:p>
           <a:p>
             <a:r>
@@ -6156,228 +6079,210 @@
             </a:r>
             <a:r>
               <a:rPr lang="ko-KR" altLang="en-US" sz="1000" dirty="0"/>
+              <a:t> 단순한 검색광고 최적화에서 열 걸음 더 나아갑니다</a:t>
+            </a:r>
+            <a:r>
+              <a:rPr lang="en-US" altLang="ko-KR" sz="1000" dirty="0"/>
               <a:t> </a:t>
             </a:r>
-            <a:r>
-              <a:rPr lang="ko-KR" altLang="en-US" sz="1000" dirty="0" smtClean="0"/>
-              <a:t>단순한 검색광고 최적화에서 열 걸음 더 나아갑니다</a:t>
-            </a:r>
-            <a:r>
-              <a:rPr lang="en-US" altLang="ko-KR" sz="1000" dirty="0" smtClean="0"/>
+          </a:p>
+          <a:p>
+            <a:endParaRPr lang="en-US" altLang="ko-KR" sz="1000" dirty="0"/>
+          </a:p>
+          <a:p>
+            <a:r>
+              <a:rPr lang="ko-KR" altLang="en-US" sz="1000" dirty="0"/>
+              <a:t>완벽하고 빈틈없는 마케팅 효과를 위해 어떤 상품을 선택하셔도</a:t>
+            </a:r>
+            <a:r>
+              <a:rPr lang="en-US" altLang="ko-KR" sz="1000" dirty="0"/>
               <a:t> </a:t>
             </a:r>
           </a:p>
           <a:p>
-            <a:endParaRPr lang="en-US" altLang="ko-KR" sz="1000" dirty="0" smtClean="0"/>
-          </a:p>
-          <a:p>
-            <a:r>
-              <a:rPr lang="ko-KR" altLang="en-US" sz="1000" dirty="0" smtClean="0"/>
-              <a:t>완벽하고 빈틈없는 마케팅 효과를 위해 어떤 상품을 선택하셔도</a:t>
-            </a:r>
-            <a:r>
-              <a:rPr lang="en-US" altLang="ko-KR" sz="1000" dirty="0" smtClean="0"/>
-              <a:t> </a:t>
-            </a:r>
-          </a:p>
-          <a:p>
-            <a:r>
-              <a:rPr lang="ko-KR" altLang="en-US" sz="1000" dirty="0" smtClean="0"/>
+            <a:r>
+              <a:rPr lang="ko-KR" altLang="en-US" sz="1000" dirty="0"/>
               <a:t>광고 분석은 기본이고</a:t>
             </a:r>
             <a:r>
-              <a:rPr lang="en-US" altLang="ko-KR" sz="1000" dirty="0" smtClean="0"/>
+              <a:rPr lang="en-US" altLang="ko-KR" sz="1000" dirty="0"/>
               <a:t>,</a:t>
             </a:r>
             <a:r>
-              <a:rPr lang="ko-KR" altLang="en-US" sz="1000" dirty="0" smtClean="0"/>
+              <a:rPr lang="ko-KR" altLang="en-US" sz="1000" dirty="0"/>
               <a:t> 인기검색 </a:t>
             </a:r>
             <a:r>
-              <a:rPr lang="en-US" altLang="ko-KR" sz="1000" dirty="0" smtClean="0"/>
+              <a:rPr lang="en-US" altLang="ko-KR" sz="1000" dirty="0"/>
               <a:t>top500, </a:t>
             </a:r>
             <a:r>
-              <a:rPr lang="ko-KR" altLang="en-US" sz="1000" dirty="0" smtClean="0"/>
+              <a:rPr lang="ko-KR" altLang="en-US" sz="1000" dirty="0"/>
               <a:t>상품 제안까지 얹어드리고</a:t>
             </a:r>
-            <a:endParaRPr lang="en-US" altLang="ko-KR" sz="1000" dirty="0" smtClean="0"/>
-          </a:p>
-          <a:p>
-            <a:r>
-              <a:rPr lang="ko-KR" altLang="en-US" sz="1000" dirty="0" smtClean="0"/>
+            <a:endParaRPr lang="en-US" altLang="ko-KR" sz="1000" dirty="0"/>
+          </a:p>
+          <a:p>
+            <a:r>
+              <a:rPr lang="ko-KR" altLang="en-US" sz="1000" dirty="0"/>
               <a:t>매주</a:t>
             </a:r>
             <a:r>
-              <a:rPr lang="en-US" altLang="ko-KR" sz="1000" dirty="0" smtClean="0"/>
+              <a:rPr lang="en-US" altLang="ko-KR" sz="1000" dirty="0"/>
               <a:t>,</a:t>
             </a:r>
             <a:r>
-              <a:rPr lang="ko-KR" altLang="en-US" sz="1000" dirty="0" smtClean="0"/>
-              <a:t> 놓치고 있는 부분은 없는</a:t>
-            </a:r>
-            <a:r>
               <a:rPr lang="ko-KR" altLang="en-US" sz="1000" dirty="0"/>
-              <a:t>지</a:t>
-            </a:r>
-            <a:r>
-              <a:rPr lang="ko-KR" altLang="en-US" sz="1000" dirty="0" smtClean="0"/>
-              <a:t> 콕 </a:t>
-            </a:r>
-            <a:r>
-              <a:rPr lang="ko-KR" altLang="en-US" sz="1000" dirty="0" err="1" smtClean="0"/>
+              <a:t> 놓치고 있는 부분은 없는지 콕 </a:t>
+            </a:r>
+            <a:r>
+              <a:rPr lang="ko-KR" altLang="en-US" sz="1000" dirty="0" err="1"/>
               <a:t>찝어드리는</a:t>
             </a:r>
             <a:r>
-              <a:rPr lang="ko-KR" altLang="en-US" sz="1000" dirty="0" smtClean="0"/>
+              <a:rPr lang="ko-KR" altLang="en-US" sz="1000" dirty="0"/>
               <a:t> 의견 첨삭까지</a:t>
             </a:r>
             <a:r>
               <a:rPr lang="en-US" altLang="ko-KR" sz="1000" dirty="0"/>
               <a:t>!</a:t>
             </a:r>
-            <a:endParaRPr lang="en-US" altLang="ko-KR" sz="1000" dirty="0" smtClean="0"/>
-          </a:p>
-          <a:p>
-            <a:r>
-              <a:rPr lang="ko-KR" altLang="en-US" sz="1000" dirty="0" smtClean="0"/>
+          </a:p>
+          <a:p>
+            <a:r>
+              <a:rPr lang="ko-KR" altLang="en-US" sz="1000" dirty="0"/>
               <a:t>똑똑한 직원 한 명 늘었다 생각하시고 믿고 맡겨주세요</a:t>
             </a:r>
             <a:r>
-              <a:rPr lang="en-US" altLang="ko-KR" sz="1000" dirty="0" smtClean="0"/>
+              <a:rPr lang="en-US" altLang="ko-KR" sz="1000" dirty="0"/>
               <a:t>!</a:t>
             </a:r>
+          </a:p>
+          <a:p>
             <a:endParaRPr lang="en-US" altLang="ko-KR" sz="1000" dirty="0"/>
           </a:p>
           <a:p>
+            <a:r>
+              <a:rPr lang="en-US" altLang="ko-KR" sz="1000" dirty="0"/>
+              <a:t>[</a:t>
+            </a:r>
+            <a:r>
+              <a:rPr lang="ko-KR" altLang="en-US" sz="1000" dirty="0"/>
+              <a:t>나한테는 어떤 상품이 적당할까</a:t>
+            </a:r>
+            <a:r>
+              <a:rPr lang="en-US" altLang="ko-KR" sz="1000" dirty="0"/>
+              <a:t>?]</a:t>
+            </a:r>
+          </a:p>
+          <a:p>
             <a:endParaRPr lang="en-US" altLang="ko-KR" sz="1000" dirty="0"/>
           </a:p>
           <a:p>
             <a:r>
-              <a:rPr lang="en-US" altLang="ko-KR" sz="1000" dirty="0" smtClean="0"/>
-              <a:t>[</a:t>
-            </a:r>
-            <a:r>
-              <a:rPr lang="ko-KR" altLang="en-US" sz="1000" dirty="0" smtClean="0"/>
-              <a:t>나한테는 어떤 상품이 적당할까</a:t>
-            </a:r>
-            <a:r>
-              <a:rPr lang="en-US" altLang="ko-KR" sz="1000" dirty="0" smtClean="0"/>
-              <a:t>?]</a:t>
-            </a:r>
-          </a:p>
-          <a:p>
-            <a:endParaRPr lang="en-US" altLang="ko-KR" sz="1000" dirty="0" smtClean="0"/>
-          </a:p>
-          <a:p>
-            <a:r>
-              <a:rPr lang="en-US" altLang="ko-KR" sz="1000" dirty="0" smtClean="0"/>
+              <a:rPr lang="en-US" altLang="ko-KR" sz="1000" dirty="0"/>
               <a:t> 1. </a:t>
             </a:r>
             <a:r>
-              <a:rPr lang="ko-KR" altLang="en-US" sz="1000" dirty="0" smtClean="0"/>
+              <a:rPr lang="ko-KR" altLang="en-US" sz="1000" dirty="0"/>
               <a:t>스마트 스토어를 처음 시작하고</a:t>
             </a:r>
             <a:r>
-              <a:rPr lang="en-US" altLang="ko-KR" sz="1000" dirty="0" smtClean="0"/>
+              <a:rPr lang="en-US" altLang="ko-KR" sz="1000" dirty="0"/>
               <a:t>, </a:t>
             </a:r>
             <a:r>
-              <a:rPr lang="ko-KR" altLang="en-US" sz="1000" dirty="0" smtClean="0"/>
+              <a:rPr lang="ko-KR" altLang="en-US" sz="1000" dirty="0"/>
               <a:t>성장 포인트도 놓치기 싫은 고객님</a:t>
             </a:r>
-            <a:endParaRPr lang="en-US" altLang="ko-KR" sz="1000" dirty="0" smtClean="0"/>
-          </a:p>
-          <a:p>
-            <a:r>
-              <a:rPr lang="en-US" altLang="ko-KR" sz="1000" dirty="0" smtClean="0"/>
+            <a:endParaRPr lang="en-US" altLang="ko-KR" sz="1000" dirty="0"/>
+          </a:p>
+          <a:p>
+            <a:r>
+              <a:rPr lang="en-US" altLang="ko-KR" sz="1000" dirty="0"/>
               <a:t> - </a:t>
             </a:r>
             <a:r>
-              <a:rPr lang="ko-KR" altLang="en-US" sz="1000" dirty="0" smtClean="0"/>
+              <a:rPr lang="ko-KR" altLang="en-US" sz="1000" dirty="0"/>
               <a:t>광고 대행사의 </a:t>
             </a:r>
             <a:r>
-              <a:rPr lang="en-US" altLang="ko-KR" sz="1000" dirty="0" smtClean="0"/>
+              <a:rPr lang="en-US" altLang="ko-KR" sz="1000" dirty="0"/>
               <a:t>API</a:t>
             </a:r>
             <a:r>
-              <a:rPr lang="ko-KR" altLang="en-US" sz="1000" dirty="0" smtClean="0"/>
+              <a:rPr lang="ko-KR" altLang="en-US" sz="1000" dirty="0"/>
               <a:t>를</a:t>
             </a:r>
-            <a:r>
-              <a:rPr lang="en-US" altLang="ko-KR" sz="1000" dirty="0" smtClean="0"/>
-              <a:t> </a:t>
-            </a:r>
-            <a:r>
-              <a:rPr lang="ko-KR" altLang="en-US" sz="1000" dirty="0" smtClean="0"/>
-              <a:t>사용하면</a:t>
-            </a:r>
-            <a:r>
-              <a:rPr lang="en-US" altLang="ko-KR" sz="1000" dirty="0" smtClean="0"/>
-              <a:t>, </a:t>
-            </a:r>
-            <a:r>
-              <a:rPr lang="ko-KR" altLang="en-US" sz="1000" dirty="0" smtClean="0"/>
-              <a:t>성장 포인트 혜택을 받을 수 없는 거 알고 계세요</a:t>
-            </a:r>
-            <a:r>
-              <a:rPr lang="en-US" altLang="ko-KR" sz="1000" dirty="0" smtClean="0"/>
-              <a:t>?</a:t>
-            </a:r>
-          </a:p>
-          <a:p>
-            <a:r>
-              <a:rPr lang="ko-KR" altLang="en-US" sz="1000" dirty="0" smtClean="0"/>
-              <a:t> </a:t>
-            </a:r>
-            <a:r>
-              <a:rPr lang="en-US" altLang="ko-KR" sz="1000" dirty="0" smtClean="0"/>
-              <a:t> </a:t>
-            </a:r>
-            <a:r>
-              <a:rPr lang="ko-KR" altLang="en-US" sz="1000" dirty="0" smtClean="0"/>
-              <a:t>하지만 걱정 마세요</a:t>
-            </a:r>
-            <a:r>
-              <a:rPr lang="en-US" altLang="ko-KR" sz="1000" dirty="0" smtClean="0"/>
-              <a:t>! </a:t>
-            </a:r>
-            <a:r>
-              <a:rPr lang="ko-KR" altLang="en-US" sz="1000" dirty="0" smtClean="0"/>
-              <a:t>저희는</a:t>
-            </a:r>
-            <a:r>
-              <a:rPr lang="en-US" altLang="ko-KR" sz="1000" dirty="0" smtClean="0"/>
-              <a:t> </a:t>
-            </a:r>
-            <a:r>
-              <a:rPr lang="ko-KR" altLang="en-US" sz="1000" dirty="0" smtClean="0"/>
-              <a:t>하나하나 수작업으로 진행하니 성장 포인트나 컨설팅 지원 등 </a:t>
-            </a:r>
-            <a:endParaRPr lang="en-US" altLang="ko-KR" sz="1000" dirty="0" smtClean="0"/>
-          </a:p>
-          <a:p>
             <a:r>
               <a:rPr lang="en-US" altLang="ko-KR" sz="1000" dirty="0"/>
               <a:t> </a:t>
             </a:r>
             <a:r>
-              <a:rPr lang="en-US" altLang="ko-KR" sz="1000" dirty="0" smtClean="0"/>
+              <a:rPr lang="ko-KR" altLang="en-US" sz="1000" dirty="0"/>
+              <a:t>사용하면</a:t>
+            </a:r>
+            <a:r>
+              <a:rPr lang="en-US" altLang="ko-KR" sz="1000" dirty="0"/>
+              <a:t>, </a:t>
+            </a:r>
+            <a:r>
+              <a:rPr lang="ko-KR" altLang="en-US" sz="1000" dirty="0"/>
+              <a:t>성장 포인트 혜택을 받을 수 없는 거 알고 계세요</a:t>
+            </a:r>
+            <a:r>
+              <a:rPr lang="en-US" altLang="ko-KR" sz="1000" dirty="0"/>
+              <a:t>?</a:t>
+            </a:r>
+          </a:p>
+          <a:p>
+            <a:r>
+              <a:rPr lang="ko-KR" altLang="en-US" sz="1000" dirty="0"/>
               <a:t> </a:t>
             </a:r>
             <a:r>
-              <a:rPr lang="ko-KR" altLang="en-US" sz="1000" dirty="0" smtClean="0"/>
+              <a:rPr lang="en-US" altLang="ko-KR" sz="1000" dirty="0"/>
+              <a:t> </a:t>
+            </a:r>
+            <a:r>
+              <a:rPr lang="ko-KR" altLang="en-US" sz="1000" dirty="0"/>
+              <a:t>하지만 걱정 마세요</a:t>
+            </a:r>
+            <a:r>
+              <a:rPr lang="en-US" altLang="ko-KR" sz="1000" dirty="0"/>
+              <a:t>! </a:t>
+            </a:r>
+            <a:r>
+              <a:rPr lang="ko-KR" altLang="en-US" sz="1000" dirty="0"/>
+              <a:t>저희는</a:t>
+            </a:r>
+            <a:r>
+              <a:rPr lang="en-US" altLang="ko-KR" sz="1000" dirty="0"/>
+              <a:t> </a:t>
+            </a:r>
+            <a:r>
+              <a:rPr lang="ko-KR" altLang="en-US" sz="1000" dirty="0"/>
+              <a:t>하나하나 수작업으로 진행하니 성장 포인트나 컨설팅 지원 등 </a:t>
+            </a:r>
+            <a:endParaRPr lang="en-US" altLang="ko-KR" sz="1000" dirty="0"/>
+          </a:p>
+          <a:p>
+            <a:r>
+              <a:rPr lang="en-US" altLang="ko-KR" sz="1000" dirty="0"/>
+              <a:t>  </a:t>
+            </a:r>
+            <a:r>
+              <a:rPr lang="ko-KR" altLang="en-US" sz="1000" dirty="0"/>
               <a:t>신규 가입 제공 혜택을 그대로 받으실 수가 있습니다</a:t>
             </a:r>
             <a:r>
-              <a:rPr lang="en-US" altLang="ko-KR" sz="1000" dirty="0" smtClean="0"/>
+              <a:rPr lang="en-US" altLang="ko-KR" sz="1000" dirty="0"/>
               <a:t>!</a:t>
             </a:r>
           </a:p>
           <a:p>
             <a:r>
-              <a:rPr lang="en-US" altLang="ko-KR" sz="1000" b="1" dirty="0" smtClean="0"/>
+              <a:rPr lang="en-US" altLang="ko-KR" sz="1000" b="1" dirty="0"/>
               <a:t>&gt; </a:t>
             </a:r>
             <a:r>
@@ -6385,63 +6290,85 @@
               <a:t>초기 광고 </a:t>
             </a:r>
             <a:r>
-              <a:rPr lang="ko-KR" altLang="en-US" sz="1000" b="1" dirty="0" err="1" smtClean="0"/>
+              <a:rPr lang="ko-KR" altLang="en-US" sz="1000" b="1" dirty="0" err="1"/>
               <a:t>세팅까지</a:t>
             </a:r>
             <a:r>
-              <a:rPr lang="ko-KR" altLang="en-US" sz="1000" b="1" dirty="0" smtClean="0"/>
+              <a:rPr lang="ko-KR" altLang="en-US" sz="1000" b="1" dirty="0"/>
               <a:t> 지원하는 </a:t>
             </a:r>
             <a:r>
-              <a:rPr lang="en-US" altLang="ko-KR" sz="1000" b="1" dirty="0" smtClean="0"/>
+              <a:rPr lang="en-US" altLang="ko-KR" sz="1000" b="1" dirty="0"/>
               <a:t>premium(1</a:t>
             </a:r>
             <a:r>
-              <a:rPr lang="ko-KR" altLang="en-US" sz="1000" b="1" dirty="0" smtClean="0"/>
+              <a:rPr lang="ko-KR" altLang="en-US" sz="1000" b="1" dirty="0"/>
               <a:t>개월</a:t>
             </a:r>
             <a:r>
-              <a:rPr lang="en-US" altLang="ko-KR" sz="1000" b="1" dirty="0" smtClean="0"/>
+              <a:rPr lang="en-US" altLang="ko-KR" sz="1000" b="1" dirty="0"/>
               <a:t>)</a:t>
             </a:r>
             <a:r>
-              <a:rPr lang="ko-KR" altLang="en-US" sz="1000" b="1" dirty="0" smtClean="0"/>
+              <a:rPr lang="ko-KR" altLang="en-US" sz="1000" b="1" dirty="0"/>
               <a:t> 상품 추천</a:t>
             </a:r>
             <a:r>
-              <a:rPr lang="en-US" altLang="ko-KR" sz="1000" b="1" dirty="0" smtClean="0"/>
+              <a:rPr lang="en-US" altLang="ko-KR" sz="1000" b="1" dirty="0"/>
               <a:t>!!</a:t>
             </a:r>
           </a:p>
           <a:p>
-            <a:endParaRPr lang="en-US" altLang="ko-KR" sz="1000" dirty="0" smtClean="0"/>
-          </a:p>
-          <a:p>
-            <a:r>
-              <a:rPr lang="en-US" altLang="ko-KR" sz="1000" dirty="0" smtClean="0"/>
+            <a:endParaRPr lang="en-US" altLang="ko-KR" sz="1000" dirty="0"/>
+          </a:p>
+          <a:p>
+            <a:r>
+              <a:rPr lang="en-US" altLang="ko-KR" sz="1000" dirty="0"/>
               <a:t> 2. </a:t>
             </a:r>
             <a:r>
-              <a:rPr lang="ko-KR" altLang="en-US" sz="1000" dirty="0" smtClean="0"/>
+              <a:rPr lang="ko-KR" altLang="en-US" sz="1000" dirty="0"/>
               <a:t>이미 스마트 스토어가 있지만</a:t>
             </a:r>
             <a:r>
-              <a:rPr lang="en-US" altLang="ko-KR" sz="1000" dirty="0" smtClean="0"/>
+              <a:rPr lang="en-US" altLang="ko-KR" sz="1000" dirty="0"/>
               <a:t>, </a:t>
             </a:r>
             <a:r>
-              <a:rPr lang="ko-KR" altLang="en-US" sz="1000" dirty="0" smtClean="0"/>
+              <a:rPr lang="ko-KR" altLang="en-US" sz="1000" dirty="0"/>
               <a:t>마케팅이 막막하고</a:t>
             </a:r>
             <a:r>
-              <a:rPr lang="en-US" altLang="ko-KR" sz="1000" dirty="0" smtClean="0"/>
+              <a:rPr lang="en-US" altLang="ko-KR" sz="1000" dirty="0"/>
               <a:t>, </a:t>
             </a:r>
             <a:r>
-              <a:rPr lang="ko-KR" altLang="en-US" sz="1000" dirty="0" smtClean="0"/>
+              <a:rPr lang="ko-KR" altLang="en-US" sz="1000" dirty="0"/>
               <a:t>관리 여력이 없으신 고객님</a:t>
             </a:r>
-            <a:endParaRPr lang="en-US" altLang="ko-KR" sz="1000" dirty="0" smtClean="0"/>
+            <a:endParaRPr lang="en-US" altLang="ko-KR" sz="1000" dirty="0"/>
+          </a:p>
+          <a:p>
+            <a:r>
+              <a:rPr lang="en-US" altLang="ko-KR" sz="1000" dirty="0"/>
+              <a:t> - </a:t>
+            </a:r>
+            <a:r>
+              <a:rPr lang="ko-KR" altLang="en-US" sz="1000" dirty="0"/>
+              <a:t>노출 순위는 검색광고 경쟁 </a:t>
+            </a:r>
+            <a:r>
+              <a:rPr lang="ko-KR" altLang="en-US" sz="1000" dirty="0" err="1"/>
+              <a:t>입찰가에</a:t>
+            </a:r>
+            <a:r>
+              <a:rPr lang="ko-KR" altLang="en-US" sz="1000" dirty="0"/>
+              <a:t> 따라 계속해서 바뀝니다</a:t>
+            </a:r>
+            <a:r>
+              <a:rPr lang="en-US" altLang="ko-KR" sz="1000" dirty="0"/>
+              <a:t>.</a:t>
+            </a:r>
           </a:p>
           <a:p>
             <a:r>
@@ -6449,106 +6376,80 @@
               <a:t> </a:t>
             </a:r>
             <a:r>
-              <a:rPr lang="en-US" altLang="ko-KR" sz="1000" dirty="0" smtClean="0"/>
-              <a:t>- </a:t>
-            </a:r>
-            <a:r>
-              <a:rPr lang="ko-KR" altLang="en-US" sz="1000" dirty="0" smtClean="0"/>
-              <a:t>노출 순위는 검색광고 경쟁 </a:t>
-            </a:r>
-            <a:r>
-              <a:rPr lang="ko-KR" altLang="en-US" sz="1000" dirty="0" err="1" smtClean="0"/>
-              <a:t>입찰가에</a:t>
-            </a:r>
-            <a:r>
-              <a:rPr lang="ko-KR" altLang="en-US" sz="1000" dirty="0" smtClean="0"/>
-              <a:t> 따라 계속해서 바뀝니다</a:t>
-            </a:r>
-            <a:r>
-              <a:rPr lang="en-US" altLang="ko-KR" sz="1000" dirty="0" smtClean="0"/>
+              <a:rPr lang="ko-KR" altLang="en-US" sz="1000" dirty="0"/>
+              <a:t>그래서</a:t>
+            </a:r>
+            <a:r>
+              <a:rPr lang="en-US" altLang="ko-KR" sz="1000" dirty="0"/>
+              <a:t>, </a:t>
+            </a:r>
+            <a:r>
+              <a:rPr lang="ko-KR" altLang="en-US" sz="1000" dirty="0"/>
+              <a:t>실시간으로 변하는 노출순위를 보고 </a:t>
+            </a:r>
+            <a:r>
+              <a:rPr lang="ko-KR" altLang="en-US" sz="1000" dirty="0" err="1"/>
+              <a:t>입찰가를</a:t>
+            </a:r>
+            <a:r>
+              <a:rPr lang="ko-KR" altLang="en-US" sz="1000" dirty="0"/>
+              <a:t> 수정해줘야 합니다</a:t>
+            </a:r>
+            <a:r>
+              <a:rPr lang="en-US" altLang="ko-KR" sz="1000" dirty="0"/>
               <a:t>.</a:t>
             </a:r>
           </a:p>
           <a:p>
             <a:r>
-              <a:rPr lang="en-US" altLang="ko-KR" sz="1000" dirty="0" smtClean="0"/>
+              <a:rPr lang="ko-KR" altLang="en-US" sz="1000" dirty="0"/>
+              <a:t> 저희는 입찰가 최적화 작업은 물론</a:t>
+            </a:r>
+            <a:r>
+              <a:rPr lang="en-US" altLang="ko-KR" sz="1000" dirty="0"/>
+              <a:t>, </a:t>
+            </a:r>
+            <a:r>
+              <a:rPr lang="ko-KR" altLang="en-US" sz="1000" dirty="0"/>
+              <a:t>좋은 상품 추천</a:t>
+            </a:r>
+            <a:r>
+              <a:rPr lang="en-US" altLang="ko-KR" sz="1000" dirty="0"/>
+              <a:t>,</a:t>
+            </a:r>
+            <a:r>
+              <a:rPr lang="ko-KR" altLang="en-US" sz="1000" dirty="0"/>
+              <a:t> 인기검색어 리스트</a:t>
+            </a:r>
+            <a:r>
+              <a:rPr lang="en-US" altLang="ko-KR" sz="1000" dirty="0"/>
+              <a:t>, </a:t>
+            </a:r>
+            <a:r>
+              <a:rPr lang="ko-KR" altLang="en-US" sz="1000" dirty="0"/>
+              <a:t>매출</a:t>
+            </a:r>
+            <a:r>
+              <a:rPr lang="en-US" altLang="ko-KR" sz="1000" dirty="0"/>
               <a:t> </a:t>
             </a:r>
             <a:r>
-              <a:rPr lang="ko-KR" altLang="en-US" sz="1000" dirty="0" smtClean="0"/>
-              <a:t>그래서</a:t>
-            </a:r>
-            <a:r>
-              <a:rPr lang="en-US" altLang="ko-KR" sz="1000" dirty="0" smtClean="0"/>
-              <a:t>, </a:t>
-            </a:r>
-            <a:r>
-              <a:rPr lang="ko-KR" altLang="en-US" sz="1000" dirty="0" smtClean="0"/>
-              <a:t>실시간으로 변하는 노출순위를 보고 </a:t>
-            </a:r>
-            <a:r>
-              <a:rPr lang="ko-KR" altLang="en-US" sz="1000" dirty="0" err="1" smtClean="0"/>
-              <a:t>입찰가를</a:t>
-            </a:r>
-            <a:r>
-              <a:rPr lang="ko-KR" altLang="en-US" sz="1000" dirty="0" smtClean="0"/>
-              <a:t> 수정해줘야 합니다</a:t>
-            </a:r>
-            <a:r>
-              <a:rPr lang="en-US" altLang="ko-KR" sz="1000" dirty="0" smtClean="0"/>
-              <a:t>.</a:t>
-            </a:r>
-          </a:p>
-          <a:p>
-            <a:r>
-              <a:rPr lang="ko-KR" altLang="en-US" sz="1000" dirty="0" smtClean="0"/>
-              <a:t> 저희는 입찰가 최적화 작업은 물론</a:t>
-            </a:r>
-            <a:r>
-              <a:rPr lang="en-US" altLang="ko-KR" sz="1000" dirty="0" smtClean="0"/>
-              <a:t>, </a:t>
-            </a:r>
-            <a:r>
-              <a:rPr lang="ko-KR" altLang="en-US" sz="1000" dirty="0" smtClean="0"/>
-              <a:t>좋은 상품 추천</a:t>
-            </a:r>
-            <a:r>
-              <a:rPr lang="en-US" altLang="ko-KR" sz="1000" dirty="0" smtClean="0"/>
-              <a:t>,</a:t>
-            </a:r>
-            <a:r>
-              <a:rPr lang="ko-KR" altLang="en-US" sz="1000" dirty="0" smtClean="0"/>
-              <a:t> 인기검색어 리스트</a:t>
-            </a:r>
-            <a:r>
-              <a:rPr lang="en-US" altLang="ko-KR" sz="1000" dirty="0" smtClean="0"/>
-              <a:t>, </a:t>
-            </a:r>
-            <a:r>
-              <a:rPr lang="ko-KR" altLang="en-US" sz="1000" dirty="0" smtClean="0"/>
-              <a:t>매출</a:t>
-            </a:r>
-            <a:r>
-              <a:rPr lang="en-US" altLang="ko-KR" sz="1000" dirty="0" smtClean="0"/>
+              <a:rPr lang="ko-KR" altLang="en-US" sz="1000" dirty="0"/>
+              <a:t>추이 등 </a:t>
+            </a:r>
+            <a:endParaRPr lang="en-US" altLang="ko-KR" sz="1000" dirty="0"/>
+          </a:p>
+          <a:p>
+            <a:r>
+              <a:rPr lang="en-US" altLang="ko-KR" sz="1000" dirty="0"/>
               <a:t> </a:t>
             </a:r>
             <a:r>
-              <a:rPr lang="ko-KR" altLang="en-US" sz="1000" dirty="0" smtClean="0"/>
-              <a:t>추이 등 </a:t>
-            </a:r>
-            <a:endParaRPr lang="en-US" altLang="ko-KR" sz="1000" dirty="0" smtClean="0"/>
-          </a:p>
-          <a:p>
-            <a:r>
-              <a:rPr lang="en-US" altLang="ko-KR" sz="1000" dirty="0" smtClean="0"/>
-              <a:t> </a:t>
-            </a:r>
-            <a:r>
-              <a:rPr lang="ko-KR" altLang="en-US" sz="1000" dirty="0" smtClean="0"/>
+              <a:rPr lang="ko-KR" altLang="en-US" sz="1000" dirty="0"/>
               <a:t>보고서까지 모두 제공해드리며 놓치고 있는 마케팅 업무를 빠짐없이 챙겨드립니다</a:t>
             </a:r>
             <a:r>
-              <a:rPr lang="en-US" altLang="ko-KR" sz="1000" dirty="0" smtClean="0"/>
+              <a:rPr lang="en-US" altLang="ko-KR" sz="1000" dirty="0"/>
               <a:t>!</a:t>
             </a:r>
           </a:p>
@@ -6566,38 +6467,37 @@
               <a:t>, </a:t>
             </a:r>
             <a:r>
-              <a:rPr lang="ko-KR" altLang="en-US" sz="1000" b="1" dirty="0" smtClean="0"/>
+              <a:rPr lang="ko-KR" altLang="en-US" sz="1000" b="1" dirty="0"/>
               <a:t>입찰가 관리만 제공하는 </a:t>
             </a:r>
             <a:r>
-              <a:rPr lang="en-US" altLang="ko-KR" sz="1000" b="1" dirty="0" smtClean="0"/>
+              <a:rPr lang="en-US" altLang="ko-KR" sz="1000" b="1" dirty="0"/>
               <a:t>standard(2</a:t>
             </a:r>
             <a:r>
-              <a:rPr lang="ko-KR" altLang="en-US" sz="1000" b="1" dirty="0" smtClean="0"/>
+              <a:rPr lang="ko-KR" altLang="en-US" sz="1000" b="1" dirty="0"/>
               <a:t>주</a:t>
             </a:r>
             <a:r>
-              <a:rPr lang="en-US" altLang="ko-KR" sz="1000" b="1" dirty="0" smtClean="0"/>
+              <a:rPr lang="en-US" altLang="ko-KR" sz="1000" b="1" dirty="0"/>
               <a:t>) or deluxe(1</a:t>
             </a:r>
             <a:r>
-              <a:rPr lang="ko-KR" altLang="en-US" sz="1000" b="1" dirty="0" smtClean="0"/>
+              <a:rPr lang="ko-KR" altLang="en-US" sz="1000" b="1" dirty="0"/>
               <a:t>개월</a:t>
             </a:r>
             <a:r>
-              <a:rPr lang="en-US" altLang="ko-KR" sz="1000" b="1" dirty="0" smtClean="0"/>
+              <a:rPr lang="en-US" altLang="ko-KR" sz="1000" b="1" dirty="0"/>
               <a:t>)</a:t>
             </a:r>
             <a:r>
-              <a:rPr lang="ko-KR" altLang="en-US" sz="1000" b="1" dirty="0" smtClean="0"/>
+              <a:rPr lang="ko-KR" altLang="en-US" sz="1000" b="1" dirty="0"/>
               <a:t> 상품 추천</a:t>
             </a:r>
             <a:r>
-              <a:rPr lang="en-US" altLang="ko-KR" sz="1000" b="1" dirty="0" smtClean="0"/>
+              <a:rPr lang="en-US" altLang="ko-KR" sz="1000" b="1" dirty="0"/>
               <a:t>!!</a:t>
             </a:r>
-            <a:endParaRPr lang="en-US" altLang="ko-KR" sz="1000" b="1" dirty="0"/>
           </a:p>
           <a:p>
             <a:r>
@@ -6605,16 +6505,12 @@
               <a:t> &gt; </a:t>
             </a:r>
             <a:r>
-              <a:rPr lang="ko-KR" altLang="en-US" sz="1000" b="1" dirty="0" smtClean="0"/>
+              <a:rPr lang="ko-KR" altLang="en-US" sz="1000" b="1" dirty="0"/>
               <a:t>추가 광고 캠페인을 만들고 관리하고 싶으시면</a:t>
             </a:r>
             <a:r>
-              <a:rPr lang="en-US" altLang="ko-KR" sz="1000" b="1" dirty="0" smtClean="0"/>
-              <a:t>, </a:t>
-            </a:r>
-            <a:r>
               <a:rPr lang="en-US" altLang="ko-KR" sz="1000" b="1" dirty="0"/>
-              <a:t>premium(1</a:t>
+              <a:t>, premium(1</a:t>
             </a:r>
             <a:r>
               <a:rPr lang="ko-KR" altLang="en-US" sz="1000" b="1" dirty="0"/>
@@ -6626,287 +6522,710 @@
             </a:r>
             <a:r>
               <a:rPr lang="ko-KR" altLang="en-US" sz="1000" b="1" dirty="0"/>
+              <a:t> 상품 추천</a:t>
+            </a:r>
+            <a:r>
+              <a:rPr lang="en-US" altLang="ko-KR" sz="1000" b="1" dirty="0"/>
+              <a:t>!!</a:t>
+            </a:r>
+          </a:p>
+          <a:p>
+            <a:endParaRPr lang="en-US" altLang="ko-KR" sz="1000" dirty="0"/>
+          </a:p>
+          <a:p>
+            <a:r>
+              <a:rPr lang="en-US" altLang="ko-KR" sz="1000" dirty="0"/>
+              <a:t>[</a:t>
+            </a:r>
+            <a:r>
+              <a:rPr lang="ko-KR" altLang="en-US" sz="1000" dirty="0"/>
+              <a:t>왜 마이 </a:t>
+            </a:r>
+            <a:r>
+              <a:rPr lang="ko-KR" altLang="en-US" sz="1000" dirty="0" err="1"/>
+              <a:t>마케터와</a:t>
+            </a:r>
+            <a:r>
+              <a:rPr lang="ko-KR" altLang="en-US" sz="1000" dirty="0"/>
+              <a:t> 함께 해야 할까</a:t>
+            </a:r>
+            <a:r>
+              <a:rPr lang="en-US" altLang="ko-KR" sz="1000" dirty="0"/>
+              <a:t>?]</a:t>
+            </a:r>
+          </a:p>
+          <a:p>
+            <a:r>
+              <a:rPr lang="ko-KR" altLang="en-US" sz="1000" dirty="0"/>
+              <a:t>이제 정보를 어떻게 구할지는 중요하지 않습니다</a:t>
+            </a:r>
+            <a:r>
+              <a:rPr lang="en-US" altLang="ko-KR" sz="1000" dirty="0"/>
+              <a:t>.</a:t>
+            </a:r>
+          </a:p>
+          <a:p>
+            <a:r>
+              <a:rPr lang="ko-KR" altLang="en-US" sz="1000" dirty="0"/>
+              <a:t>중요한 건 어떻게 활용해야 </a:t>
+            </a:r>
+            <a:r>
+              <a:rPr lang="ko-KR" altLang="en-US" sz="1000" dirty="0" err="1"/>
+              <a:t>할지입니다</a:t>
+            </a:r>
+            <a:r>
+              <a:rPr lang="en-US" altLang="ko-KR" sz="1000" dirty="0"/>
+              <a:t>!</a:t>
+            </a:r>
+          </a:p>
+          <a:p>
+            <a:endParaRPr lang="en-US" altLang="ko-KR" sz="1000" dirty="0"/>
+          </a:p>
+          <a:p>
+            <a:r>
+              <a:rPr lang="ko-KR" altLang="en-US" sz="1000" dirty="0"/>
+              <a:t>그래서</a:t>
+            </a:r>
+            <a:r>
+              <a:rPr lang="en-US" altLang="ko-KR" sz="1000" dirty="0"/>
+              <a:t>,</a:t>
+            </a:r>
+            <a:r>
+              <a:rPr lang="ko-KR" altLang="en-US" sz="1000" dirty="0"/>
+              <a:t> 마이 </a:t>
+            </a:r>
+            <a:r>
+              <a:rPr lang="ko-KR" altLang="en-US" sz="1000" dirty="0" err="1"/>
+              <a:t>마케터는</a:t>
+            </a:r>
+            <a:r>
+              <a:rPr lang="ko-KR" altLang="en-US" sz="1000" dirty="0"/>
+              <a:t> 매주 필요한 정보만 뽑아내고</a:t>
+            </a:r>
+            <a:r>
+              <a:rPr lang="en-US" altLang="ko-KR" sz="1000" dirty="0"/>
+              <a:t>,</a:t>
+            </a:r>
+            <a:r>
+              <a:rPr lang="ko-KR" altLang="en-US" sz="1000" dirty="0"/>
+              <a:t> 메일로 </a:t>
+            </a:r>
+            <a:r>
+              <a:rPr lang="en-US" altLang="ko-KR" sz="1000" dirty="0"/>
+              <a:t>6~7</a:t>
+            </a:r>
+            <a:r>
+              <a:rPr lang="ko-KR" altLang="en-US" sz="1000" dirty="0"/>
+              <a:t>줄 정도로 의견을 적어 드리고</a:t>
+            </a:r>
+            <a:r>
+              <a:rPr lang="en-US" altLang="ko-KR" sz="1000" dirty="0"/>
+              <a:t>,</a:t>
+            </a:r>
+          </a:p>
+          <a:p>
+            <a:r>
+              <a:rPr lang="ko-KR" altLang="en-US" sz="1000" dirty="0"/>
+              <a:t>그래도</a:t>
+            </a:r>
+            <a:r>
+              <a:rPr lang="en-US" altLang="ko-KR" sz="1000" dirty="0"/>
+              <a:t>,</a:t>
+            </a:r>
+            <a:r>
+              <a:rPr lang="ko-KR" altLang="en-US" sz="1000" dirty="0"/>
+              <a:t> 더 알고 싶으신 분을 위해 알짜 정보로 보기 좋게 꾸민 간이 보고서를 첨부해드리며</a:t>
+            </a:r>
+            <a:endParaRPr lang="en-US" altLang="ko-KR" sz="1000" dirty="0"/>
+          </a:p>
+          <a:p>
+            <a:r>
+              <a:rPr lang="ko-KR" altLang="en-US" sz="1000" dirty="0"/>
+              <a:t>거기서</a:t>
+            </a:r>
+            <a:r>
+              <a:rPr lang="en-US" altLang="ko-KR" sz="1000" dirty="0"/>
+              <a:t>,</a:t>
+            </a:r>
+            <a:r>
+              <a:rPr lang="ko-KR" altLang="en-US" sz="1000" dirty="0"/>
+              <a:t> 더 더 깊게 알고 싶으신 분을 위해 아래 정보를 모두 포함한 마케팅 보고서까지 드립니다</a:t>
+            </a:r>
+            <a:r>
+              <a:rPr lang="en-US" altLang="ko-KR" sz="1000" dirty="0"/>
+              <a:t>!</a:t>
+            </a:r>
+          </a:p>
+          <a:p>
+            <a:endParaRPr lang="en-US" altLang="ko-KR" sz="1000" dirty="0"/>
+          </a:p>
+          <a:p>
+            <a:r>
+              <a:rPr lang="en-US" altLang="ko-KR" sz="1000" dirty="0"/>
+              <a:t>1. </a:t>
+            </a:r>
+            <a:r>
+              <a:rPr lang="ko-KR" altLang="en-US" sz="1000" dirty="0"/>
+              <a:t>공통</a:t>
+            </a:r>
+            <a:endParaRPr lang="en-US" altLang="ko-KR" sz="1000" dirty="0"/>
+          </a:p>
+          <a:p>
+            <a:r>
+              <a:rPr lang="en-US" altLang="ko-KR" sz="1000" dirty="0"/>
+              <a:t>- </a:t>
+            </a:r>
+            <a:r>
+              <a:rPr lang="ko-KR" altLang="en-US" sz="1000" dirty="0"/>
+              <a:t>광고 관리</a:t>
+            </a:r>
+            <a:endParaRPr lang="en-US" altLang="ko-KR" sz="1000" dirty="0"/>
+          </a:p>
+          <a:p>
+            <a:r>
+              <a:rPr lang="ko-KR" altLang="en-US" sz="1000" dirty="0"/>
+              <a:t>광고비 예측</a:t>
+            </a:r>
+            <a:r>
+              <a:rPr lang="en-US" altLang="ko-KR" sz="1000" dirty="0"/>
+              <a:t>, </a:t>
+            </a:r>
+            <a:r>
+              <a:rPr lang="ko-KR" altLang="en-US" sz="1000" dirty="0"/>
+              <a:t>입찰가 최적화 쯤이야 다들 쉽게 접하시죠</a:t>
+            </a:r>
+            <a:r>
+              <a:rPr lang="en-US" altLang="ko-KR" sz="1000" dirty="0"/>
+              <a:t>?</a:t>
+            </a:r>
+          </a:p>
+          <a:p>
+            <a:r>
+              <a:rPr lang="ko-KR" altLang="en-US" sz="1000" dirty="0"/>
+              <a:t>광고 소재를 최대 </a:t>
+            </a:r>
+            <a:r>
+              <a:rPr lang="en-US" altLang="ko-KR" sz="1000" dirty="0"/>
+              <a:t>20</a:t>
+            </a:r>
+            <a:r>
+              <a:rPr lang="ko-KR" altLang="en-US" sz="1000" dirty="0"/>
+              <a:t>개까지 관리하는 마케팅은 오직 마이 마케터 뿐입니다</a:t>
+            </a:r>
+            <a:r>
+              <a:rPr lang="en-US" altLang="ko-KR" sz="1000" dirty="0"/>
+              <a:t>!</a:t>
+            </a:r>
+          </a:p>
+          <a:p>
+            <a:r>
+              <a:rPr lang="ko-KR" altLang="en-US" sz="1000" dirty="0"/>
+              <a:t> 광고비</a:t>
+            </a:r>
+            <a:r>
+              <a:rPr lang="en-US" altLang="ko-KR" sz="1000" dirty="0"/>
+              <a:t>/</a:t>
+            </a:r>
+            <a:r>
+              <a:rPr lang="ko-KR" altLang="en-US" sz="1000" dirty="0" err="1"/>
+              <a:t>전환액</a:t>
+            </a:r>
+            <a:r>
+              <a:rPr lang="ko-KR" altLang="en-US" sz="1000" dirty="0"/>
+              <a:t> 등 비용 관리 및 현황 보고</a:t>
+            </a:r>
+            <a:endParaRPr lang="en-US" altLang="ko-KR" sz="1000" dirty="0"/>
+          </a:p>
+          <a:p>
+            <a:r>
+              <a:rPr lang="ko-KR" altLang="en-US" sz="1000" dirty="0"/>
+              <a:t> 광고비 부족 알림 및 충전 안내</a:t>
+            </a:r>
+            <a:endParaRPr lang="en-US" altLang="ko-KR" sz="1000" dirty="0"/>
+          </a:p>
+          <a:p>
+            <a:r>
+              <a:rPr lang="en-US" altLang="ko-KR" sz="1000" dirty="0"/>
               <a:t> </a:t>
             </a:r>
             <a:r>
-              <a:rPr lang="ko-KR" altLang="en-US" sz="1000" b="1" dirty="0" smtClean="0"/>
-              <a:t>상품 추천</a:t>
-            </a:r>
-            <a:r>
-              <a:rPr lang="en-US" altLang="ko-KR" sz="1000" b="1" dirty="0" smtClean="0"/>
-              <a:t>!!</a:t>
-            </a:r>
-            <a:endParaRPr lang="en-US" altLang="ko-KR" sz="1000" b="1" dirty="0"/>
-          </a:p>
-          <a:p>
-            <a:endParaRPr lang="en-US" altLang="ko-KR" sz="1000" dirty="0" smtClean="0"/>
-          </a:p>
-          <a:p>
-            <a:r>
-              <a:rPr lang="en-US" altLang="ko-KR" sz="1000" dirty="0" smtClean="0"/>
-              <a:t>[</a:t>
-            </a:r>
-            <a:r>
-              <a:rPr lang="ko-KR" altLang="en-US" sz="1000" dirty="0" smtClean="0"/>
-              <a:t>왜 마이 </a:t>
-            </a:r>
-            <a:r>
-              <a:rPr lang="ko-KR" altLang="en-US" sz="1000" dirty="0" err="1" smtClean="0"/>
-              <a:t>마케터와</a:t>
-            </a:r>
-            <a:r>
-              <a:rPr lang="ko-KR" altLang="en-US" sz="1000" dirty="0" smtClean="0"/>
-              <a:t> 함께 해야 할까</a:t>
-            </a:r>
-            <a:r>
-              <a:rPr lang="en-US" altLang="ko-KR" sz="1000" dirty="0" smtClean="0"/>
-              <a:t>?]</a:t>
-            </a:r>
-          </a:p>
-          <a:p>
-            <a:r>
-              <a:rPr lang="ko-KR" altLang="en-US" sz="1000" dirty="0" smtClean="0"/>
-              <a:t>이제 정보를 어떻게 구할지는 중요하지 않습니다</a:t>
-            </a:r>
-            <a:r>
-              <a:rPr lang="en-US" altLang="ko-KR" sz="1000" dirty="0" smtClean="0"/>
+              <a:rPr lang="ko-KR" altLang="en-US" sz="1000" dirty="0"/>
+              <a:t>다음달 광고비 예상</a:t>
+            </a:r>
+            <a:endParaRPr lang="en-US" altLang="ko-KR" sz="1000" dirty="0"/>
+          </a:p>
+          <a:p>
+            <a:r>
+              <a:rPr lang="en-US" altLang="ko-KR" sz="1000" dirty="0"/>
+              <a:t> ROAS</a:t>
+            </a:r>
+            <a:r>
+              <a:rPr lang="ko-KR" altLang="en-US" sz="1000" dirty="0"/>
+              <a:t>율에 따른 실시간 입찰가 변경 </a:t>
+            </a:r>
+            <a:r>
+              <a:rPr lang="en-US" altLang="ko-KR" sz="1000" dirty="0"/>
+              <a:t>(</a:t>
+            </a:r>
+            <a:r>
+              <a:rPr lang="ko-KR" altLang="en-US" sz="1000" dirty="0"/>
+              <a:t>매일</a:t>
+            </a:r>
+            <a:r>
+              <a:rPr lang="en-US" altLang="ko-KR" sz="1000" dirty="0"/>
+              <a:t>)</a:t>
+            </a:r>
+          </a:p>
+          <a:p>
+            <a:r>
+              <a:rPr lang="en-US" altLang="ko-KR" sz="1000" dirty="0"/>
+              <a:t> </a:t>
+            </a:r>
+            <a:r>
+              <a:rPr lang="ko-KR" altLang="en-US" sz="1000" dirty="0"/>
+              <a:t>광고 성과에 따른 실시간 불량소재 삭제</a:t>
+            </a:r>
+            <a:r>
+              <a:rPr lang="en-US" altLang="ko-KR" sz="1000" dirty="0"/>
+              <a:t>/</a:t>
+            </a:r>
+            <a:r>
+              <a:rPr lang="ko-KR" altLang="en-US" sz="1000" dirty="0"/>
+              <a:t>신규소재 추가 </a:t>
+            </a:r>
+            <a:r>
+              <a:rPr lang="en-US" altLang="ko-KR" sz="1000" dirty="0"/>
+              <a:t>(3</a:t>
+            </a:r>
+            <a:r>
+              <a:rPr lang="ko-KR" altLang="en-US" sz="1000" dirty="0"/>
+              <a:t>일 간격</a:t>
+            </a:r>
+            <a:r>
+              <a:rPr lang="en-US" altLang="ko-KR" sz="1000" dirty="0"/>
+              <a:t>)</a:t>
+            </a:r>
+          </a:p>
+          <a:p>
+            <a:r>
+              <a:rPr lang="en-US" altLang="ko-KR" sz="1000" dirty="0"/>
+              <a:t>※ ROAS</a:t>
+            </a:r>
+            <a:r>
+              <a:rPr lang="ko-KR" altLang="en-US" sz="1000" dirty="0"/>
+              <a:t>율</a:t>
+            </a:r>
+            <a:r>
+              <a:rPr lang="en-US" altLang="ko-KR" sz="1000" dirty="0"/>
+              <a:t>: </a:t>
+            </a:r>
+            <a:r>
+              <a:rPr lang="ko-KR" altLang="en-US" sz="1000" dirty="0"/>
+              <a:t>광고비 대비 매출액을 뜻함</a:t>
+            </a:r>
+            <a:r>
+              <a:rPr lang="en-US" altLang="ko-KR" sz="1000" dirty="0"/>
+              <a:t>, </a:t>
+            </a:r>
+            <a:r>
+              <a:rPr lang="ko-KR" altLang="en-US" sz="1000" dirty="0"/>
+              <a:t>광고비 성과를 파악할 수 있음</a:t>
+            </a:r>
+            <a:endParaRPr lang="en-US" altLang="ko-KR" sz="1000" dirty="0"/>
+          </a:p>
+          <a:p>
+            <a:r>
+              <a:rPr lang="en-US" altLang="ko-KR" sz="1000" dirty="0"/>
+              <a:t>※ </a:t>
+            </a:r>
+            <a:r>
+              <a:rPr lang="ko-KR" altLang="en-US" sz="1000" dirty="0"/>
+              <a:t>광고소재</a:t>
+            </a:r>
+            <a:r>
+              <a:rPr lang="en-US" altLang="ko-KR" sz="1000" dirty="0"/>
+              <a:t>: </a:t>
+            </a:r>
+            <a:r>
+              <a:rPr lang="ko-KR" altLang="en-US" sz="1000" dirty="0"/>
+              <a:t>하나의 상품에 적용할 수 있는 광고 수로</a:t>
+            </a:r>
+            <a:r>
+              <a:rPr lang="en-US" altLang="ko-KR" sz="1000" dirty="0"/>
+              <a:t> </a:t>
+            </a:r>
+            <a:r>
+              <a:rPr lang="ko-KR" altLang="en-US" sz="1000" dirty="0"/>
+              <a:t>최대 </a:t>
+            </a:r>
+            <a:r>
+              <a:rPr lang="en-US" altLang="ko-KR" sz="1000" dirty="0"/>
+              <a:t>10</a:t>
+            </a:r>
+            <a:r>
+              <a:rPr lang="ko-KR" altLang="en-US" sz="1000" dirty="0"/>
+              <a:t>개까지 노출됨</a:t>
+            </a:r>
+            <a:br>
+              <a:rPr lang="en-US" altLang="ko-KR" sz="1000" dirty="0"/>
+            </a:br>
+            <a:endParaRPr lang="en-US" altLang="ko-KR" sz="1000" dirty="0"/>
+          </a:p>
+          <a:p>
+            <a:r>
+              <a:rPr lang="en-US" altLang="ko-KR" sz="1000" dirty="0"/>
+              <a:t>- </a:t>
+            </a:r>
+            <a:r>
+              <a:rPr lang="ko-KR" altLang="en-US" sz="1000" dirty="0"/>
+              <a:t>상품 분석</a:t>
+            </a:r>
+            <a:endParaRPr lang="en-US" altLang="ko-KR" sz="1000" dirty="0"/>
+          </a:p>
+          <a:p>
+            <a:r>
+              <a:rPr lang="ko-KR" altLang="en-US" sz="1000" dirty="0"/>
+              <a:t>내 상점이란 마음으로</a:t>
+            </a:r>
+            <a:r>
+              <a:rPr lang="en-US" altLang="ko-KR" sz="1000" dirty="0"/>
+              <a:t>,</a:t>
+            </a:r>
+            <a:r>
+              <a:rPr lang="ko-KR" altLang="en-US" sz="1000" dirty="0"/>
+              <a:t> 마케팅을 넘어서 상품 업무까지 도움을 드립니다</a:t>
+            </a:r>
+            <a:r>
+              <a:rPr lang="en-US" altLang="ko-KR" sz="1000" dirty="0"/>
               <a:t>.</a:t>
             </a:r>
           </a:p>
           <a:p>
             <a:r>
-              <a:rPr lang="ko-KR" altLang="en-US" sz="1000" dirty="0" smtClean="0"/>
-              <a:t>중요한 건 어떻게 활용해야 </a:t>
-            </a:r>
-            <a:r>
-              <a:rPr lang="ko-KR" altLang="en-US" sz="1000" dirty="0" err="1" smtClean="0"/>
-              <a:t>할지입니다</a:t>
-            </a:r>
-            <a:r>
-              <a:rPr lang="en-US" altLang="ko-KR" sz="1000" dirty="0" smtClean="0"/>
-              <a:t>!</a:t>
-            </a:r>
-          </a:p>
-          <a:p>
-            <a:endParaRPr lang="en-US" altLang="ko-KR" sz="1000" dirty="0"/>
-          </a:p>
-          <a:p>
-            <a:r>
-              <a:rPr lang="ko-KR" altLang="en-US" sz="1000" dirty="0" smtClean="0"/>
-              <a:t>그래서</a:t>
-            </a:r>
-            <a:r>
-              <a:rPr lang="en-US" altLang="ko-KR" sz="1000" dirty="0" smtClean="0"/>
+              <a:rPr lang="ko-KR" altLang="en-US" sz="1000" dirty="0"/>
+              <a:t>고객님이 잘 되는야 제가 보람찹니다</a:t>
+            </a:r>
+            <a:r>
+              <a:rPr lang="en-US" altLang="ko-KR" sz="1000" dirty="0"/>
+              <a:t>. </a:t>
+            </a:r>
+            <a:r>
+              <a:rPr lang="ko-KR" altLang="en-US" sz="1000" dirty="0"/>
+              <a:t>아래 준비해온 것들 외에 더 필요하시면</a:t>
+            </a:r>
+            <a:r>
+              <a:rPr lang="en-US" altLang="ko-KR" sz="1000" dirty="0"/>
               <a:t>,</a:t>
-            </a:r>
-            <a:r>
-              <a:rPr lang="ko-KR" altLang="en-US" sz="1000" dirty="0" smtClean="0"/>
-              <a:t> 마이 </a:t>
-            </a:r>
-            <a:r>
-              <a:rPr lang="ko-KR" altLang="en-US" sz="1000" dirty="0" err="1" smtClean="0"/>
-              <a:t>마케터는</a:t>
             </a:r>
             <a:r>
               <a:rPr lang="ko-KR" altLang="en-US" sz="1000" dirty="0"/>
               <a:t> </a:t>
             </a:r>
-            <a:r>
-              <a:rPr lang="ko-KR" altLang="en-US" sz="1000" dirty="0" smtClean="0"/>
-              <a:t>매주 필요한 정보만 뽑아내고</a:t>
-            </a:r>
-            <a:r>
-              <a:rPr lang="en-US" altLang="ko-KR" sz="1000" dirty="0" smtClean="0"/>
-              <a:t>,</a:t>
-            </a:r>
-            <a:r>
-              <a:rPr lang="ko-KR" altLang="en-US" sz="1000" dirty="0" smtClean="0"/>
-              <a:t> 메일로 </a:t>
-            </a:r>
-            <a:r>
-              <a:rPr lang="en-US" altLang="ko-KR" sz="1000" dirty="0" smtClean="0"/>
-              <a:t>6~7</a:t>
-            </a:r>
-            <a:r>
-              <a:rPr lang="ko-KR" altLang="en-US" sz="1000" dirty="0" smtClean="0"/>
-              <a:t>줄 정도로 의견을 적어 드리고</a:t>
-            </a:r>
-            <a:r>
-              <a:rPr lang="en-US" altLang="ko-KR" sz="1000" dirty="0" smtClean="0"/>
-              <a:t>,</a:t>
-            </a:r>
-          </a:p>
-          <a:p>
-            <a:r>
-              <a:rPr lang="ko-KR" altLang="en-US" sz="1000" dirty="0" smtClean="0"/>
-              <a:t>그래도</a:t>
-            </a:r>
-            <a:r>
-              <a:rPr lang="en-US" altLang="ko-KR" sz="1000" dirty="0" smtClean="0"/>
-              <a:t>,</a:t>
-            </a:r>
-            <a:r>
-              <a:rPr lang="ko-KR" altLang="en-US" sz="1000" dirty="0" smtClean="0"/>
-              <a:t> 더 알고 싶으신 분을 위해 알짜 정보로 보기 </a:t>
-            </a:r>
+            <a:endParaRPr lang="en-US" altLang="ko-KR" sz="1000" dirty="0"/>
+          </a:p>
+          <a:p>
             <a:r>
               <a:rPr lang="ko-KR" altLang="en-US" sz="1000" dirty="0"/>
-              <a:t>좋게 </a:t>
-            </a:r>
-            <a:r>
-              <a:rPr lang="ko-KR" altLang="en-US" sz="1000" dirty="0" smtClean="0"/>
-              <a:t>꾸민 간이 보고서를 첨부해드리며</a:t>
-            </a:r>
-            <a:endParaRPr lang="en-US" altLang="ko-KR" sz="1000" dirty="0" smtClean="0"/>
-          </a:p>
-          <a:p>
-            <a:r>
-              <a:rPr lang="ko-KR" altLang="en-US" sz="1000" dirty="0" smtClean="0"/>
-              <a:t>거기서</a:t>
-            </a:r>
-            <a:r>
-              <a:rPr lang="en-US" altLang="ko-KR" sz="1000" dirty="0" smtClean="0"/>
-              <a:t>,</a:t>
-            </a:r>
-            <a:r>
-              <a:rPr lang="ko-KR" altLang="en-US" sz="1000" dirty="0" smtClean="0"/>
-              <a:t> 더 더 깊게 알고 싶으신 분을 위해 아래 정보를 모두 포함한 마케팅 보고서까지 드립니다</a:t>
-            </a:r>
-            <a:r>
-              <a:rPr lang="en-US" altLang="ko-KR" sz="1000" dirty="0" smtClean="0"/>
+              <a:t>언제든 편하게 말씀주세요</a:t>
+            </a:r>
+            <a:r>
+              <a:rPr lang="en-US" altLang="ko-KR" sz="1000" dirty="0"/>
               <a:t>!</a:t>
             </a:r>
           </a:p>
           <a:p>
-            <a:endParaRPr lang="en-US" altLang="ko-KR" sz="1000" dirty="0" smtClean="0"/>
-          </a:p>
-          <a:p>
-            <a:r>
-              <a:rPr lang="en-US" altLang="ko-KR" sz="1000" dirty="0" smtClean="0"/>
-              <a:t>1. </a:t>
-            </a:r>
-            <a:r>
-              <a:rPr lang="ko-KR" altLang="en-US" sz="1000" dirty="0" smtClean="0"/>
-              <a:t>공통</a:t>
-            </a:r>
-            <a:endParaRPr lang="en-US" altLang="ko-KR" sz="1000" dirty="0" smtClean="0"/>
-          </a:p>
-          <a:p>
-            <a:r>
-              <a:rPr lang="en-US" altLang="ko-KR" sz="1000" dirty="0" smtClean="0"/>
-              <a:t>- </a:t>
-            </a:r>
-            <a:r>
-              <a:rPr lang="ko-KR" altLang="en-US" sz="1000" dirty="0" smtClean="0"/>
-              <a:t>광고 관리</a:t>
-            </a:r>
-            <a:endParaRPr lang="en-US" altLang="ko-KR" sz="1000" dirty="0" smtClean="0"/>
-          </a:p>
-          <a:p>
-            <a:r>
-              <a:rPr lang="ko-KR" altLang="en-US" sz="1000" dirty="0" smtClean="0"/>
-              <a:t>광고비 예측</a:t>
-            </a:r>
-            <a:r>
-              <a:rPr lang="en-US" altLang="ko-KR" sz="1000" dirty="0" smtClean="0"/>
-              <a:t>, </a:t>
-            </a:r>
-            <a:r>
-              <a:rPr lang="ko-KR" altLang="en-US" sz="1000" dirty="0" smtClean="0"/>
-              <a:t>입찰가 최적화 쯤이야 다들 쉽게 접하시죠</a:t>
-            </a:r>
-            <a:r>
-              <a:rPr lang="en-US" altLang="ko-KR" sz="1000" dirty="0" smtClean="0"/>
-              <a:t>?</a:t>
-            </a:r>
-          </a:p>
-          <a:p>
-            <a:r>
-              <a:rPr lang="ko-KR" altLang="en-US" sz="1000" dirty="0" smtClean="0"/>
-              <a:t>광고 소재를 최대 </a:t>
-            </a:r>
-            <a:r>
-              <a:rPr lang="en-US" altLang="ko-KR" sz="1000" dirty="0" smtClean="0"/>
-              <a:t>20</a:t>
-            </a:r>
-            <a:r>
-              <a:rPr lang="ko-KR" altLang="en-US" sz="1000" dirty="0" smtClean="0"/>
-              <a:t>개까지 관리하는 마케팅은 오직 마이 마케터 뿐입니다</a:t>
-            </a:r>
-            <a:r>
-              <a:rPr lang="en-US" altLang="ko-KR" sz="1000" dirty="0" smtClean="0"/>
-              <a:t>!</a:t>
-            </a:r>
-          </a:p>
-          <a:p>
-            <a:r>
-              <a:rPr lang="ko-KR" altLang="en-US" sz="1000" dirty="0" smtClean="0"/>
-              <a:t> 광고비</a:t>
+            <a:r>
+              <a:rPr lang="en-US" altLang="ko-KR" sz="1000" dirty="0"/>
+              <a:t> best/worst </a:t>
+            </a:r>
+            <a:r>
+              <a:rPr lang="ko-KR" altLang="en-US" sz="1000" dirty="0"/>
+              <a:t>상품 원인 분석</a:t>
+            </a:r>
+            <a:endParaRPr lang="en-US" altLang="ko-KR" sz="1000" dirty="0"/>
+          </a:p>
+          <a:p>
+            <a:r>
+              <a:rPr lang="ko-KR" altLang="en-US" sz="1000" dirty="0"/>
+              <a:t> </a:t>
+            </a:r>
+            <a:r>
+              <a:rPr lang="ko-KR" altLang="en-US" sz="1000" dirty="0" err="1"/>
+              <a:t>카테고리별</a:t>
+            </a:r>
+            <a:r>
+              <a:rPr lang="ko-KR" altLang="en-US" sz="1000" dirty="0"/>
+              <a:t> 인기검색어 </a:t>
+            </a:r>
+            <a:r>
+              <a:rPr lang="en-US" altLang="ko-KR" sz="1000" dirty="0"/>
+              <a:t>top 500</a:t>
+            </a:r>
+          </a:p>
+          <a:p>
+            <a:r>
+              <a:rPr lang="en-US" altLang="ko-KR" sz="1000" dirty="0"/>
+              <a:t>(+</a:t>
+            </a:r>
+            <a:r>
+              <a:rPr lang="ko-KR" altLang="en-US" sz="1000" dirty="0" err="1"/>
+              <a:t>스토어팜</a:t>
+            </a:r>
+            <a:r>
+              <a:rPr lang="ko-KR" altLang="en-US" sz="1000" dirty="0"/>
+              <a:t> </a:t>
+            </a:r>
+            <a:r>
+              <a:rPr lang="ko-KR" altLang="en-US" sz="1000" dirty="0" err="1"/>
+              <a:t>연동시</a:t>
+            </a:r>
+            <a:r>
+              <a:rPr lang="en-US" altLang="ko-KR" sz="1000" dirty="0"/>
+              <a:t>)</a:t>
+            </a:r>
+          </a:p>
+          <a:p>
+            <a:r>
+              <a:rPr lang="ko-KR" altLang="en-US" sz="1000" dirty="0"/>
+              <a:t> 월 매출액 추이</a:t>
+            </a:r>
+            <a:endParaRPr lang="en-US" altLang="ko-KR" sz="1000" dirty="0"/>
+          </a:p>
+          <a:p>
+            <a:r>
+              <a:rPr lang="ko-KR" altLang="en-US" sz="1000" dirty="0"/>
+              <a:t> 상품</a:t>
             </a:r>
             <a:r>
               <a:rPr lang="en-US" altLang="ko-KR" sz="1000" dirty="0"/>
               <a:t>/</a:t>
             </a:r>
             <a:r>
+              <a:rPr lang="ko-KR" altLang="en-US" sz="1000" dirty="0"/>
+              <a:t>럭키투데이</a:t>
+            </a:r>
+            <a:r>
+              <a:rPr lang="en-US" altLang="ko-KR" sz="1000" dirty="0"/>
+              <a:t>/SNS </a:t>
+            </a:r>
+            <a:r>
+              <a:rPr lang="ko-KR" altLang="en-US" sz="1000" dirty="0"/>
+              <a:t>연동 여부 및 마지막 업로드 일자 확인</a:t>
+            </a:r>
+            <a:endParaRPr lang="en-US" altLang="ko-KR" sz="1000" dirty="0"/>
+          </a:p>
+          <a:p>
+            <a:endParaRPr lang="en-US" altLang="ko-KR" sz="1000" dirty="0"/>
+          </a:p>
+          <a:p>
+            <a:r>
+              <a:rPr lang="en-US" altLang="ko-KR" sz="1000" dirty="0"/>
+              <a:t>[</a:t>
+            </a:r>
+            <a:r>
+              <a:rPr lang="ko-KR" altLang="en-US" sz="1000" dirty="0"/>
+              <a:t>구매 전</a:t>
+            </a:r>
+            <a:r>
+              <a:rPr lang="en-US" altLang="ko-KR" sz="1000" dirty="0"/>
+              <a:t>,</a:t>
+            </a:r>
+            <a:r>
+              <a:rPr lang="ko-KR" altLang="en-US" sz="1000" dirty="0"/>
+              <a:t> 확인해주세요</a:t>
+            </a:r>
+            <a:r>
+              <a:rPr lang="en-US" altLang="ko-KR" sz="1000" dirty="0"/>
+              <a:t>!]</a:t>
+            </a:r>
+          </a:p>
+          <a:p>
+            <a:r>
+              <a:rPr lang="ko-KR" altLang="en-US" sz="1000" dirty="0"/>
+              <a:t>정기 구독 </a:t>
+            </a:r>
+            <a:r>
+              <a:rPr lang="en-US" altLang="ko-KR" sz="1000" dirty="0"/>
+              <a:t>2</a:t>
+            </a:r>
+            <a:r>
+              <a:rPr lang="ko-KR" altLang="en-US" sz="1000" dirty="0"/>
+              <a:t>주</a:t>
+            </a:r>
+            <a:r>
+              <a:rPr lang="en-US" altLang="ko-KR" sz="1000" dirty="0"/>
+              <a:t>, 4</a:t>
+            </a:r>
+            <a:r>
+              <a:rPr lang="ko-KR" altLang="en-US" sz="1000" dirty="0"/>
+              <a:t>주 단위 구매 상품입니다</a:t>
+            </a:r>
+            <a:r>
+              <a:rPr lang="en-US" altLang="ko-KR" sz="1000" dirty="0"/>
+              <a:t>.</a:t>
+            </a:r>
+          </a:p>
+          <a:p>
+            <a:r>
+              <a:rPr lang="ko-KR" altLang="en-US" sz="1000" dirty="0"/>
+              <a:t>광고 계정은 미리 준비해주세요</a:t>
+            </a:r>
+            <a:endParaRPr lang="en-US" altLang="ko-KR" sz="1000" dirty="0"/>
+          </a:p>
+          <a:p>
+            <a:r>
+              <a:rPr lang="ko-KR" altLang="en-US" sz="1000" dirty="0"/>
+              <a:t>쇼핑 광고를 처음 시작하는 경우</a:t>
+            </a:r>
+            <a:r>
+              <a:rPr lang="en-US" altLang="ko-KR" sz="1000" dirty="0"/>
+              <a:t>, </a:t>
+            </a:r>
+            <a:r>
+              <a:rPr lang="ko-KR" altLang="en-US" sz="1000" dirty="0"/>
+              <a:t>광고 소재 검수로 시간이 더 소요될 수 있습니다</a:t>
+            </a:r>
+            <a:r>
+              <a:rPr lang="en-US" altLang="ko-KR" sz="1000" dirty="0"/>
+              <a:t>.</a:t>
+            </a:r>
+          </a:p>
+          <a:p>
+            <a:r>
+              <a:rPr lang="ko-KR" altLang="en-US" sz="1000" dirty="0"/>
+              <a:t>광고시스템</a:t>
+            </a:r>
+            <a:r>
+              <a:rPr lang="en-US" altLang="ko-KR" sz="1000" dirty="0"/>
+              <a:t>(</a:t>
+            </a:r>
+            <a:r>
+              <a:rPr lang="ko-KR" altLang="en-US" sz="1000" dirty="0"/>
+              <a:t>필수</a:t>
+            </a:r>
+            <a:r>
+              <a:rPr lang="en-US" altLang="ko-KR" sz="1000" dirty="0"/>
+              <a:t>)</a:t>
+            </a:r>
+            <a:r>
+              <a:rPr lang="ko-KR" altLang="en-US" sz="1000" dirty="0"/>
+              <a:t> </a:t>
+            </a:r>
+            <a:r>
+              <a:rPr lang="en-US" altLang="ko-KR" sz="1000" dirty="0"/>
+              <a:t>/ </a:t>
+            </a:r>
+            <a:r>
               <a:rPr lang="ko-KR" altLang="en-US" sz="1000" dirty="0" err="1"/>
-              <a:t>전환액</a:t>
+              <a:t>스토어팜</a:t>
+            </a:r>
+            <a:r>
+              <a:rPr lang="en-US" altLang="ko-KR" sz="1000" dirty="0"/>
+              <a:t>(</a:t>
             </a:r>
             <a:r>
               <a:rPr lang="ko-KR" altLang="en-US" sz="1000" dirty="0"/>
-              <a:t> 등 </a:t>
-            </a:r>
-            <a:r>
-              <a:rPr lang="ko-KR" altLang="en-US" sz="1000" dirty="0" smtClean="0"/>
-              <a:t>비용 관리 및 현황 보고</a:t>
-            </a:r>
-            <a:endParaRPr lang="en-US" altLang="ko-KR" sz="1000" dirty="0"/>
-          </a:p>
-          <a:p>
-            <a:r>
-              <a:rPr lang="ko-KR" altLang="en-US" sz="1000" dirty="0" smtClean="0"/>
-              <a:t> </a:t>
+              <a:t>선택</a:t>
+            </a:r>
+            <a:r>
+              <a:rPr lang="en-US" altLang="ko-KR" sz="1000" dirty="0"/>
+              <a:t>)</a:t>
             </a:r>
             <a:r>
               <a:rPr lang="ko-KR" altLang="en-US" sz="1000" dirty="0"/>
-              <a:t>광고비 부족 </a:t>
-            </a:r>
-            <a:r>
-              <a:rPr lang="ko-KR" altLang="en-US" sz="1000" dirty="0" smtClean="0"/>
-              <a:t>알림 및 충전 안내</a:t>
-            </a:r>
-            <a:endParaRPr lang="en-US" altLang="ko-KR" sz="1000" dirty="0" smtClean="0"/>
-          </a:p>
-          <a:p>
+              <a:t>의</a:t>
+            </a:r>
             <a:r>
               <a:rPr lang="en-US" altLang="ko-KR" sz="1000" dirty="0"/>
               <a:t> </a:t>
             </a:r>
             <a:r>
-              <a:rPr lang="ko-KR" altLang="en-US" sz="1000" dirty="0" smtClean="0"/>
-              <a:t>다음달 광고비 예상</a:t>
-            </a:r>
-            <a:endParaRPr lang="en-US" altLang="ko-KR" sz="1000" dirty="0" smtClean="0"/>
-          </a:p>
-          <a:p>
+              <a:rPr lang="ko-KR" altLang="en-US" sz="1000" dirty="0"/>
+              <a:t>계정 권한 부여가 필요합니다</a:t>
+            </a:r>
             <a:r>
               <a:rPr lang="en-US" altLang="ko-KR" sz="1000" dirty="0"/>
-              <a:t> ROAS</a:t>
-            </a:r>
+              <a:t>.</a:t>
+            </a:r>
+          </a:p>
+          <a:p>
             <a:r>
               <a:rPr lang="ko-KR" altLang="en-US" sz="1000" dirty="0"/>
-              <a:t>율에 따른 실시간 입찰가 </a:t>
-            </a:r>
-            <a:r>
-              <a:rPr lang="ko-KR" altLang="en-US" sz="1000" dirty="0" smtClean="0"/>
-              <a:t>변경 </a:t>
-            </a:r>
-            <a:r>
-              <a:rPr lang="en-US" altLang="ko-KR" sz="1000" dirty="0" smtClean="0"/>
-              <a:t>(</a:t>
+              <a:t>마케팅 보고서를 주기적으로 받을 요일과 메일을 알려주세요</a:t>
+            </a:r>
+            <a:endParaRPr lang="en-US" altLang="ko-KR" sz="1000" dirty="0"/>
+          </a:p>
+          <a:p>
+            <a:endParaRPr lang="en-US" altLang="ko-KR" sz="1000" dirty="0"/>
+          </a:p>
+          <a:p>
+            <a:r>
+              <a:rPr lang="en-US" altLang="ko-KR" sz="1000" dirty="0"/>
+              <a:t>[</a:t>
             </a:r>
             <a:r>
               <a:rPr lang="ko-KR" altLang="en-US" sz="1000" dirty="0"/>
-              <a:t>매일</a:t>
+              <a:t>환불 규정 및 유의 사항</a:t>
+            </a:r>
+            <a:r>
+              <a:rPr lang="en-US" altLang="ko-KR" sz="1000" dirty="0"/>
+              <a:t>]</a:t>
+            </a:r>
+          </a:p>
+          <a:p>
+            <a:r>
+              <a:rPr lang="ko-KR" altLang="en-US" sz="1000" dirty="0"/>
+              <a:t>오타나 엑셀 버전 차이에 따른 문제 등은</a:t>
+            </a:r>
+            <a:r>
+              <a:rPr lang="en-US" altLang="ko-KR" sz="1000" dirty="0"/>
+              <a:t> A/S</a:t>
+            </a:r>
+            <a:r>
+              <a:rPr lang="ko-KR" altLang="en-US" sz="1000" dirty="0"/>
+              <a:t> 지속 지원해드립니다</a:t>
+            </a:r>
+            <a:r>
+              <a:rPr lang="en-US" altLang="ko-KR" sz="1000" dirty="0"/>
+              <a:t>.</a:t>
+            </a:r>
+          </a:p>
+          <a:p>
+            <a:r>
+              <a:rPr lang="ko-KR" altLang="en-US" sz="1000" dirty="0"/>
+              <a:t>기타 부득이한 사유로</a:t>
+            </a:r>
+            <a:r>
+              <a:rPr lang="en-US" altLang="ko-KR" sz="1000" dirty="0"/>
+              <a:t>, </a:t>
+            </a:r>
+            <a:r>
+              <a:rPr lang="ko-KR" altLang="en-US" sz="1000" dirty="0"/>
+              <a:t>실 사용기간 </a:t>
+            </a:r>
+            <a:r>
+              <a:rPr lang="en-US" altLang="ko-KR" sz="1000" dirty="0"/>
+              <a:t>3</a:t>
+            </a:r>
+            <a:r>
+              <a:rPr lang="ko-KR" altLang="en-US" sz="1000" dirty="0"/>
+              <a:t>일 이하에 한해 전액 환불해드립니다</a:t>
+            </a:r>
+            <a:r>
+              <a:rPr lang="en-US" altLang="ko-KR" sz="1000" dirty="0"/>
+              <a:t>. (premium </a:t>
+            </a:r>
+            <a:r>
+              <a:rPr lang="ko-KR" altLang="en-US" sz="1000" dirty="0"/>
+              <a:t>상품의 경우</a:t>
+            </a:r>
+            <a:r>
+              <a:rPr lang="en-US" altLang="ko-KR" sz="1000" dirty="0"/>
+              <a:t>, </a:t>
+            </a:r>
+            <a:r>
+              <a:rPr lang="ko-KR" altLang="en-US" sz="1000" dirty="0"/>
+              <a:t>캠페인 삭제</a:t>
             </a:r>
             <a:r>
               <a:rPr lang="en-US" altLang="ko-KR" sz="1000" dirty="0"/>
@@ -6915,59 +7234,69 @@
           </a:p>
           <a:p>
             <a:r>
+              <a:rPr lang="ko-KR" altLang="en-US" sz="1000" dirty="0" err="1"/>
+              <a:t>이메일</a:t>
+            </a:r>
+            <a:r>
               <a:rPr lang="en-US" altLang="ko-KR" sz="1000" dirty="0"/>
-              <a:t> </a:t>
-            </a:r>
-            <a:r>
-              <a:rPr lang="ko-KR" altLang="en-US" sz="1000" dirty="0" smtClean="0"/>
-              <a:t>광고 성과에 </a:t>
+              <a:t>(</a:t>
             </a:r>
             <a:r>
               <a:rPr lang="ko-KR" altLang="en-US" sz="1000" dirty="0"/>
-              <a:t>따른 실시간 </a:t>
-            </a:r>
-            <a:r>
-              <a:rPr lang="ko-KR" altLang="en-US" sz="1000" dirty="0" smtClean="0"/>
-              <a:t>불량소재 삭제</a:t>
-            </a:r>
-            <a:r>
-              <a:rPr lang="en-US" altLang="ko-KR" sz="1000" dirty="0" smtClean="0"/>
-              <a:t>/</a:t>
-            </a:r>
-            <a:r>
-              <a:rPr lang="ko-KR" altLang="en-US" sz="1000" dirty="0" smtClean="0"/>
-              <a:t>신규소재 추가 </a:t>
-            </a:r>
-            <a:r>
-              <a:rPr lang="en-US" altLang="ko-KR" sz="1000" dirty="0" smtClean="0"/>
-              <a:t>(3</a:t>
-            </a:r>
-            <a:r>
-              <a:rPr lang="ko-KR" altLang="en-US" sz="1000" dirty="0" smtClean="0"/>
-              <a:t>일 간격</a:t>
-            </a:r>
-            <a:r>
-              <a:rPr lang="en-US" altLang="ko-KR" sz="1000" dirty="0" smtClean="0"/>
-              <a:t>)</a:t>
-            </a:r>
+              <a:t>솔루션 포함</a:t>
+            </a:r>
+            <a:r>
+              <a:rPr lang="en-US" altLang="ko-KR" sz="1000" dirty="0"/>
+              <a:t>) </a:t>
+            </a:r>
+            <a:r>
+              <a:rPr lang="ko-KR" altLang="en-US" sz="1000" dirty="0"/>
+              <a:t>발송 이후에는 환불이 불가합니다</a:t>
+            </a:r>
+            <a:r>
+              <a:rPr lang="en-US" altLang="ko-KR" sz="1000" dirty="0"/>
+              <a:t>.</a:t>
+            </a:r>
+          </a:p>
+          <a:p>
             <a:endParaRPr lang="en-US" altLang="ko-KR" sz="1000" dirty="0"/>
           </a:p>
           <a:p>
             <a:r>
-              <a:rPr lang="en-US" altLang="ko-KR" sz="1000" dirty="0" smtClean="0"/>
-              <a:t>※ ROAS</a:t>
+              <a:rPr lang="en-US" altLang="ko-KR" sz="1000" dirty="0"/>
+              <a:t>[</a:t>
             </a:r>
             <a:r>
               <a:rPr lang="ko-KR" altLang="en-US" sz="1000" dirty="0"/>
-              <a:t>율</a:t>
+              <a:t>직접 관리해보고 싶으시다면</a:t>
             </a:r>
             <a:r>
               <a:rPr lang="en-US" altLang="ko-KR" sz="1000" dirty="0"/>
-              <a:t>: </a:t>
-            </a:r>
+              <a:t>?]</a:t>
+            </a:r>
+          </a:p>
+          <a:p>
             <a:r>
               <a:rPr lang="ko-KR" altLang="en-US" sz="1000" dirty="0"/>
-              <a:t>광고비 대비 매출액을 뜻함</a:t>
+              <a:t>마이 </a:t>
+            </a:r>
+            <a:r>
+              <a:rPr lang="ko-KR" altLang="en-US" sz="1000" dirty="0" err="1"/>
+              <a:t>마케터는</a:t>
+            </a:r>
+            <a:r>
+              <a:rPr lang="ko-KR" altLang="en-US" sz="1000" dirty="0"/>
+              <a:t> 모든 과정을 수작업으로 진행합니다</a:t>
+            </a:r>
+            <a:r>
+              <a:rPr lang="en-US" altLang="ko-KR" sz="1000" dirty="0"/>
+              <a:t>. </a:t>
+            </a:r>
+          </a:p>
+          <a:p>
+            <a:r>
+              <a:rPr lang="ko-KR" altLang="en-US" sz="1000" dirty="0"/>
+              <a:t>따라서</a:t>
             </a:r>
             <a:r>
               <a:rPr lang="en-US" altLang="ko-KR" sz="1000" dirty="0"/>
@@ -6975,211 +7304,17 @@
             </a:r>
             <a:r>
               <a:rPr lang="ko-KR" altLang="en-US" sz="1000" dirty="0"/>
-              <a:t>광고비 성과를 파악할 수 있음</a:t>
-            </a:r>
-            <a:endParaRPr lang="en-US" altLang="ko-KR" sz="1000" dirty="0"/>
-          </a:p>
-          <a:p>
-            <a:r>
-              <a:rPr lang="en-US" altLang="ko-KR" sz="1000" dirty="0" smtClean="0"/>
-              <a:t>※ </a:t>
-            </a:r>
-            <a:r>
-              <a:rPr lang="ko-KR" altLang="en-US" sz="1000" dirty="0" smtClean="0"/>
-              <a:t>광고소재</a:t>
-            </a:r>
-            <a:r>
-              <a:rPr lang="en-US" altLang="ko-KR" sz="1000" dirty="0" smtClean="0"/>
-              <a:t>: </a:t>
-            </a:r>
-            <a:r>
-              <a:rPr lang="ko-KR" altLang="en-US" sz="1000" dirty="0" smtClean="0"/>
-              <a:t>하나의 상품에 적용할 수 있는 광고 수로</a:t>
-            </a:r>
-            <a:r>
-              <a:rPr lang="en-US" altLang="ko-KR" sz="1000" dirty="0" smtClean="0"/>
-              <a:t> </a:t>
-            </a:r>
-            <a:r>
-              <a:rPr lang="ko-KR" altLang="en-US" sz="1000" dirty="0" smtClean="0"/>
-              <a:t>최대 </a:t>
-            </a:r>
-            <a:r>
-              <a:rPr lang="en-US" altLang="ko-KR" sz="1000" dirty="0" smtClean="0"/>
-              <a:t>10</a:t>
-            </a:r>
-            <a:r>
-              <a:rPr lang="ko-KR" altLang="en-US" sz="1000" dirty="0" smtClean="0"/>
-              <a:t>개까지 노출됨</a:t>
-            </a:r>
-            <a:r>
-              <a:rPr lang="en-US" altLang="ko-KR" sz="1000" dirty="0" smtClean="0"/>
-              <a:t/>
-            </a:r>
-            <a:br>
-              <a:rPr lang="en-US" altLang="ko-KR" sz="1000" dirty="0" smtClean="0"/>
-            </a:br>
-            <a:endParaRPr lang="en-US" altLang="ko-KR" sz="1000" dirty="0" smtClean="0"/>
-          </a:p>
-          <a:p>
-            <a:r>
-              <a:rPr lang="en-US" altLang="ko-KR" sz="1000" dirty="0" smtClean="0"/>
-              <a:t>- </a:t>
-            </a:r>
-            <a:r>
-              <a:rPr lang="ko-KR" altLang="en-US" sz="1000" dirty="0" smtClean="0"/>
-              <a:t>상품 분석</a:t>
-            </a:r>
-            <a:endParaRPr lang="en-US" altLang="ko-KR" sz="1000" dirty="0" smtClean="0"/>
-          </a:p>
-          <a:p>
-            <a:r>
-              <a:rPr lang="ko-KR" altLang="en-US" sz="1000" dirty="0" smtClean="0"/>
-              <a:t>내 상점이란 마음으로</a:t>
-            </a:r>
-            <a:r>
-              <a:rPr lang="en-US" altLang="ko-KR" sz="1000" dirty="0" smtClean="0"/>
-              <a:t>,</a:t>
-            </a:r>
-            <a:r>
-              <a:rPr lang="ko-KR" altLang="en-US" sz="1000" dirty="0" smtClean="0"/>
-              <a:t> 마케팅을 넘어서 상품 업무까지 도움을 드립니다</a:t>
-            </a:r>
-            <a:r>
-              <a:rPr lang="en-US" altLang="ko-KR" sz="1000" dirty="0" smtClean="0"/>
+              <a:t>누구나 방법만 알면 저처럼 작업하실 수 있습니다</a:t>
+            </a:r>
+            <a:r>
+              <a:rPr lang="en-US" altLang="ko-KR" sz="1000" dirty="0"/>
               <a:t>.</a:t>
             </a:r>
           </a:p>
           <a:p>
             <a:r>
-              <a:rPr lang="ko-KR" altLang="en-US" sz="1000" dirty="0" smtClean="0"/>
-              <a:t>고객님이 잘 되는야 제가 보람찹니다</a:t>
-            </a:r>
-            <a:r>
-              <a:rPr lang="en-US" altLang="ko-KR" sz="1000" dirty="0" smtClean="0"/>
-              <a:t>. </a:t>
-            </a:r>
-            <a:r>
-              <a:rPr lang="ko-KR" altLang="en-US" sz="1000" dirty="0" smtClean="0"/>
-              <a:t>아래 준비해온 것들 외에 더 필요하시면</a:t>
-            </a:r>
-            <a:r>
-              <a:rPr lang="en-US" altLang="ko-KR" sz="1000" dirty="0" smtClean="0"/>
-              <a:t>,</a:t>
-            </a:r>
-            <a:r>
-              <a:rPr lang="ko-KR" altLang="en-US" sz="1000" dirty="0" smtClean="0"/>
-              <a:t> </a:t>
-            </a:r>
-            <a:endParaRPr lang="en-US" altLang="ko-KR" sz="1000" dirty="0" smtClean="0"/>
-          </a:p>
-          <a:p>
-            <a:r>
-              <a:rPr lang="ko-KR" altLang="en-US" sz="1000" dirty="0" smtClean="0"/>
-              <a:t>언제든 편하게 말씀주세요</a:t>
-            </a:r>
-            <a:r>
-              <a:rPr lang="en-US" altLang="ko-KR" sz="1000" dirty="0" smtClean="0"/>
-              <a:t>!</a:t>
-            </a:r>
-          </a:p>
-          <a:p>
-            <a:r>
-              <a:rPr lang="en-US" altLang="ko-KR" sz="1000" dirty="0" smtClean="0"/>
-              <a:t> best/worst </a:t>
-            </a:r>
-            <a:r>
-              <a:rPr lang="ko-KR" altLang="en-US" sz="1000" dirty="0" smtClean="0"/>
-              <a:t>상품 원인 분석</a:t>
-            </a:r>
-            <a:endParaRPr lang="en-US" altLang="ko-KR" sz="1000" dirty="0" smtClean="0"/>
-          </a:p>
-          <a:p>
-            <a:r>
-              <a:rPr lang="ko-KR" altLang="en-US" sz="1000" dirty="0" smtClean="0"/>
-              <a:t> </a:t>
-            </a:r>
-            <a:r>
-              <a:rPr lang="ko-KR" altLang="en-US" sz="1000" dirty="0" err="1" smtClean="0"/>
-              <a:t>카테고리별</a:t>
-            </a:r>
-            <a:r>
-              <a:rPr lang="ko-KR" altLang="en-US" sz="1000" dirty="0" smtClean="0"/>
-              <a:t> 인기검색어 </a:t>
-            </a:r>
-            <a:r>
-              <a:rPr lang="en-US" altLang="ko-KR" sz="1000" dirty="0" smtClean="0"/>
-              <a:t>top 500</a:t>
-            </a:r>
-          </a:p>
-          <a:p>
-            <a:r>
-              <a:rPr lang="en-US" altLang="ko-KR" sz="1000" dirty="0" smtClean="0"/>
-              <a:t>(+</a:t>
-            </a:r>
-            <a:r>
-              <a:rPr lang="ko-KR" altLang="en-US" sz="1000" dirty="0" err="1" smtClean="0"/>
-              <a:t>스토어팜</a:t>
-            </a:r>
-            <a:r>
-              <a:rPr lang="ko-KR" altLang="en-US" sz="1000" dirty="0" smtClean="0"/>
-              <a:t> </a:t>
-            </a:r>
-            <a:r>
-              <a:rPr lang="ko-KR" altLang="en-US" sz="1000" dirty="0" err="1" smtClean="0"/>
-              <a:t>연동시</a:t>
-            </a:r>
-            <a:r>
-              <a:rPr lang="en-US" altLang="ko-KR" sz="1000" dirty="0" smtClean="0"/>
-              <a:t>)</a:t>
-            </a:r>
-            <a:endParaRPr lang="en-US" altLang="ko-KR" sz="1000" dirty="0"/>
-          </a:p>
-          <a:p>
-            <a:r>
-              <a:rPr lang="ko-KR" altLang="en-US" sz="1000" dirty="0" smtClean="0"/>
-              <a:t> 월 매출액 </a:t>
-            </a:r>
-            <a:r>
               <a:rPr lang="ko-KR" altLang="en-US" sz="1000" dirty="0"/>
-              <a:t>추이</a:t>
-            </a:r>
-            <a:endParaRPr lang="en-US" altLang="ko-KR" sz="1000" dirty="0"/>
-          </a:p>
-          <a:p>
-            <a:r>
-              <a:rPr lang="ko-KR" altLang="en-US" sz="1000" dirty="0" smtClean="0"/>
-              <a:t> 상품</a:t>
-            </a:r>
-            <a:r>
-              <a:rPr lang="en-US" altLang="ko-KR" sz="1000" dirty="0" smtClean="0"/>
-              <a:t>/</a:t>
-            </a:r>
-            <a:r>
-              <a:rPr lang="ko-KR" altLang="en-US" sz="1000" dirty="0" smtClean="0"/>
-              <a:t>럭키투데이</a:t>
-            </a:r>
-            <a:r>
-              <a:rPr lang="en-US" altLang="ko-KR" sz="1000" dirty="0" smtClean="0"/>
-              <a:t>/SNS </a:t>
-            </a:r>
-            <a:r>
-              <a:rPr lang="ko-KR" altLang="en-US" sz="1000" dirty="0" smtClean="0"/>
-              <a:t>연동 여부 및 마지막 업로드 일자 확인</a:t>
-            </a:r>
-            <a:endParaRPr lang="en-US" altLang="ko-KR" sz="1000" dirty="0"/>
-          </a:p>
-          <a:p>
-            <a:endParaRPr lang="en-US" altLang="ko-KR" sz="1000" dirty="0" smtClean="0"/>
-          </a:p>
-          <a:p>
-            <a:r>
-              <a:rPr lang="en-US" altLang="ko-KR" sz="1000" dirty="0"/>
-              <a:t>[</a:t>
-            </a:r>
-            <a:r>
-              <a:rPr lang="ko-KR" altLang="en-US" sz="1000" dirty="0"/>
-              <a:t>구매 전</a:t>
+              <a:t>다만</a:t>
             </a:r>
             <a:r>
               <a:rPr lang="en-US" altLang="ko-KR" sz="1000" dirty="0"/>
@@ -7187,341 +7322,35 @@
             </a:r>
             <a:r>
               <a:rPr lang="ko-KR" altLang="en-US" sz="1000" dirty="0"/>
-              <a:t> 확인해주세요</a:t>
+              <a:t> 방법이 조금 복잡하고 매일매일 꾸준히 한다는 게 사실 쉽지 않습니다</a:t>
+            </a:r>
+            <a:endParaRPr lang="en-US" altLang="ko-KR" sz="1000" dirty="0"/>
+          </a:p>
+          <a:p>
+            <a:endParaRPr lang="en-US" altLang="ko-KR" sz="1000" dirty="0"/>
+          </a:p>
+          <a:p>
+            <a:r>
+              <a:rPr lang="ko-KR" altLang="en-US" sz="1000" dirty="0"/>
+              <a:t>고객님 중에</a:t>
             </a:r>
             <a:r>
               <a:rPr lang="en-US" altLang="ko-KR" sz="1000" dirty="0"/>
-              <a:t>!]</a:t>
-            </a:r>
-          </a:p>
-          <a:p>
+              <a:t>, </a:t>
+            </a:r>
             <a:r>
               <a:rPr lang="ko-KR" altLang="en-US" sz="1000" dirty="0"/>
-              <a:t>정기 구독 </a:t>
+              <a:t>이용기간 만료 후에 직접 작업해보고 싶으시거나 </a:t>
+            </a:r>
+            <a:endParaRPr lang="en-US" altLang="ko-KR" sz="1000" dirty="0"/>
+          </a:p>
+          <a:p>
+            <a:r>
+              <a:rPr lang="ko-KR" altLang="en-US" sz="1000" dirty="0"/>
+              <a:t>작업 과정이 궁금하신 분들이 있으시면 편하게 문의주세요</a:t>
             </a:r>
             <a:r>
               <a:rPr lang="en-US" altLang="ko-KR" sz="1000" dirty="0"/>
-              <a:t>2</a:t>
-            </a:r>
-            <a:r>
-              <a:rPr lang="ko-KR" altLang="en-US" sz="1000" dirty="0"/>
-              <a:t>주</a:t>
-            </a:r>
-            <a:r>
-              <a:rPr lang="en-US" altLang="ko-KR" sz="1000" dirty="0"/>
-              <a:t>, 4</a:t>
-            </a:r>
-            <a:r>
-              <a:rPr lang="ko-KR" altLang="en-US" sz="1000" dirty="0"/>
-              <a:t>주 단위 구매 상품입니다</a:t>
-            </a:r>
-            <a:r>
-              <a:rPr lang="en-US" altLang="ko-KR" sz="1000" dirty="0" smtClean="0"/>
-              <a:t>.</a:t>
-            </a:r>
-          </a:p>
-          <a:p>
-            <a:r>
-              <a:rPr lang="ko-KR" altLang="en-US" sz="1000" dirty="0" smtClean="0"/>
-              <a:t>광고 계정은 미리 준비해주세요</a:t>
-            </a:r>
-            <a:endParaRPr lang="en-US" altLang="ko-KR" sz="1000" dirty="0" smtClean="0"/>
-          </a:p>
-          <a:p>
-            <a:r>
-              <a:rPr lang="ko-KR" altLang="en-US" sz="1000" dirty="0" smtClean="0"/>
-              <a:t>쇼핑 광고를 처음 시작하는 경우</a:t>
-            </a:r>
-            <a:r>
-              <a:rPr lang="en-US" altLang="ko-KR" sz="1000" dirty="0" smtClean="0"/>
-              <a:t>, </a:t>
-            </a:r>
-            <a:r>
-              <a:rPr lang="ko-KR" altLang="en-US" sz="1000" dirty="0" smtClean="0"/>
-              <a:t>광고 소재 검수로 시간이 더 소요될 수 있습니다</a:t>
-            </a:r>
-            <a:r>
-              <a:rPr lang="en-US" altLang="ko-KR" sz="1000" dirty="0" smtClean="0"/>
-              <a:t>.</a:t>
-            </a:r>
-            <a:endParaRPr lang="en-US" altLang="ko-KR" sz="1000" dirty="0"/>
-          </a:p>
-          <a:p>
-            <a:r>
-              <a:rPr lang="ko-KR" altLang="en-US" sz="1000" dirty="0"/>
-              <a:t>광고시스템</a:t>
-            </a:r>
-            <a:r>
-              <a:rPr lang="en-US" altLang="ko-KR" sz="1000" dirty="0"/>
-              <a:t>(</a:t>
-            </a:r>
-            <a:r>
-              <a:rPr lang="ko-KR" altLang="en-US" sz="1000" dirty="0"/>
-              <a:t>필수</a:t>
-            </a:r>
-            <a:r>
-              <a:rPr lang="en-US" altLang="ko-KR" sz="1000" dirty="0"/>
-              <a:t>)</a:t>
-            </a:r>
-            <a:r>
-              <a:rPr lang="ko-KR" altLang="en-US" sz="1000" dirty="0"/>
-              <a:t> </a:t>
-            </a:r>
-            <a:r>
-              <a:rPr lang="en-US" altLang="ko-KR" sz="1000" dirty="0"/>
-              <a:t>/ </a:t>
-            </a:r>
-            <a:r>
-              <a:rPr lang="ko-KR" altLang="en-US" sz="1000" dirty="0" err="1"/>
-              <a:t>스토어팜</a:t>
-            </a:r>
-            <a:r>
-              <a:rPr lang="en-US" altLang="ko-KR" sz="1000" dirty="0"/>
-              <a:t>(</a:t>
-            </a:r>
-            <a:r>
-              <a:rPr lang="ko-KR" altLang="en-US" sz="1000" dirty="0"/>
-              <a:t>선택</a:t>
-            </a:r>
-            <a:r>
-              <a:rPr lang="en-US" altLang="ko-KR" sz="1000" dirty="0" smtClean="0"/>
-              <a:t>)</a:t>
-            </a:r>
-            <a:r>
-              <a:rPr lang="ko-KR" altLang="en-US" sz="1000" dirty="0" smtClean="0"/>
-              <a:t>의</a:t>
-            </a:r>
-            <a:r>
-              <a:rPr lang="en-US" altLang="ko-KR" sz="1000" dirty="0" smtClean="0"/>
-              <a:t> </a:t>
-            </a:r>
-            <a:r>
-              <a:rPr lang="ko-KR" altLang="en-US" sz="1000" dirty="0" smtClean="0"/>
-              <a:t>계정 권한 </a:t>
-            </a:r>
-            <a:r>
-              <a:rPr lang="ko-KR" altLang="en-US" sz="1000" dirty="0"/>
-              <a:t>부여가 필요합니다</a:t>
-            </a:r>
-            <a:r>
-              <a:rPr lang="en-US" altLang="ko-KR" sz="1000" dirty="0"/>
-              <a:t>.</a:t>
-            </a:r>
-          </a:p>
-          <a:p>
-            <a:r>
-              <a:rPr lang="ko-KR" altLang="en-US" sz="1000" dirty="0"/>
-              <a:t>마케팅 보고서를 주기적으로 받을 요일과 메일을 알려주세요</a:t>
-            </a:r>
-            <a:endParaRPr lang="en-US" altLang="ko-KR" sz="1000" dirty="0"/>
-          </a:p>
-          <a:p>
-            <a:endParaRPr lang="en-US" altLang="ko-KR" sz="1000" dirty="0" smtClean="0"/>
-          </a:p>
-          <a:p>
-            <a:r>
-              <a:rPr lang="en-US" altLang="ko-KR" sz="1000" dirty="0" smtClean="0"/>
-              <a:t>[</a:t>
-            </a:r>
-            <a:r>
-              <a:rPr lang="ko-KR" altLang="en-US" sz="1000" dirty="0" smtClean="0"/>
-              <a:t>환불 규정 및 유의 사항</a:t>
-            </a:r>
-            <a:r>
-              <a:rPr lang="en-US" altLang="ko-KR" sz="1000" dirty="0" smtClean="0"/>
-              <a:t>]</a:t>
-            </a:r>
-            <a:endParaRPr lang="en-US" altLang="ko-KR" sz="1000" dirty="0"/>
-          </a:p>
-          <a:p>
-            <a:r>
-              <a:rPr lang="ko-KR" altLang="en-US" sz="1000" dirty="0" smtClean="0"/>
-              <a:t>오타나 엑셀 버전 차이에 따른 문제 등은</a:t>
-            </a:r>
-            <a:r>
-              <a:rPr lang="en-US" altLang="ko-KR" sz="1000" dirty="0" smtClean="0"/>
-              <a:t> A/S</a:t>
-            </a:r>
-            <a:r>
-              <a:rPr lang="ko-KR" altLang="en-US" sz="1000" dirty="0"/>
-              <a:t> 지속 </a:t>
-            </a:r>
-            <a:r>
-              <a:rPr lang="ko-KR" altLang="en-US" sz="1000" dirty="0" smtClean="0"/>
-              <a:t>지원해드립니다</a:t>
-            </a:r>
-            <a:r>
-              <a:rPr lang="en-US" altLang="ko-KR" sz="1000" dirty="0" smtClean="0"/>
-              <a:t>.</a:t>
-            </a:r>
-          </a:p>
-          <a:p>
-            <a:r>
-              <a:rPr lang="ko-KR" altLang="en-US" sz="1000" dirty="0" smtClean="0"/>
-              <a:t>기타 부득이한 사유로</a:t>
-            </a:r>
-            <a:r>
-              <a:rPr lang="en-US" altLang="ko-KR" sz="1000" dirty="0" smtClean="0"/>
-              <a:t>, </a:t>
-            </a:r>
-            <a:r>
-              <a:rPr lang="ko-KR" altLang="en-US" sz="1000" dirty="0" smtClean="0"/>
-              <a:t>실 사용기간 </a:t>
-            </a:r>
-            <a:r>
-              <a:rPr lang="en-US" altLang="ko-KR" sz="1000" dirty="0" smtClean="0"/>
-              <a:t>3</a:t>
-            </a:r>
-            <a:r>
-              <a:rPr lang="ko-KR" altLang="en-US" sz="1000" dirty="0" smtClean="0"/>
-              <a:t>일 이하에 한해 전액 환불해드립니다</a:t>
-            </a:r>
-            <a:r>
-              <a:rPr lang="en-US" altLang="ko-KR" sz="1000" dirty="0" smtClean="0"/>
-              <a:t>. (premium </a:t>
-            </a:r>
-            <a:r>
-              <a:rPr lang="ko-KR" altLang="en-US" sz="1000" dirty="0" smtClean="0"/>
-              <a:t>상품의 경우</a:t>
-            </a:r>
-            <a:r>
-              <a:rPr lang="en-US" altLang="ko-KR" sz="1000" dirty="0" smtClean="0"/>
-              <a:t>, </a:t>
-            </a:r>
-            <a:r>
-              <a:rPr lang="ko-KR" altLang="en-US" sz="1000" dirty="0" smtClean="0"/>
-              <a:t>캠페인 삭제</a:t>
-            </a:r>
-            <a:r>
-              <a:rPr lang="en-US" altLang="ko-KR" sz="1000" dirty="0" smtClean="0"/>
-              <a:t>)</a:t>
-            </a:r>
-          </a:p>
-          <a:p>
-            <a:r>
-              <a:rPr lang="ko-KR" altLang="en-US" sz="1000" dirty="0" err="1" smtClean="0"/>
-              <a:t>이메일</a:t>
-            </a:r>
-            <a:r>
-              <a:rPr lang="en-US" altLang="ko-KR" sz="1000" dirty="0" smtClean="0"/>
-              <a:t>(</a:t>
-            </a:r>
-            <a:r>
-              <a:rPr lang="ko-KR" altLang="en-US" sz="1000" dirty="0"/>
-              <a:t>솔루션 포함</a:t>
-            </a:r>
-            <a:r>
-              <a:rPr lang="en-US" altLang="ko-KR" sz="1000" dirty="0"/>
-              <a:t>) </a:t>
-            </a:r>
-            <a:r>
-              <a:rPr lang="ko-KR" altLang="en-US" sz="1000" dirty="0"/>
-              <a:t>발송 이후에는 환불이 불가합니다</a:t>
-            </a:r>
-            <a:r>
-              <a:rPr lang="en-US" altLang="ko-KR" sz="1000" dirty="0"/>
-              <a:t>.</a:t>
-            </a:r>
-            <a:endParaRPr lang="en-US" altLang="ko-KR" sz="1000" dirty="0" smtClean="0"/>
-          </a:p>
-          <a:p>
-            <a:endParaRPr lang="en-US" altLang="ko-KR" sz="1000" dirty="0"/>
-          </a:p>
-          <a:p>
-            <a:r>
-              <a:rPr lang="en-US" altLang="ko-KR" sz="1000" dirty="0" smtClean="0"/>
-              <a:t>[</a:t>
-            </a:r>
-            <a:r>
-              <a:rPr lang="ko-KR" altLang="en-US" sz="1000" dirty="0" smtClean="0"/>
-              <a:t>직접 관리해보고 싶으시다면</a:t>
-            </a:r>
-            <a:r>
-              <a:rPr lang="en-US" altLang="ko-KR" sz="1000" dirty="0" smtClean="0"/>
-              <a:t>?]</a:t>
-            </a:r>
-            <a:endParaRPr lang="en-US" altLang="ko-KR" sz="1000" dirty="0"/>
-          </a:p>
-          <a:p>
-            <a:r>
-              <a:rPr lang="ko-KR" altLang="en-US" sz="1000" dirty="0" smtClean="0"/>
-              <a:t>마이 </a:t>
-            </a:r>
-            <a:r>
-              <a:rPr lang="ko-KR" altLang="en-US" sz="1000" dirty="0" err="1" smtClean="0"/>
-              <a:t>마케터는</a:t>
-            </a:r>
-            <a:r>
-              <a:rPr lang="ko-KR" altLang="en-US" sz="1000" dirty="0" smtClean="0"/>
-              <a:t> 모든 과정을 수작업으로 진행합니다</a:t>
-            </a:r>
-            <a:r>
-              <a:rPr lang="en-US" altLang="ko-KR" sz="1000" dirty="0" smtClean="0"/>
-              <a:t>. </a:t>
-            </a:r>
-          </a:p>
-          <a:p>
-            <a:r>
-              <a:rPr lang="ko-KR" altLang="en-US" sz="1000" dirty="0" smtClean="0"/>
-              <a:t>따라서</a:t>
-            </a:r>
-            <a:r>
-              <a:rPr lang="en-US" altLang="ko-KR" sz="1000" dirty="0" smtClean="0"/>
-              <a:t>, </a:t>
-            </a:r>
-            <a:r>
-              <a:rPr lang="ko-KR" altLang="en-US" sz="1000" dirty="0" smtClean="0"/>
-              <a:t>누구나 방법만 알면 저처럼 작업하실 수 있습니다</a:t>
-            </a:r>
-            <a:r>
-              <a:rPr lang="en-US" altLang="ko-KR" sz="1000" dirty="0" smtClean="0"/>
-              <a:t>.</a:t>
-            </a:r>
-          </a:p>
-          <a:p>
-            <a:r>
-              <a:rPr lang="ko-KR" altLang="en-US" sz="1000" dirty="0" smtClean="0"/>
-              <a:t>다만</a:t>
-            </a:r>
-            <a:r>
-              <a:rPr lang="en-US" altLang="ko-KR" sz="1000" dirty="0" smtClean="0"/>
-              <a:t>,</a:t>
-            </a:r>
-            <a:r>
-              <a:rPr lang="ko-KR" altLang="en-US" sz="1000" dirty="0"/>
-              <a:t> </a:t>
-            </a:r>
-            <a:r>
-              <a:rPr lang="ko-KR" altLang="en-US" sz="1000" dirty="0" smtClean="0"/>
-              <a:t>방법이 조금 복잡하고 매일매일 꾸준히 한다는 게 사실 쉽지 않습니다</a:t>
-            </a:r>
-            <a:endParaRPr lang="en-US" altLang="ko-KR" sz="1000" dirty="0" smtClean="0"/>
-          </a:p>
-          <a:p>
-            <a:endParaRPr lang="en-US" altLang="ko-KR" sz="1000" dirty="0" smtClean="0"/>
-          </a:p>
-          <a:p>
-            <a:r>
-              <a:rPr lang="ko-KR" altLang="en-US" sz="1000" dirty="0" smtClean="0"/>
-              <a:t>고객님 중에</a:t>
-            </a:r>
-            <a:r>
-              <a:rPr lang="en-US" altLang="ko-KR" sz="1000" dirty="0" smtClean="0"/>
-              <a:t>, </a:t>
-            </a:r>
-            <a:r>
-              <a:rPr lang="ko-KR" altLang="en-US" sz="1000" dirty="0" smtClean="0"/>
-              <a:t>이용기간 만료 후에 직접 작업해보고 싶으시거나 </a:t>
-            </a:r>
-            <a:endParaRPr lang="en-US" altLang="ko-KR" sz="1000" dirty="0" smtClean="0"/>
-          </a:p>
-          <a:p>
-            <a:r>
-              <a:rPr lang="ko-KR" altLang="en-US" sz="1000" dirty="0" smtClean="0"/>
-              <a:t>작업 과정이 궁금하신 분들이 있으시면 편하게 문의주세요</a:t>
-            </a:r>
-            <a:r>
-              <a:rPr lang="en-US" altLang="ko-KR" sz="1000" dirty="0" smtClean="0"/>
               <a:t>!</a:t>
             </a:r>
           </a:p>
@@ -17327,7 +17156,7 @@
   <a:extraClrSchemeLst/>
   <a:extLst>
     <a:ext uri="{05A4C25C-085E-4340-85A3-A5531E510DB2}">
-      <thm15:themeFamily xmlns:thm15="http://schemas.microsoft.com/office/thememl/2012/main" xmlns="" name="Office Theme" id="{62F939B6-93AF-4DB8-9C6B-D6C7DFDC589F}" vid="{4A3C46E8-61CC-4603-A589-7422A47A8E4A}"/>
+      <thm15:themeFamily xmlns:thm15="http://schemas.microsoft.com/office/thememl/2012/main" name="Office Theme" id="{62F939B6-93AF-4DB8-9C6B-D6C7DFDC589F}" vid="{4A3C46E8-61CC-4603-A589-7422A47A8E4A}"/>
     </a:ext>
   </a:extLst>
 </a:theme>
